--- a/web_scraping.pptx
+++ b/web_scraping.pptx
@@ -5,37 +5,39 @@
     <p:sldMasterId id="2147483648" r:id="rId1"/>
   </p:sldMasterIdLst>
   <p:notesMasterIdLst>
-    <p:notesMasterId r:id="rId30"/>
+    <p:notesMasterId r:id="rId32"/>
   </p:notesMasterIdLst>
   <p:sldIdLst>
     <p:sldId id="256" r:id="rId2"/>
     <p:sldId id="257" r:id="rId3"/>
-    <p:sldId id="260" r:id="rId4"/>
-    <p:sldId id="261" r:id="rId5"/>
-    <p:sldId id="258" r:id="rId6"/>
-    <p:sldId id="262" r:id="rId7"/>
-    <p:sldId id="263" r:id="rId8"/>
-    <p:sldId id="267" r:id="rId9"/>
-    <p:sldId id="266" r:id="rId10"/>
-    <p:sldId id="268" r:id="rId11"/>
-    <p:sldId id="264" r:id="rId12"/>
-    <p:sldId id="265" r:id="rId13"/>
-    <p:sldId id="259" r:id="rId14"/>
-    <p:sldId id="282" r:id="rId15"/>
-    <p:sldId id="269" r:id="rId16"/>
-    <p:sldId id="271" r:id="rId17"/>
-    <p:sldId id="270" r:id="rId18"/>
-    <p:sldId id="272" r:id="rId19"/>
-    <p:sldId id="273" r:id="rId20"/>
-    <p:sldId id="274" r:id="rId21"/>
-    <p:sldId id="281" r:id="rId22"/>
-    <p:sldId id="278" r:id="rId23"/>
-    <p:sldId id="275" r:id="rId24"/>
-    <p:sldId id="276" r:id="rId25"/>
-    <p:sldId id="277" r:id="rId26"/>
-    <p:sldId id="279" r:id="rId27"/>
-    <p:sldId id="280" r:id="rId28"/>
-    <p:sldId id="283" r:id="rId29"/>
+    <p:sldId id="285" r:id="rId4"/>
+    <p:sldId id="260" r:id="rId5"/>
+    <p:sldId id="261" r:id="rId6"/>
+    <p:sldId id="284" r:id="rId7"/>
+    <p:sldId id="258" r:id="rId8"/>
+    <p:sldId id="262" r:id="rId9"/>
+    <p:sldId id="263" r:id="rId10"/>
+    <p:sldId id="267" r:id="rId11"/>
+    <p:sldId id="266" r:id="rId12"/>
+    <p:sldId id="268" r:id="rId13"/>
+    <p:sldId id="264" r:id="rId14"/>
+    <p:sldId id="265" r:id="rId15"/>
+    <p:sldId id="259" r:id="rId16"/>
+    <p:sldId id="282" r:id="rId17"/>
+    <p:sldId id="269" r:id="rId18"/>
+    <p:sldId id="271" r:id="rId19"/>
+    <p:sldId id="270" r:id="rId20"/>
+    <p:sldId id="272" r:id="rId21"/>
+    <p:sldId id="273" r:id="rId22"/>
+    <p:sldId id="274" r:id="rId23"/>
+    <p:sldId id="281" r:id="rId24"/>
+    <p:sldId id="278" r:id="rId25"/>
+    <p:sldId id="275" r:id="rId26"/>
+    <p:sldId id="276" r:id="rId27"/>
+    <p:sldId id="277" r:id="rId28"/>
+    <p:sldId id="279" r:id="rId29"/>
+    <p:sldId id="280" r:id="rId30"/>
+    <p:sldId id="283" r:id="rId31"/>
   </p:sldIdLst>
   <p:sldSz cx="12192000" cy="6858000"/>
   <p:notesSz cx="6858000" cy="9144000"/>
@@ -3780,7 +3782,14 @@
           <a:p>
             <a:r>
               <a:rPr lang="en-US" dirty="0"/>
-              <a:t>Web Scraping Project</a:t>
+              <a:t>Web Scraping &amp;</a:t>
+            </a:r>
+            <a:br>
+              <a:rPr lang="en-US" dirty="0"/>
+            </a:br>
+            <a:r>
+              <a:rPr lang="en-US" dirty="0"/>
+              <a:t>Data Analysis</a:t>
             </a:r>
           </a:p>
         </p:txBody>
@@ -3859,7 +3868,7 @@
           <p:cNvPr id="5" name="Content Placeholder 4">
             <a:extLst>
               <a:ext uri="{FF2B5EF4-FFF2-40B4-BE49-F238E27FC236}">
-                <a16:creationId xmlns:a16="http://schemas.microsoft.com/office/drawing/2014/main" id="{6EA3E7DD-F46C-4B77-B3D7-8F9D85C864ED}"/>
+                <a16:creationId xmlns:a16="http://schemas.microsoft.com/office/drawing/2014/main" id="{94FEF46E-3A00-4927-A90A-ACE606606BFA}"/>
               </a:ext>
             </a:extLst>
           </p:cNvPr>
@@ -3884,8 +3893,8 @@
         </p:blipFill>
         <p:spPr>
           <a:xfrm>
-            <a:off x="44709" y="660399"/>
-            <a:ext cx="6073647" cy="3318933"/>
+            <a:off x="5334322" y="220133"/>
+            <a:ext cx="6857678" cy="3491422"/>
           </a:xfrm>
         </p:spPr>
       </p:pic>
@@ -3894,7 +3903,7 @@
           <p:cNvPr id="7" name="Picture 6">
             <a:extLst>
               <a:ext uri="{FF2B5EF4-FFF2-40B4-BE49-F238E27FC236}">
-                <a16:creationId xmlns:a16="http://schemas.microsoft.com/office/drawing/2014/main" id="{502DA7D4-F8AE-4005-8228-B8E064F32914}"/>
+                <a16:creationId xmlns:a16="http://schemas.microsoft.com/office/drawing/2014/main" id="{68C378BC-BE02-4716-8EA7-6197A133B01D}"/>
               </a:ext>
             </a:extLst>
           </p:cNvPr>
@@ -3917,92 +3926,20 @@
         </p:blipFill>
         <p:spPr>
           <a:xfrm>
-            <a:off x="6096000" y="660399"/>
-            <a:ext cx="6096000" cy="3331148"/>
+            <a:off x="0" y="3429000"/>
+            <a:ext cx="6612467" cy="3366578"/>
           </a:xfrm>
           <a:prstGeom prst="rect">
             <a:avLst/>
           </a:prstGeom>
         </p:spPr>
       </p:pic>
-      <p:pic>
-        <p:nvPicPr>
-          <p:cNvPr id="11" name="Picture 10">
-            <a:extLst>
-              <a:ext uri="{FF2B5EF4-FFF2-40B4-BE49-F238E27FC236}">
-                <a16:creationId xmlns:a16="http://schemas.microsoft.com/office/drawing/2014/main" id="{10CCD5A6-E8E0-4349-AC3A-98A18EA6FE7C}"/>
-              </a:ext>
-            </a:extLst>
-          </p:cNvPr>
-          <p:cNvPicPr>
-            <a:picLocks noChangeAspect="1"/>
-          </p:cNvPicPr>
-          <p:nvPr/>
-        </p:nvPicPr>
-        <p:blipFill>
-          <a:blip r:embed="rId4">
-            <a:extLst>
-              <a:ext uri="{28A0092B-C50C-407E-A947-70E740481C1C}">
-                <a14:useLocalDpi xmlns:a14="http://schemas.microsoft.com/office/drawing/2010/main" val="0"/>
-              </a:ext>
-            </a:extLst>
-          </a:blip>
-          <a:stretch>
-            <a:fillRect/>
-          </a:stretch>
-        </p:blipFill>
-        <p:spPr>
-          <a:xfrm>
-            <a:off x="400507" y="3991547"/>
-            <a:ext cx="4129160" cy="2734543"/>
-          </a:xfrm>
-          <a:prstGeom prst="rect">
-            <a:avLst/>
-          </a:prstGeom>
-        </p:spPr>
-      </p:pic>
-      <p:pic>
-        <p:nvPicPr>
-          <p:cNvPr id="13" name="Picture 12">
-            <a:extLst>
-              <a:ext uri="{FF2B5EF4-FFF2-40B4-BE49-F238E27FC236}">
-                <a16:creationId xmlns:a16="http://schemas.microsoft.com/office/drawing/2014/main" id="{05F1F795-1118-48D9-88C6-C855B4985982}"/>
-              </a:ext>
-            </a:extLst>
-          </p:cNvPr>
-          <p:cNvPicPr>
-            <a:picLocks noChangeAspect="1"/>
-          </p:cNvPicPr>
-          <p:nvPr/>
-        </p:nvPicPr>
-        <p:blipFill>
-          <a:blip r:embed="rId5">
-            <a:extLst>
-              <a:ext uri="{28A0092B-C50C-407E-A947-70E740481C1C}">
-                <a14:useLocalDpi xmlns:a14="http://schemas.microsoft.com/office/drawing/2010/main" val="0"/>
-              </a:ext>
-            </a:extLst>
-          </a:blip>
-          <a:stretch>
-            <a:fillRect/>
-          </a:stretch>
-        </p:blipFill>
-        <p:spPr>
-          <a:xfrm>
-            <a:off x="6527800" y="4047065"/>
-            <a:ext cx="4614333" cy="2810935"/>
-          </a:xfrm>
-          <a:prstGeom prst="rect">
-            <a:avLst/>
-          </a:prstGeom>
-        </p:spPr>
-      </p:pic>
-      <p:sp>
-        <p:nvSpPr>
-          <p:cNvPr id="14" name="TextBox 13">
-            <a:extLst>
-              <a:ext uri="{FF2B5EF4-FFF2-40B4-BE49-F238E27FC236}">
-                <a16:creationId xmlns:a16="http://schemas.microsoft.com/office/drawing/2014/main" id="{F6299DBA-E7CC-4D82-92F8-33B48A80CB4A}"/>
+      <p:sp>
+        <p:nvSpPr>
+          <p:cNvPr id="8" name="TextBox 7">
+            <a:extLst>
+              <a:ext uri="{FF2B5EF4-FFF2-40B4-BE49-F238E27FC236}">
+                <a16:creationId xmlns:a16="http://schemas.microsoft.com/office/drawing/2014/main" id="{067E7727-3C0E-4A5A-9AFF-930916C5B9F4}"/>
               </a:ext>
             </a:extLst>
           </p:cNvPr>
@@ -4011,8 +3948,8 @@
         </p:nvSpPr>
         <p:spPr>
           <a:xfrm>
-            <a:off x="3793067" y="4377267"/>
-            <a:ext cx="2128275" cy="646331"/>
+            <a:off x="0" y="0"/>
+            <a:ext cx="5818772" cy="584775"/>
           </a:xfrm>
           <a:prstGeom prst="rect">
             <a:avLst/>
@@ -4025,49 +3962,6 @@
           </a:bodyPr>
           <a:lstStyle/>
           <a:p>
-            <a:pPr algn="ctr"/>
-            <a:r>
-              <a:rPr lang="en-US" dirty="0"/>
-              <a:t>Avg Price Difference:</a:t>
-            </a:r>
-          </a:p>
-          <a:p>
-            <a:pPr algn="ctr"/>
-            <a:r>
-              <a:rPr lang="en-US" dirty="0"/>
-              <a:t>$5,815</a:t>
-            </a:r>
-          </a:p>
-        </p:txBody>
-      </p:sp>
-      <p:sp>
-        <p:nvSpPr>
-          <p:cNvPr id="15" name="TextBox 14">
-            <a:extLst>
-              <a:ext uri="{FF2B5EF4-FFF2-40B4-BE49-F238E27FC236}">
-                <a16:creationId xmlns:a16="http://schemas.microsoft.com/office/drawing/2014/main" id="{79D777BC-9313-40BF-8C7E-1917F18930D6}"/>
-              </a:ext>
-            </a:extLst>
-          </p:cNvPr>
-          <p:cNvSpPr txBox="1"/>
-          <p:nvPr/>
-        </p:nvSpPr>
-        <p:spPr>
-          <a:xfrm>
-            <a:off x="102570" y="63409"/>
-            <a:ext cx="5818772" cy="584775"/>
-          </a:xfrm>
-          <a:prstGeom prst="rect">
-            <a:avLst/>
-          </a:prstGeom>
-          <a:noFill/>
-        </p:spPr>
-        <p:txBody>
-          <a:bodyPr wrap="none" rtlCol="0">
-            <a:spAutoFit/>
-          </a:bodyPr>
-          <a:lstStyle/>
-          <a:p>
             <a:r>
               <a:rPr lang="en-US" sz="3200" dirty="0"/>
               <a:t>EDA: Factors that affects the price</a:t>
@@ -4078,7 +3972,7 @@
     </p:spTree>
     <p:extLst>
       <p:ext uri="{BB962C8B-B14F-4D97-AF65-F5344CB8AC3E}">
-        <p14:creationId xmlns:p14="http://schemas.microsoft.com/office/powerpoint/2010/main" val="1056341844"/>
+        <p14:creationId xmlns:p14="http://schemas.microsoft.com/office/powerpoint/2010/main" val="1355391761"/>
       </p:ext>
     </p:extLst>
   </p:cSld>
@@ -4110,7 +4004,7 @@
           <p:cNvPr id="2" name="Title 1">
             <a:extLst>
               <a:ext uri="{FF2B5EF4-FFF2-40B4-BE49-F238E27FC236}">
-                <a16:creationId xmlns:a16="http://schemas.microsoft.com/office/drawing/2014/main" id="{2FDBD92E-BB07-40AD-A50F-1260F2D85158}"/>
+                <a16:creationId xmlns:a16="http://schemas.microsoft.com/office/drawing/2014/main" id="{965CE132-48A5-446C-94ED-615E880B8E72}"/>
               </a:ext>
             </a:extLst>
           </p:cNvPr>
@@ -4123,7 +4017,7 @@
         </p:nvSpPr>
         <p:spPr>
           <a:xfrm>
-            <a:off x="287867" y="0"/>
+            <a:off x="160866" y="-302139"/>
             <a:ext cx="10515600" cy="1325563"/>
           </a:xfrm>
         </p:spPr>
@@ -4140,17 +4034,19 @@
       </p:sp>
       <p:pic>
         <p:nvPicPr>
-          <p:cNvPr id="23" name="Picture 22">
-            <a:extLst>
-              <a:ext uri="{FF2B5EF4-FFF2-40B4-BE49-F238E27FC236}">
-                <a16:creationId xmlns:a16="http://schemas.microsoft.com/office/drawing/2014/main" id="{C4E2319D-2CE4-4E6A-80FD-626D27C09F53}"/>
+          <p:cNvPr id="5" name="Content Placeholder 4">
+            <a:extLst>
+              <a:ext uri="{FF2B5EF4-FFF2-40B4-BE49-F238E27FC236}">
+                <a16:creationId xmlns:a16="http://schemas.microsoft.com/office/drawing/2014/main" id="{C1B0904F-3AE8-4CFF-9D73-E37BB66B8E27}"/>
               </a:ext>
             </a:extLst>
           </p:cNvPr>
           <p:cNvPicPr>
-            <a:picLocks noChangeAspect="1"/>
+            <a:picLocks noGrp="1" noChangeAspect="1"/>
           </p:cNvPicPr>
-          <p:nvPr/>
+          <p:nvPr>
+            <p:ph idx="1"/>
+          </p:nvPr>
         </p:nvPicPr>
         <p:blipFill>
           <a:blip r:embed="rId2">
@@ -4166,20 +4062,17 @@
         </p:blipFill>
         <p:spPr>
           <a:xfrm>
-            <a:off x="6851923" y="853281"/>
-            <a:ext cx="4180585" cy="2768600"/>
-          </a:xfrm>
-          <a:prstGeom prst="rect">
-            <a:avLst/>
-          </a:prstGeom>
+            <a:off x="0" y="733176"/>
+            <a:ext cx="5858693" cy="3562847"/>
+          </a:xfrm>
         </p:spPr>
       </p:pic>
       <p:pic>
         <p:nvPicPr>
-          <p:cNvPr id="27" name="Picture 26">
-            <a:extLst>
-              <a:ext uri="{FF2B5EF4-FFF2-40B4-BE49-F238E27FC236}">
-                <a16:creationId xmlns:a16="http://schemas.microsoft.com/office/drawing/2014/main" id="{C5E7D8E7-8D83-4E5B-A12E-BFC436DD4C2E}"/>
+          <p:cNvPr id="9" name="Picture 8">
+            <a:extLst>
+              <a:ext uri="{FF2B5EF4-FFF2-40B4-BE49-F238E27FC236}">
+                <a16:creationId xmlns:a16="http://schemas.microsoft.com/office/drawing/2014/main" id="{F2DB9179-CDE2-4084-A698-94B8A9F7D37A}"/>
               </a:ext>
             </a:extLst>
           </p:cNvPr>
@@ -4202,8 +4095,8 @@
         </p:blipFill>
         <p:spPr>
           <a:xfrm>
-            <a:off x="6945498" y="3876749"/>
-            <a:ext cx="4087010" cy="2706630"/>
+            <a:off x="5374641" y="3132667"/>
+            <a:ext cx="6817359" cy="3725333"/>
           </a:xfrm>
           <a:prstGeom prst="rect">
             <a:avLst/>
@@ -4212,10 +4105,10 @@
       </p:pic>
       <p:pic>
         <p:nvPicPr>
-          <p:cNvPr id="29" name="Picture 28">
-            <a:extLst>
-              <a:ext uri="{FF2B5EF4-FFF2-40B4-BE49-F238E27FC236}">
-                <a16:creationId xmlns:a16="http://schemas.microsoft.com/office/drawing/2014/main" id="{AED08149-5437-4F73-BF77-AC82F198B107}"/>
+          <p:cNvPr id="11" name="Picture 10">
+            <a:extLst>
+              <a:ext uri="{FF2B5EF4-FFF2-40B4-BE49-F238E27FC236}">
+                <a16:creationId xmlns:a16="http://schemas.microsoft.com/office/drawing/2014/main" id="{DB726C72-68EB-4E12-B2D0-40CB7F76718B}"/>
               </a:ext>
             </a:extLst>
           </p:cNvPr>
@@ -4238,8 +4131,8 @@
         </p:blipFill>
         <p:spPr>
           <a:xfrm>
-            <a:off x="177799" y="1596496"/>
-            <a:ext cx="6116663" cy="4050770"/>
+            <a:off x="939800" y="4420936"/>
+            <a:ext cx="3522133" cy="2332538"/>
           </a:xfrm>
           <a:prstGeom prst="rect">
             <a:avLst/>
@@ -4249,7 +4142,7 @@
     </p:spTree>
     <p:extLst>
       <p:ext uri="{BB962C8B-B14F-4D97-AF65-F5344CB8AC3E}">
-        <p14:creationId xmlns:p14="http://schemas.microsoft.com/office/powerpoint/2010/main" val="1602844880"/>
+        <p14:creationId xmlns:p14="http://schemas.microsoft.com/office/powerpoint/2010/main" val="1456577022"/>
       </p:ext>
     </p:extLst>
   </p:cSld>
@@ -4276,112 +4169,231 @@
           <a:chExt cx="0" cy="0"/>
         </a:xfrm>
       </p:grpSpPr>
-      <p:sp>
-        <p:nvSpPr>
-          <p:cNvPr id="2" name="Title 1">
-            <a:extLst>
-              <a:ext uri="{FF2B5EF4-FFF2-40B4-BE49-F238E27FC236}">
-                <a16:creationId xmlns:a16="http://schemas.microsoft.com/office/drawing/2014/main" id="{93BD1CA7-096A-46B1-B2EE-5B37280D8B8D}"/>
-              </a:ext>
-            </a:extLst>
-          </p:cNvPr>
-          <p:cNvSpPr>
-            <a:spLocks noGrp="1"/>
-          </p:cNvSpPr>
-          <p:nvPr>
-            <p:ph type="title"/>
-          </p:nvPr>
-        </p:nvSpPr>
-        <p:spPr/>
-        <p:txBody>
-          <a:bodyPr/>
-          <a:lstStyle/>
-          <a:p>
-            <a:r>
-              <a:rPr lang="en-US" dirty="0"/>
-              <a:t>EDA conclusion:</a:t>
-            </a:r>
-          </a:p>
-        </p:txBody>
-      </p:sp>
-      <p:sp>
-        <p:nvSpPr>
-          <p:cNvPr id="3" name="Content Placeholder 2">
-            <a:extLst>
-              <a:ext uri="{FF2B5EF4-FFF2-40B4-BE49-F238E27FC236}">
-                <a16:creationId xmlns:a16="http://schemas.microsoft.com/office/drawing/2014/main" id="{F10EC0D1-F34F-4E04-BE0B-E52BFBCD2CB6}"/>
-              </a:ext>
-            </a:extLst>
-          </p:cNvPr>
-          <p:cNvSpPr>
-            <a:spLocks noGrp="1"/>
-          </p:cNvSpPr>
+      <p:pic>
+        <p:nvPicPr>
+          <p:cNvPr id="5" name="Content Placeholder 4">
+            <a:extLst>
+              <a:ext uri="{FF2B5EF4-FFF2-40B4-BE49-F238E27FC236}">
+                <a16:creationId xmlns:a16="http://schemas.microsoft.com/office/drawing/2014/main" id="{6EA3E7DD-F46C-4B77-B3D7-8F9D85C864ED}"/>
+              </a:ext>
+            </a:extLst>
+          </p:cNvPr>
+          <p:cNvPicPr>
+            <a:picLocks noGrp="1" noChangeAspect="1"/>
+          </p:cNvPicPr>
           <p:nvPr>
             <p:ph idx="1"/>
           </p:nvPr>
-        </p:nvSpPr>
-        <p:spPr/>
-        <p:txBody>
-          <a:bodyPr/>
-          <a:lstStyle/>
-          <a:p>
-            <a:r>
-              <a:rPr lang="en-US" dirty="0"/>
-              <a:t>Factors that affect the price most:</a:t>
-            </a:r>
-          </a:p>
-          <a:p>
-            <a:pPr lvl="1"/>
-            <a:r>
-              <a:rPr lang="en-US" dirty="0"/>
-              <a:t>Mileage</a:t>
-            </a:r>
-          </a:p>
-          <a:p>
-            <a:pPr lvl="1"/>
-            <a:r>
-              <a:rPr lang="en-US" dirty="0"/>
-              <a:t>Price</a:t>
-            </a:r>
-          </a:p>
-          <a:p>
-            <a:pPr lvl="1"/>
-            <a:r>
-              <a:rPr lang="en-US" dirty="0"/>
-              <a:t>Accident</a:t>
-            </a:r>
-          </a:p>
-          <a:p>
-            <a:r>
-              <a:rPr lang="en-US" dirty="0"/>
-              <a:t> Many outliers possible causes:</a:t>
-            </a:r>
-          </a:p>
-          <a:p>
-            <a:pPr lvl="1"/>
-            <a:r>
-              <a:rPr lang="en-US" dirty="0"/>
-              <a:t>Cars with expensive trim</a:t>
-            </a:r>
-          </a:p>
-          <a:p>
-            <a:pPr lvl="1"/>
-            <a:endParaRPr lang="en-US" dirty="0"/>
-          </a:p>
-          <a:p>
-            <a:pPr lvl="1"/>
-            <a:endParaRPr lang="en-US" dirty="0"/>
-          </a:p>
-          <a:p>
-            <a:pPr lvl="1"/>
-            <a:endParaRPr lang="en-US" dirty="0"/>
+        </p:nvPicPr>
+        <p:blipFill>
+          <a:blip r:embed="rId2">
+            <a:extLst>
+              <a:ext uri="{28A0092B-C50C-407E-A947-70E740481C1C}">
+                <a14:useLocalDpi xmlns:a14="http://schemas.microsoft.com/office/drawing/2010/main" val="0"/>
+              </a:ext>
+            </a:extLst>
+          </a:blip>
+          <a:stretch>
+            <a:fillRect/>
+          </a:stretch>
+        </p:blipFill>
+        <p:spPr>
+          <a:xfrm>
+            <a:off x="44709" y="660399"/>
+            <a:ext cx="6073647" cy="3318933"/>
+          </a:xfrm>
+        </p:spPr>
+      </p:pic>
+      <p:pic>
+        <p:nvPicPr>
+          <p:cNvPr id="7" name="Picture 6">
+            <a:extLst>
+              <a:ext uri="{FF2B5EF4-FFF2-40B4-BE49-F238E27FC236}">
+                <a16:creationId xmlns:a16="http://schemas.microsoft.com/office/drawing/2014/main" id="{502DA7D4-F8AE-4005-8228-B8E064F32914}"/>
+              </a:ext>
+            </a:extLst>
+          </p:cNvPr>
+          <p:cNvPicPr>
+            <a:picLocks noChangeAspect="1"/>
+          </p:cNvPicPr>
+          <p:nvPr/>
+        </p:nvPicPr>
+        <p:blipFill>
+          <a:blip r:embed="rId3">
+            <a:extLst>
+              <a:ext uri="{28A0092B-C50C-407E-A947-70E740481C1C}">
+                <a14:useLocalDpi xmlns:a14="http://schemas.microsoft.com/office/drawing/2010/main" val="0"/>
+              </a:ext>
+            </a:extLst>
+          </a:blip>
+          <a:stretch>
+            <a:fillRect/>
+          </a:stretch>
+        </p:blipFill>
+        <p:spPr>
+          <a:xfrm>
+            <a:off x="6096000" y="660399"/>
+            <a:ext cx="6096000" cy="3331148"/>
+          </a:xfrm>
+          <a:prstGeom prst="rect">
+            <a:avLst/>
+          </a:prstGeom>
+        </p:spPr>
+      </p:pic>
+      <p:pic>
+        <p:nvPicPr>
+          <p:cNvPr id="11" name="Picture 10">
+            <a:extLst>
+              <a:ext uri="{FF2B5EF4-FFF2-40B4-BE49-F238E27FC236}">
+                <a16:creationId xmlns:a16="http://schemas.microsoft.com/office/drawing/2014/main" id="{10CCD5A6-E8E0-4349-AC3A-98A18EA6FE7C}"/>
+              </a:ext>
+            </a:extLst>
+          </p:cNvPr>
+          <p:cNvPicPr>
+            <a:picLocks noChangeAspect="1"/>
+          </p:cNvPicPr>
+          <p:nvPr/>
+        </p:nvPicPr>
+        <p:blipFill>
+          <a:blip r:embed="rId4">
+            <a:extLst>
+              <a:ext uri="{28A0092B-C50C-407E-A947-70E740481C1C}">
+                <a14:useLocalDpi xmlns:a14="http://schemas.microsoft.com/office/drawing/2010/main" val="0"/>
+              </a:ext>
+            </a:extLst>
+          </a:blip>
+          <a:stretch>
+            <a:fillRect/>
+          </a:stretch>
+        </p:blipFill>
+        <p:spPr>
+          <a:xfrm>
+            <a:off x="400507" y="3991547"/>
+            <a:ext cx="4129160" cy="2734543"/>
+          </a:xfrm>
+          <a:prstGeom prst="rect">
+            <a:avLst/>
+          </a:prstGeom>
+        </p:spPr>
+      </p:pic>
+      <p:pic>
+        <p:nvPicPr>
+          <p:cNvPr id="13" name="Picture 12">
+            <a:extLst>
+              <a:ext uri="{FF2B5EF4-FFF2-40B4-BE49-F238E27FC236}">
+                <a16:creationId xmlns:a16="http://schemas.microsoft.com/office/drawing/2014/main" id="{05F1F795-1118-48D9-88C6-C855B4985982}"/>
+              </a:ext>
+            </a:extLst>
+          </p:cNvPr>
+          <p:cNvPicPr>
+            <a:picLocks noChangeAspect="1"/>
+          </p:cNvPicPr>
+          <p:nvPr/>
+        </p:nvPicPr>
+        <p:blipFill>
+          <a:blip r:embed="rId5">
+            <a:extLst>
+              <a:ext uri="{28A0092B-C50C-407E-A947-70E740481C1C}">
+                <a14:useLocalDpi xmlns:a14="http://schemas.microsoft.com/office/drawing/2010/main" val="0"/>
+              </a:ext>
+            </a:extLst>
+          </a:blip>
+          <a:stretch>
+            <a:fillRect/>
+          </a:stretch>
+        </p:blipFill>
+        <p:spPr>
+          <a:xfrm>
+            <a:off x="6527800" y="4047065"/>
+            <a:ext cx="4614333" cy="2810935"/>
+          </a:xfrm>
+          <a:prstGeom prst="rect">
+            <a:avLst/>
+          </a:prstGeom>
+        </p:spPr>
+      </p:pic>
+      <p:sp>
+        <p:nvSpPr>
+          <p:cNvPr id="14" name="TextBox 13">
+            <a:extLst>
+              <a:ext uri="{FF2B5EF4-FFF2-40B4-BE49-F238E27FC236}">
+                <a16:creationId xmlns:a16="http://schemas.microsoft.com/office/drawing/2014/main" id="{F6299DBA-E7CC-4D82-92F8-33B48A80CB4A}"/>
+              </a:ext>
+            </a:extLst>
+          </p:cNvPr>
+          <p:cNvSpPr txBox="1"/>
+          <p:nvPr/>
+        </p:nvSpPr>
+        <p:spPr>
+          <a:xfrm>
+            <a:off x="3793067" y="4377267"/>
+            <a:ext cx="2128275" cy="646331"/>
+          </a:xfrm>
+          <a:prstGeom prst="rect">
+            <a:avLst/>
+          </a:prstGeom>
+          <a:noFill/>
+        </p:spPr>
+        <p:txBody>
+          <a:bodyPr wrap="none" rtlCol="0">
+            <a:spAutoFit/>
+          </a:bodyPr>
+          <a:lstStyle/>
+          <a:p>
+            <a:pPr algn="ctr"/>
+            <a:r>
+              <a:rPr lang="en-US" dirty="0"/>
+              <a:t>Avg Price Difference:</a:t>
+            </a:r>
+          </a:p>
+          <a:p>
+            <a:pPr algn="ctr"/>
+            <a:r>
+              <a:rPr lang="en-US" dirty="0"/>
+              <a:t>$5,815</a:t>
+            </a:r>
+          </a:p>
+        </p:txBody>
+      </p:sp>
+      <p:sp>
+        <p:nvSpPr>
+          <p:cNvPr id="15" name="TextBox 14">
+            <a:extLst>
+              <a:ext uri="{FF2B5EF4-FFF2-40B4-BE49-F238E27FC236}">
+                <a16:creationId xmlns:a16="http://schemas.microsoft.com/office/drawing/2014/main" id="{79D777BC-9313-40BF-8C7E-1917F18930D6}"/>
+              </a:ext>
+            </a:extLst>
+          </p:cNvPr>
+          <p:cNvSpPr txBox="1"/>
+          <p:nvPr/>
+        </p:nvSpPr>
+        <p:spPr>
+          <a:xfrm>
+            <a:off x="102570" y="63409"/>
+            <a:ext cx="5818772" cy="584775"/>
+          </a:xfrm>
+          <a:prstGeom prst="rect">
+            <a:avLst/>
+          </a:prstGeom>
+          <a:noFill/>
+        </p:spPr>
+        <p:txBody>
+          <a:bodyPr wrap="none" rtlCol="0">
+            <a:spAutoFit/>
+          </a:bodyPr>
+          <a:lstStyle/>
+          <a:p>
+            <a:r>
+              <a:rPr lang="en-US" sz="3200" dirty="0"/>
+              <a:t>EDA: Factors that affects the price</a:t>
+            </a:r>
           </a:p>
         </p:txBody>
       </p:sp>
     </p:spTree>
     <p:extLst>
       <p:ext uri="{BB962C8B-B14F-4D97-AF65-F5344CB8AC3E}">
-        <p14:creationId xmlns:p14="http://schemas.microsoft.com/office/powerpoint/2010/main" val="219367992"/>
+        <p14:creationId xmlns:p14="http://schemas.microsoft.com/office/powerpoint/2010/main" val="1056341844"/>
       </p:ext>
     </p:extLst>
   </p:cSld>
@@ -4413,7 +4425,7 @@
           <p:cNvPr id="2" name="Title 1">
             <a:extLst>
               <a:ext uri="{FF2B5EF4-FFF2-40B4-BE49-F238E27FC236}">
-                <a16:creationId xmlns:a16="http://schemas.microsoft.com/office/drawing/2014/main" id="{4AA16A41-9EC5-4D39-969C-319CA8DB35D3}"/>
+                <a16:creationId xmlns:a16="http://schemas.microsoft.com/office/drawing/2014/main" id="{2FDBD92E-BB07-40AD-A50F-1260F2D85158}"/>
               </a:ext>
             </a:extLst>
           </p:cNvPr>
@@ -4424,63 +4436,29 @@
             <p:ph type="title"/>
           </p:nvPr>
         </p:nvSpPr>
-        <p:spPr/>
+        <p:spPr>
+          <a:xfrm>
+            <a:off x="287867" y="0"/>
+            <a:ext cx="10515600" cy="1325563"/>
+          </a:xfrm>
+        </p:spPr>
         <p:txBody>
           <a:bodyPr/>
           <a:lstStyle/>
           <a:p>
             <a:r>
               <a:rPr lang="en-US" dirty="0"/>
-              <a:t>HOT CAR Analysis:</a:t>
-            </a:r>
-          </a:p>
-        </p:txBody>
-      </p:sp>
-      <p:sp>
-        <p:nvSpPr>
-          <p:cNvPr id="3" name="Content Placeholder 2">
-            <a:extLst>
-              <a:ext uri="{FF2B5EF4-FFF2-40B4-BE49-F238E27FC236}">
-                <a16:creationId xmlns:a16="http://schemas.microsoft.com/office/drawing/2014/main" id="{47F8FC87-AA50-496B-8143-7882A0DD826C}"/>
-              </a:ext>
-            </a:extLst>
-          </p:cNvPr>
-          <p:cNvSpPr>
-            <a:spLocks noGrp="1"/>
-          </p:cNvSpPr>
-          <p:nvPr>
-            <p:ph idx="1"/>
-          </p:nvPr>
-        </p:nvSpPr>
-        <p:spPr>
-          <a:xfrm>
-            <a:off x="838200" y="1537758"/>
-            <a:ext cx="10515600" cy="4351338"/>
-          </a:xfrm>
-        </p:spPr>
-        <p:txBody>
-          <a:bodyPr/>
-          <a:lstStyle/>
-          <a:p>
-            <a:r>
-              <a:rPr lang="en-US" dirty="0"/>
-              <a:t>We want to know why Cars.com consider a car as a HOT CAR</a:t>
-            </a:r>
-          </a:p>
-          <a:p>
-            <a:r>
-              <a:rPr lang="en-US" dirty="0"/>
-              <a:t>Official explanations:</a:t>
+              <a:t>EDA: Factors that affects the price</a:t>
             </a:r>
           </a:p>
         </p:txBody>
       </p:sp>
       <p:pic>
         <p:nvPicPr>
-          <p:cNvPr id="5" name="Picture 4">
-            <a:extLst>
-              <a:ext uri="{FF2B5EF4-FFF2-40B4-BE49-F238E27FC236}">
-                <a16:creationId xmlns:a16="http://schemas.microsoft.com/office/drawing/2014/main" id="{C3ACFA2F-C034-4F57-8EF9-C38504FA0693}"/>
+          <p:cNvPr id="23" name="Picture 22">
+            <a:extLst>
+              <a:ext uri="{FF2B5EF4-FFF2-40B4-BE49-F238E27FC236}">
+                <a16:creationId xmlns:a16="http://schemas.microsoft.com/office/drawing/2014/main" id="{C4E2319D-2CE4-4E6A-80FD-626D27C09F53}"/>
               </a:ext>
             </a:extLst>
           </p:cNvPr>
@@ -4503,8 +4481,80 @@
         </p:blipFill>
         <p:spPr>
           <a:xfrm>
-            <a:off x="838200" y="2487884"/>
-            <a:ext cx="9326277" cy="3677163"/>
+            <a:off x="6851923" y="853281"/>
+            <a:ext cx="4180585" cy="2768600"/>
+          </a:xfrm>
+          <a:prstGeom prst="rect">
+            <a:avLst/>
+          </a:prstGeom>
+        </p:spPr>
+      </p:pic>
+      <p:pic>
+        <p:nvPicPr>
+          <p:cNvPr id="27" name="Picture 26">
+            <a:extLst>
+              <a:ext uri="{FF2B5EF4-FFF2-40B4-BE49-F238E27FC236}">
+                <a16:creationId xmlns:a16="http://schemas.microsoft.com/office/drawing/2014/main" id="{C5E7D8E7-8D83-4E5B-A12E-BFC436DD4C2E}"/>
+              </a:ext>
+            </a:extLst>
+          </p:cNvPr>
+          <p:cNvPicPr>
+            <a:picLocks noChangeAspect="1"/>
+          </p:cNvPicPr>
+          <p:nvPr/>
+        </p:nvPicPr>
+        <p:blipFill>
+          <a:blip r:embed="rId3">
+            <a:extLst>
+              <a:ext uri="{28A0092B-C50C-407E-A947-70E740481C1C}">
+                <a14:useLocalDpi xmlns:a14="http://schemas.microsoft.com/office/drawing/2010/main" val="0"/>
+              </a:ext>
+            </a:extLst>
+          </a:blip>
+          <a:stretch>
+            <a:fillRect/>
+          </a:stretch>
+        </p:blipFill>
+        <p:spPr>
+          <a:xfrm>
+            <a:off x="6945498" y="3876749"/>
+            <a:ext cx="4087010" cy="2706630"/>
+          </a:xfrm>
+          <a:prstGeom prst="rect">
+            <a:avLst/>
+          </a:prstGeom>
+        </p:spPr>
+      </p:pic>
+      <p:pic>
+        <p:nvPicPr>
+          <p:cNvPr id="29" name="Picture 28">
+            <a:extLst>
+              <a:ext uri="{FF2B5EF4-FFF2-40B4-BE49-F238E27FC236}">
+                <a16:creationId xmlns:a16="http://schemas.microsoft.com/office/drawing/2014/main" id="{AED08149-5437-4F73-BF77-AC82F198B107}"/>
+              </a:ext>
+            </a:extLst>
+          </p:cNvPr>
+          <p:cNvPicPr>
+            <a:picLocks noChangeAspect="1"/>
+          </p:cNvPicPr>
+          <p:nvPr/>
+        </p:nvPicPr>
+        <p:blipFill>
+          <a:blip r:embed="rId4">
+            <a:extLst>
+              <a:ext uri="{28A0092B-C50C-407E-A947-70E740481C1C}">
+                <a14:useLocalDpi xmlns:a14="http://schemas.microsoft.com/office/drawing/2010/main" val="0"/>
+              </a:ext>
+            </a:extLst>
+          </a:blip>
+          <a:stretch>
+            <a:fillRect/>
+          </a:stretch>
+        </p:blipFill>
+        <p:spPr>
+          <a:xfrm>
+            <a:off x="177799" y="1596496"/>
+            <a:ext cx="6116663" cy="4050770"/>
           </a:xfrm>
           <a:prstGeom prst="rect">
             <a:avLst/>
@@ -4514,7 +4564,7 @@
     </p:spTree>
     <p:extLst>
       <p:ext uri="{BB962C8B-B14F-4D97-AF65-F5344CB8AC3E}">
-        <p14:creationId xmlns:p14="http://schemas.microsoft.com/office/powerpoint/2010/main" val="741172322"/>
+        <p14:creationId xmlns:p14="http://schemas.microsoft.com/office/powerpoint/2010/main" val="1602844880"/>
       </p:ext>
     </p:extLst>
   </p:cSld>
@@ -4546,7 +4596,7 @@
           <p:cNvPr id="2" name="Title 1">
             <a:extLst>
               <a:ext uri="{FF2B5EF4-FFF2-40B4-BE49-F238E27FC236}">
-                <a16:creationId xmlns:a16="http://schemas.microsoft.com/office/drawing/2014/main" id="{CC4875F6-BCA6-41E3-AAD9-4392397A887C}"/>
+                <a16:creationId xmlns:a16="http://schemas.microsoft.com/office/drawing/2014/main" id="{93BD1CA7-096A-46B1-B2EE-5B37280D8B8D}"/>
               </a:ext>
             </a:extLst>
           </p:cNvPr>
@@ -4564,86 +4614,89 @@
           <a:p>
             <a:r>
               <a:rPr lang="en-US" dirty="0"/>
-              <a:t>HOT CAR Analysis:</a:t>
-            </a:r>
-          </a:p>
-        </p:txBody>
-      </p:sp>
-      <p:pic>
-        <p:nvPicPr>
-          <p:cNvPr id="5" name="Picture 4">
-            <a:extLst>
-              <a:ext uri="{FF2B5EF4-FFF2-40B4-BE49-F238E27FC236}">
-                <a16:creationId xmlns:a16="http://schemas.microsoft.com/office/drawing/2014/main" id="{14A3B1EE-4CD1-4BDC-8478-8E49349C9513}"/>
-              </a:ext>
-            </a:extLst>
-          </p:cNvPr>
-          <p:cNvPicPr>
-            <a:picLocks noChangeAspect="1"/>
-          </p:cNvPicPr>
-          <p:nvPr/>
-        </p:nvPicPr>
-        <p:blipFill>
-          <a:blip r:embed="rId2">
-            <a:extLst>
-              <a:ext uri="{28A0092B-C50C-407E-A947-70E740481C1C}">
-                <a14:useLocalDpi xmlns:a14="http://schemas.microsoft.com/office/drawing/2010/main" val="0"/>
-              </a:ext>
-            </a:extLst>
-          </a:blip>
-          <a:stretch>
-            <a:fillRect/>
-          </a:stretch>
-        </p:blipFill>
-        <p:spPr>
-          <a:xfrm>
-            <a:off x="1106866" y="1322158"/>
-            <a:ext cx="8054551" cy="5535842"/>
-          </a:xfrm>
-          <a:prstGeom prst="rect">
-            <a:avLst/>
-          </a:prstGeom>
-        </p:spPr>
-      </p:pic>
-      <p:sp>
-        <p:nvSpPr>
-          <p:cNvPr id="6" name="TextBox 5">
-            <a:extLst>
-              <a:ext uri="{FF2B5EF4-FFF2-40B4-BE49-F238E27FC236}">
-                <a16:creationId xmlns:a16="http://schemas.microsoft.com/office/drawing/2014/main" id="{FB3CBF8D-F4DE-49B3-8E27-C8F9812FF797}"/>
-              </a:ext>
-            </a:extLst>
-          </p:cNvPr>
-          <p:cNvSpPr txBox="1"/>
-          <p:nvPr/>
-        </p:nvSpPr>
-        <p:spPr>
-          <a:xfrm>
-            <a:off x="8601786" y="2647721"/>
-            <a:ext cx="3590214" cy="369332"/>
-          </a:xfrm>
-          <a:prstGeom prst="rect">
-            <a:avLst/>
-          </a:prstGeom>
-          <a:noFill/>
-        </p:spPr>
-        <p:txBody>
-          <a:bodyPr wrap="none" rtlCol="0">
-            <a:spAutoFit/>
-          </a:bodyPr>
-          <a:lstStyle/>
-          <a:p>
-            <a:r>
-              <a:rPr lang="en-US" dirty="0"/>
-              <a:t>Can you tell anything from this plot?</a:t>
-            </a:r>
+              <a:t>EDA conclusion:</a:t>
+            </a:r>
+          </a:p>
+        </p:txBody>
+      </p:sp>
+      <p:sp>
+        <p:nvSpPr>
+          <p:cNvPr id="3" name="Content Placeholder 2">
+            <a:extLst>
+              <a:ext uri="{FF2B5EF4-FFF2-40B4-BE49-F238E27FC236}">
+                <a16:creationId xmlns:a16="http://schemas.microsoft.com/office/drawing/2014/main" id="{F10EC0D1-F34F-4E04-BE0B-E52BFBCD2CB6}"/>
+              </a:ext>
+            </a:extLst>
+          </p:cNvPr>
+          <p:cNvSpPr>
+            <a:spLocks noGrp="1"/>
+          </p:cNvSpPr>
+          <p:nvPr>
+            <p:ph idx="1"/>
+          </p:nvPr>
+        </p:nvSpPr>
+        <p:spPr/>
+        <p:txBody>
+          <a:bodyPr/>
+          <a:lstStyle/>
+          <a:p>
+            <a:r>
+              <a:rPr lang="en-US" dirty="0"/>
+              <a:t>Factors that affect the price most:</a:t>
+            </a:r>
+          </a:p>
+          <a:p>
+            <a:pPr lvl="1"/>
+            <a:r>
+              <a:rPr lang="en-US" dirty="0"/>
+              <a:t>Mileage</a:t>
+            </a:r>
+          </a:p>
+          <a:p>
+            <a:pPr lvl="1"/>
+            <a:r>
+              <a:rPr lang="en-US" dirty="0"/>
+              <a:t>Price</a:t>
+            </a:r>
+          </a:p>
+          <a:p>
+            <a:pPr lvl="1"/>
+            <a:r>
+              <a:rPr lang="en-US" dirty="0"/>
+              <a:t>Accident</a:t>
+            </a:r>
+          </a:p>
+          <a:p>
+            <a:r>
+              <a:rPr lang="en-US" dirty="0"/>
+              <a:t> Many outliers possible causes:</a:t>
+            </a:r>
+          </a:p>
+          <a:p>
+            <a:pPr lvl="1"/>
+            <a:r>
+              <a:rPr lang="en-US" dirty="0"/>
+              <a:t>Cars with expensive trim</a:t>
+            </a:r>
+          </a:p>
+          <a:p>
+            <a:pPr lvl="1"/>
+            <a:endParaRPr lang="en-US" dirty="0"/>
+          </a:p>
+          <a:p>
+            <a:pPr lvl="1"/>
+            <a:endParaRPr lang="en-US" dirty="0"/>
+          </a:p>
+          <a:p>
+            <a:pPr lvl="1"/>
+            <a:endParaRPr lang="en-US" dirty="0"/>
           </a:p>
         </p:txBody>
       </p:sp>
     </p:spTree>
     <p:extLst>
       <p:ext uri="{BB962C8B-B14F-4D97-AF65-F5344CB8AC3E}">
-        <p14:creationId xmlns:p14="http://schemas.microsoft.com/office/powerpoint/2010/main" val="487084268"/>
+        <p14:creationId xmlns:p14="http://schemas.microsoft.com/office/powerpoint/2010/main" val="219367992"/>
       </p:ext>
     </p:extLst>
   </p:cSld>
@@ -4675,7 +4728,7 @@
           <p:cNvPr id="2" name="Title 1">
             <a:extLst>
               <a:ext uri="{FF2B5EF4-FFF2-40B4-BE49-F238E27FC236}">
-                <a16:creationId xmlns:a16="http://schemas.microsoft.com/office/drawing/2014/main" id="{656E4FED-D423-4DA8-82C9-D6774A1A6D70}"/>
+                <a16:creationId xmlns:a16="http://schemas.microsoft.com/office/drawing/2014/main" id="{4AA16A41-9EC5-4D39-969C-319CA8DB35D3}"/>
               </a:ext>
             </a:extLst>
           </p:cNvPr>
@@ -4686,29 +4739,63 @@
             <p:ph type="title"/>
           </p:nvPr>
         </p:nvSpPr>
-        <p:spPr>
-          <a:xfrm>
-            <a:off x="177800" y="-255675"/>
-            <a:ext cx="10515600" cy="1325563"/>
-          </a:xfrm>
-        </p:spPr>
+        <p:spPr/>
         <p:txBody>
           <a:bodyPr/>
           <a:lstStyle/>
           <a:p>
             <a:r>
               <a:rPr lang="en-US" dirty="0"/>
-              <a:t>HOT CAR Analysis: Price</a:t>
+              <a:t>HOT CAR Analysis:</a:t>
+            </a:r>
+          </a:p>
+        </p:txBody>
+      </p:sp>
+      <p:sp>
+        <p:nvSpPr>
+          <p:cNvPr id="3" name="Content Placeholder 2">
+            <a:extLst>
+              <a:ext uri="{FF2B5EF4-FFF2-40B4-BE49-F238E27FC236}">
+                <a16:creationId xmlns:a16="http://schemas.microsoft.com/office/drawing/2014/main" id="{47F8FC87-AA50-496B-8143-7882A0DD826C}"/>
+              </a:ext>
+            </a:extLst>
+          </p:cNvPr>
+          <p:cNvSpPr>
+            <a:spLocks noGrp="1"/>
+          </p:cNvSpPr>
+          <p:nvPr>
+            <p:ph idx="1"/>
+          </p:nvPr>
+        </p:nvSpPr>
+        <p:spPr>
+          <a:xfrm>
+            <a:off x="838200" y="1537758"/>
+            <a:ext cx="10515600" cy="4351338"/>
+          </a:xfrm>
+        </p:spPr>
+        <p:txBody>
+          <a:bodyPr/>
+          <a:lstStyle/>
+          <a:p>
+            <a:r>
+              <a:rPr lang="en-US" dirty="0"/>
+              <a:t>We want to know why Cars.com consider a car as a HOT CAR</a:t>
+            </a:r>
+          </a:p>
+          <a:p>
+            <a:r>
+              <a:rPr lang="en-US" dirty="0"/>
+              <a:t>Official explanations:</a:t>
             </a:r>
           </a:p>
         </p:txBody>
       </p:sp>
       <p:pic>
         <p:nvPicPr>
-          <p:cNvPr id="7" name="Picture 6">
-            <a:extLst>
-              <a:ext uri="{FF2B5EF4-FFF2-40B4-BE49-F238E27FC236}">
-                <a16:creationId xmlns:a16="http://schemas.microsoft.com/office/drawing/2014/main" id="{983738F4-CE3A-4A5A-9E82-9C0F6A086272}"/>
+          <p:cNvPr id="5" name="Picture 4">
+            <a:extLst>
+              <a:ext uri="{FF2B5EF4-FFF2-40B4-BE49-F238E27FC236}">
+                <a16:creationId xmlns:a16="http://schemas.microsoft.com/office/drawing/2014/main" id="{C3ACFA2F-C034-4F57-8EF9-C38504FA0693}"/>
               </a:ext>
             </a:extLst>
           </p:cNvPr>
@@ -4731,170 +4818,18 @@
         </p:blipFill>
         <p:spPr>
           <a:xfrm>
-            <a:off x="4672212" y="3836181"/>
-            <a:ext cx="4645627" cy="2906536"/>
+            <a:off x="838200" y="2487884"/>
+            <a:ext cx="9326277" cy="3677163"/>
           </a:xfrm>
           <a:prstGeom prst="rect">
             <a:avLst/>
           </a:prstGeom>
         </p:spPr>
       </p:pic>
-      <p:pic>
-        <p:nvPicPr>
-          <p:cNvPr id="9" name="Picture 8">
-            <a:extLst>
-              <a:ext uri="{FF2B5EF4-FFF2-40B4-BE49-F238E27FC236}">
-                <a16:creationId xmlns:a16="http://schemas.microsoft.com/office/drawing/2014/main" id="{DCDD0E76-8E96-49D3-80E4-F13551502368}"/>
-              </a:ext>
-            </a:extLst>
-          </p:cNvPr>
-          <p:cNvPicPr>
-            <a:picLocks noChangeAspect="1"/>
-          </p:cNvPicPr>
-          <p:nvPr/>
-        </p:nvPicPr>
-        <p:blipFill>
-          <a:blip r:embed="rId3">
-            <a:extLst>
-              <a:ext uri="{28A0092B-C50C-407E-A947-70E740481C1C}">
-                <a14:useLocalDpi xmlns:a14="http://schemas.microsoft.com/office/drawing/2010/main" val="0"/>
-              </a:ext>
-            </a:extLst>
-          </a:blip>
-          <a:stretch>
-            <a:fillRect/>
-          </a:stretch>
-        </p:blipFill>
-        <p:spPr>
-          <a:xfrm>
-            <a:off x="4672212" y="689711"/>
-            <a:ext cx="4645627" cy="3076574"/>
-          </a:xfrm>
-          <a:prstGeom prst="rect">
-            <a:avLst/>
-          </a:prstGeom>
-        </p:spPr>
-      </p:pic>
-      <p:pic>
-        <p:nvPicPr>
-          <p:cNvPr id="11" name="Picture 10">
-            <a:extLst>
-              <a:ext uri="{FF2B5EF4-FFF2-40B4-BE49-F238E27FC236}">
-                <a16:creationId xmlns:a16="http://schemas.microsoft.com/office/drawing/2014/main" id="{33930E20-DFD2-41A6-9B22-AA640459AF2E}"/>
-              </a:ext>
-            </a:extLst>
-          </p:cNvPr>
-          <p:cNvPicPr>
-            <a:picLocks noChangeAspect="1"/>
-          </p:cNvPicPr>
-          <p:nvPr/>
-        </p:nvPicPr>
-        <p:blipFill>
-          <a:blip r:embed="rId4">
-            <a:extLst>
-              <a:ext uri="{28A0092B-C50C-407E-A947-70E740481C1C}">
-                <a14:useLocalDpi xmlns:a14="http://schemas.microsoft.com/office/drawing/2010/main" val="0"/>
-              </a:ext>
-            </a:extLst>
-          </a:blip>
-          <a:stretch>
-            <a:fillRect/>
-          </a:stretch>
-        </p:blipFill>
-        <p:spPr>
-          <a:xfrm>
-            <a:off x="177800" y="689711"/>
-            <a:ext cx="4494412" cy="2976432"/>
-          </a:xfrm>
-          <a:prstGeom prst="rect">
-            <a:avLst/>
-          </a:prstGeom>
-        </p:spPr>
-      </p:pic>
-      <p:pic>
-        <p:nvPicPr>
-          <p:cNvPr id="4" name="Picture 3">
-            <a:extLst>
-              <a:ext uri="{FF2B5EF4-FFF2-40B4-BE49-F238E27FC236}">
-                <a16:creationId xmlns:a16="http://schemas.microsoft.com/office/drawing/2014/main" id="{9F89C467-1349-4E58-B8B9-81D5E71CEFD7}"/>
-              </a:ext>
-            </a:extLst>
-          </p:cNvPr>
-          <p:cNvPicPr>
-            <a:picLocks noChangeAspect="1"/>
-          </p:cNvPicPr>
-          <p:nvPr/>
-        </p:nvPicPr>
-        <p:blipFill>
-          <a:blip r:embed="rId5">
-            <a:extLst>
-              <a:ext uri="{28A0092B-C50C-407E-A947-70E740481C1C}">
-                <a14:useLocalDpi xmlns:a14="http://schemas.microsoft.com/office/drawing/2010/main" val="0"/>
-              </a:ext>
-            </a:extLst>
-          </a:blip>
-          <a:stretch>
-            <a:fillRect/>
-          </a:stretch>
-        </p:blipFill>
-        <p:spPr>
-          <a:xfrm>
-            <a:off x="0" y="3665091"/>
-            <a:ext cx="4645627" cy="3192910"/>
-          </a:xfrm>
-          <a:prstGeom prst="rect">
-            <a:avLst/>
-          </a:prstGeom>
-        </p:spPr>
-      </p:pic>
-      <p:sp>
-        <p:nvSpPr>
-          <p:cNvPr id="5" name="TextBox 4">
-            <a:extLst>
-              <a:ext uri="{FF2B5EF4-FFF2-40B4-BE49-F238E27FC236}">
-                <a16:creationId xmlns:a16="http://schemas.microsoft.com/office/drawing/2014/main" id="{B8E8750D-9A12-4D55-82B6-718CDD05FC5C}"/>
-              </a:ext>
-            </a:extLst>
-          </p:cNvPr>
-          <p:cNvSpPr txBox="1"/>
-          <p:nvPr/>
-        </p:nvSpPr>
-        <p:spPr>
-          <a:xfrm>
-            <a:off x="9486614" y="2741761"/>
-            <a:ext cx="2413572" cy="923330"/>
-          </a:xfrm>
-          <a:prstGeom prst="rect">
-            <a:avLst/>
-          </a:prstGeom>
-          <a:noFill/>
-        </p:spPr>
-        <p:txBody>
-          <a:bodyPr wrap="square" rtlCol="0">
-            <a:spAutoFit/>
-          </a:bodyPr>
-          <a:lstStyle/>
-          <a:p>
-            <a:r>
-              <a:rPr lang="en-US" dirty="0"/>
-              <a:t>Conclusion:</a:t>
-            </a:r>
-          </a:p>
-          <a:p>
-            <a:r>
-              <a:rPr lang="en-US" dirty="0"/>
-              <a:t>not significant  </a:t>
-            </a:r>
-          </a:p>
-          <a:p>
-            <a:endParaRPr lang="en-US" dirty="0"/>
-          </a:p>
-        </p:txBody>
-      </p:sp>
     </p:spTree>
     <p:extLst>
       <p:ext uri="{BB962C8B-B14F-4D97-AF65-F5344CB8AC3E}">
-        <p14:creationId xmlns:p14="http://schemas.microsoft.com/office/powerpoint/2010/main" val="2136691483"/>
+        <p14:creationId xmlns:p14="http://schemas.microsoft.com/office/powerpoint/2010/main" val="741172322"/>
       </p:ext>
     </p:extLst>
   </p:cSld>
@@ -4926,7 +4861,7 @@
           <p:cNvPr id="2" name="Title 1">
             <a:extLst>
               <a:ext uri="{FF2B5EF4-FFF2-40B4-BE49-F238E27FC236}">
-                <a16:creationId xmlns:a16="http://schemas.microsoft.com/office/drawing/2014/main" id="{CE47E9A8-5169-4322-8946-7CF95C184B64}"/>
+                <a16:creationId xmlns:a16="http://schemas.microsoft.com/office/drawing/2014/main" id="{CC4875F6-BCA6-41E3-AAD9-4392397A887C}"/>
               </a:ext>
             </a:extLst>
           </p:cNvPr>
@@ -4937,59 +4872,64 @@
             <p:ph type="title"/>
           </p:nvPr>
         </p:nvSpPr>
-        <p:spPr/>
+        <p:spPr>
+          <a:xfrm>
+            <a:off x="67733" y="-73523"/>
+            <a:ext cx="10515600" cy="1325563"/>
+          </a:xfrm>
+        </p:spPr>
         <p:txBody>
           <a:bodyPr/>
           <a:lstStyle/>
           <a:p>
             <a:r>
               <a:rPr lang="en-US" dirty="0"/>
-              <a:t>HOT CAR Analysis: Mileage</a:t>
+              <a:t>HOT CAR Analysis:</a:t>
+            </a:r>
+          </a:p>
+        </p:txBody>
+      </p:sp>
+      <p:sp>
+        <p:nvSpPr>
+          <p:cNvPr id="6" name="TextBox 5">
+            <a:extLst>
+              <a:ext uri="{FF2B5EF4-FFF2-40B4-BE49-F238E27FC236}">
+                <a16:creationId xmlns:a16="http://schemas.microsoft.com/office/drawing/2014/main" id="{FB3CBF8D-F4DE-49B3-8E27-C8F9812FF797}"/>
+              </a:ext>
+            </a:extLst>
+          </p:cNvPr>
+          <p:cNvSpPr txBox="1"/>
+          <p:nvPr/>
+        </p:nvSpPr>
+        <p:spPr>
+          <a:xfrm>
+            <a:off x="8601786" y="2647721"/>
+            <a:ext cx="3590214" cy="369332"/>
+          </a:xfrm>
+          <a:prstGeom prst="rect">
+            <a:avLst/>
+          </a:prstGeom>
+          <a:noFill/>
+        </p:spPr>
+        <p:txBody>
+          <a:bodyPr wrap="none" rtlCol="0">
+            <a:spAutoFit/>
+          </a:bodyPr>
+          <a:lstStyle/>
+          <a:p>
+            <a:r>
+              <a:rPr lang="en-US" dirty="0"/>
+              <a:t>Can you tell anything from this plot?</a:t>
             </a:r>
           </a:p>
         </p:txBody>
       </p:sp>
       <p:pic>
         <p:nvPicPr>
-          <p:cNvPr id="5" name="Content Placeholder 4">
-            <a:extLst>
-              <a:ext uri="{FF2B5EF4-FFF2-40B4-BE49-F238E27FC236}">
-                <a16:creationId xmlns:a16="http://schemas.microsoft.com/office/drawing/2014/main" id="{6B2A0391-A7E9-419F-9F5D-91BCBDDEDC85}"/>
-              </a:ext>
-            </a:extLst>
-          </p:cNvPr>
-          <p:cNvPicPr>
-            <a:picLocks noGrp="1" noChangeAspect="1"/>
-          </p:cNvPicPr>
-          <p:nvPr>
-            <p:ph idx="1"/>
-          </p:nvPr>
-        </p:nvPicPr>
-        <p:blipFill>
-          <a:blip r:embed="rId2">
-            <a:extLst>
-              <a:ext uri="{28A0092B-C50C-407E-A947-70E740481C1C}">
-                <a14:useLocalDpi xmlns:a14="http://schemas.microsoft.com/office/drawing/2010/main" val="0"/>
-              </a:ext>
-            </a:extLst>
-          </a:blip>
-          <a:stretch>
-            <a:fillRect/>
-          </a:stretch>
-        </p:blipFill>
-        <p:spPr>
-          <a:xfrm>
-            <a:off x="0" y="1320528"/>
-            <a:ext cx="6331118" cy="4351338"/>
-          </a:xfrm>
-        </p:spPr>
-      </p:pic>
-      <p:pic>
-        <p:nvPicPr>
-          <p:cNvPr id="7" name="Picture 6">
-            <a:extLst>
-              <a:ext uri="{FF2B5EF4-FFF2-40B4-BE49-F238E27FC236}">
-                <a16:creationId xmlns:a16="http://schemas.microsoft.com/office/drawing/2014/main" id="{6BFBB9D2-1C40-4937-A057-64A95B074352}"/>
+          <p:cNvPr id="4" name="Picture 3">
+            <a:extLst>
+              <a:ext uri="{FF2B5EF4-FFF2-40B4-BE49-F238E27FC236}">
+                <a16:creationId xmlns:a16="http://schemas.microsoft.com/office/drawing/2014/main" id="{01946FAA-DAD7-485B-B887-D09357282E40}"/>
               </a:ext>
             </a:extLst>
           </p:cNvPr>
@@ -4999,7 +4939,7 @@
           <p:nvPr/>
         </p:nvPicPr>
         <p:blipFill>
-          <a:blip r:embed="rId3">
+          <a:blip r:embed="rId2">
             <a:extLst>
               <a:ext uri="{28A0092B-C50C-407E-A947-70E740481C1C}">
                 <a14:useLocalDpi xmlns:a14="http://schemas.microsoft.com/office/drawing/2010/main" val="0"/>
@@ -5012,53 +4952,18 @@
         </p:blipFill>
         <p:spPr>
           <a:xfrm>
-            <a:off x="6281064" y="1397725"/>
-            <a:ext cx="5910936" cy="4062549"/>
+            <a:off x="361405" y="972640"/>
+            <a:ext cx="7811590" cy="5706271"/>
           </a:xfrm>
           <a:prstGeom prst="rect">
             <a:avLst/>
           </a:prstGeom>
         </p:spPr>
       </p:pic>
-      <p:sp>
-        <p:nvSpPr>
-          <p:cNvPr id="8" name="TextBox 7">
-            <a:extLst>
-              <a:ext uri="{FF2B5EF4-FFF2-40B4-BE49-F238E27FC236}">
-                <a16:creationId xmlns:a16="http://schemas.microsoft.com/office/drawing/2014/main" id="{82FC7126-C838-4B6F-8300-9621F35CCC3C}"/>
-              </a:ext>
-            </a:extLst>
-          </p:cNvPr>
-          <p:cNvSpPr txBox="1"/>
-          <p:nvPr/>
-        </p:nvSpPr>
-        <p:spPr>
-          <a:xfrm>
-            <a:off x="6556824" y="6026331"/>
-            <a:ext cx="2679708" cy="369332"/>
-          </a:xfrm>
-          <a:prstGeom prst="rect">
-            <a:avLst/>
-          </a:prstGeom>
-          <a:noFill/>
-        </p:spPr>
-        <p:txBody>
-          <a:bodyPr wrap="none" rtlCol="0">
-            <a:spAutoFit/>
-          </a:bodyPr>
-          <a:lstStyle/>
-          <a:p>
-            <a:r>
-              <a:rPr lang="en-US" dirty="0"/>
-              <a:t>Conclusion: Not significant</a:t>
-            </a:r>
-          </a:p>
-        </p:txBody>
-      </p:sp>
     </p:spTree>
     <p:extLst>
       <p:ext uri="{BB962C8B-B14F-4D97-AF65-F5344CB8AC3E}">
-        <p14:creationId xmlns:p14="http://schemas.microsoft.com/office/powerpoint/2010/main" val="1847501147"/>
+        <p14:creationId xmlns:p14="http://schemas.microsoft.com/office/powerpoint/2010/main" val="487084268"/>
       </p:ext>
     </p:extLst>
   </p:cSld>
@@ -5090,7 +4995,7 @@
           <p:cNvPr id="2" name="Title 1">
             <a:extLst>
               <a:ext uri="{FF2B5EF4-FFF2-40B4-BE49-F238E27FC236}">
-                <a16:creationId xmlns:a16="http://schemas.microsoft.com/office/drawing/2014/main" id="{425F57DF-C766-4C1C-8165-BA4141212F92}"/>
+                <a16:creationId xmlns:a16="http://schemas.microsoft.com/office/drawing/2014/main" id="{656E4FED-D423-4DA8-82C9-D6774A1A6D70}"/>
               </a:ext>
             </a:extLst>
           </p:cNvPr>
@@ -5103,7 +5008,7 @@
         </p:nvSpPr>
         <p:spPr>
           <a:xfrm>
-            <a:off x="897467" y="-100542"/>
+            <a:off x="177800" y="-255675"/>
             <a:ext cx="10515600" cy="1325563"/>
           </a:xfrm>
         </p:spPr>
@@ -5113,26 +5018,24 @@
           <a:p>
             <a:r>
               <a:rPr lang="en-US" dirty="0"/>
-              <a:t>HOT CAR Analysis: Year</a:t>
+              <a:t>HOT CAR Analysis: Price</a:t>
             </a:r>
           </a:p>
         </p:txBody>
       </p:sp>
       <p:pic>
         <p:nvPicPr>
-          <p:cNvPr id="5" name="Content Placeholder 4">
-            <a:extLst>
-              <a:ext uri="{FF2B5EF4-FFF2-40B4-BE49-F238E27FC236}">
-                <a16:creationId xmlns:a16="http://schemas.microsoft.com/office/drawing/2014/main" id="{B7308044-D092-4E5F-B31D-22B2F4436726}"/>
+          <p:cNvPr id="7" name="Picture 6">
+            <a:extLst>
+              <a:ext uri="{FF2B5EF4-FFF2-40B4-BE49-F238E27FC236}">
+                <a16:creationId xmlns:a16="http://schemas.microsoft.com/office/drawing/2014/main" id="{983738F4-CE3A-4A5A-9E82-9C0F6A086272}"/>
               </a:ext>
             </a:extLst>
           </p:cNvPr>
           <p:cNvPicPr>
-            <a:picLocks noGrp="1" noChangeAspect="1"/>
+            <a:picLocks noChangeAspect="1"/>
           </p:cNvPicPr>
-          <p:nvPr>
-            <p:ph idx="1"/>
-          </p:nvPr>
+          <p:nvPr/>
         </p:nvPicPr>
         <p:blipFill>
           <a:blip r:embed="rId2">
@@ -5148,9 +5051,12 @@
         </p:blipFill>
         <p:spPr>
           <a:xfrm>
-            <a:off x="4602626" y="3884524"/>
-            <a:ext cx="4377268" cy="2898853"/>
-          </a:xfrm>
+            <a:off x="4672212" y="3836181"/>
+            <a:ext cx="4645627" cy="2906536"/>
+          </a:xfrm>
+          <a:prstGeom prst="rect">
+            <a:avLst/>
+          </a:prstGeom>
         </p:spPr>
       </p:pic>
       <p:pic>
@@ -5158,7 +5064,7 @@
           <p:cNvPr id="9" name="Picture 8">
             <a:extLst>
               <a:ext uri="{FF2B5EF4-FFF2-40B4-BE49-F238E27FC236}">
-                <a16:creationId xmlns:a16="http://schemas.microsoft.com/office/drawing/2014/main" id="{9FBF31C7-8A9C-4E7D-93CC-677C6CABA628}"/>
+                <a16:creationId xmlns:a16="http://schemas.microsoft.com/office/drawing/2014/main" id="{DCDD0E76-8E96-49D3-80E4-F13551502368}"/>
               </a:ext>
             </a:extLst>
           </p:cNvPr>
@@ -5181,8 +5087,8 @@
         </p:blipFill>
         <p:spPr>
           <a:xfrm>
-            <a:off x="4602626" y="999199"/>
-            <a:ext cx="4060980" cy="2689391"/>
+            <a:off x="4672212" y="689711"/>
+            <a:ext cx="4645627" cy="3076574"/>
           </a:xfrm>
           <a:prstGeom prst="rect">
             <a:avLst/>
@@ -5191,10 +5097,10 @@
       </p:pic>
       <p:pic>
         <p:nvPicPr>
-          <p:cNvPr id="7" name="Picture 6">
-            <a:extLst>
-              <a:ext uri="{FF2B5EF4-FFF2-40B4-BE49-F238E27FC236}">
-                <a16:creationId xmlns:a16="http://schemas.microsoft.com/office/drawing/2014/main" id="{613B9D1A-E909-4C85-85EF-A2FBF0A2BA77}"/>
+          <p:cNvPr id="11" name="Picture 10">
+            <a:extLst>
+              <a:ext uri="{FF2B5EF4-FFF2-40B4-BE49-F238E27FC236}">
+                <a16:creationId xmlns:a16="http://schemas.microsoft.com/office/drawing/2014/main" id="{33930E20-DFD2-41A6-9B22-AA640459AF2E}"/>
               </a:ext>
             </a:extLst>
           </p:cNvPr>
@@ -5217,8 +5123,8 @@
         </p:blipFill>
         <p:spPr>
           <a:xfrm>
-            <a:off x="0" y="999200"/>
-            <a:ext cx="4060980" cy="2689390"/>
+            <a:off x="177800" y="689711"/>
+            <a:ext cx="4494412" cy="2976432"/>
           </a:xfrm>
           <a:prstGeom prst="rect">
             <a:avLst/>
@@ -5227,10 +5133,10 @@
       </p:pic>
       <p:pic>
         <p:nvPicPr>
-          <p:cNvPr id="13" name="Picture 12">
-            <a:extLst>
-              <a:ext uri="{FF2B5EF4-FFF2-40B4-BE49-F238E27FC236}">
-                <a16:creationId xmlns:a16="http://schemas.microsoft.com/office/drawing/2014/main" id="{3AB5317F-F8F3-44D7-BC55-D1939A23EE3D}"/>
+          <p:cNvPr id="4" name="Picture 3">
+            <a:extLst>
+              <a:ext uri="{FF2B5EF4-FFF2-40B4-BE49-F238E27FC236}">
+                <a16:creationId xmlns:a16="http://schemas.microsoft.com/office/drawing/2014/main" id="{9F89C467-1349-4E58-B8B9-81D5E71CEFD7}"/>
               </a:ext>
             </a:extLst>
           </p:cNvPr>
@@ -5253,8 +5159,8 @@
         </p:blipFill>
         <p:spPr>
           <a:xfrm>
-            <a:off x="0" y="3809903"/>
-            <a:ext cx="4602626" cy="3048097"/>
+            <a:off x="0" y="3665091"/>
+            <a:ext cx="4645627" cy="3192910"/>
           </a:xfrm>
           <a:prstGeom prst="rect">
             <a:avLst/>
@@ -5263,10 +5169,10 @@
       </p:pic>
       <p:sp>
         <p:nvSpPr>
-          <p:cNvPr id="3" name="TextBox 2">
-            <a:extLst>
-              <a:ext uri="{FF2B5EF4-FFF2-40B4-BE49-F238E27FC236}">
-                <a16:creationId xmlns:a16="http://schemas.microsoft.com/office/drawing/2014/main" id="{88BCCC27-755A-454F-B31D-5B289F009513}"/>
+          <p:cNvPr id="5" name="TextBox 4">
+            <a:extLst>
+              <a:ext uri="{FF2B5EF4-FFF2-40B4-BE49-F238E27FC236}">
+                <a16:creationId xmlns:a16="http://schemas.microsoft.com/office/drawing/2014/main" id="{B8E8750D-9A12-4D55-82B6-718CDD05FC5C}"/>
               </a:ext>
             </a:extLst>
           </p:cNvPr>
@@ -5275,8 +5181,8 @@
         </p:nvSpPr>
         <p:spPr>
           <a:xfrm>
-            <a:off x="8979894" y="2342606"/>
-            <a:ext cx="2851871" cy="1200329"/>
+            <a:off x="9486614" y="2741761"/>
+            <a:ext cx="2413572" cy="923330"/>
           </a:xfrm>
           <a:prstGeom prst="rect">
             <a:avLst/>
@@ -5297,7 +5203,45 @@
           <a:p>
             <a:r>
               <a:rPr lang="en-US" dirty="0"/>
-              <a:t>Newer year and older year model are more like to be in HOT CAR category. </a:t>
+              <a:t>not significant  </a:t>
+            </a:r>
+          </a:p>
+          <a:p>
+            <a:endParaRPr lang="en-US" dirty="0"/>
+          </a:p>
+        </p:txBody>
+      </p:sp>
+      <p:sp>
+        <p:nvSpPr>
+          <p:cNvPr id="3" name="TextBox 2">
+            <a:extLst>
+              <a:ext uri="{FF2B5EF4-FFF2-40B4-BE49-F238E27FC236}">
+                <a16:creationId xmlns:a16="http://schemas.microsoft.com/office/drawing/2014/main" id="{07B3D15C-305E-4CBC-9551-B080AD0D83B5}"/>
+              </a:ext>
+            </a:extLst>
+          </p:cNvPr>
+          <p:cNvSpPr txBox="1"/>
+          <p:nvPr/>
+        </p:nvSpPr>
+        <p:spPr>
+          <a:xfrm>
+            <a:off x="9486614" y="4955177"/>
+            <a:ext cx="2531215" cy="646331"/>
+          </a:xfrm>
+          <a:prstGeom prst="rect">
+            <a:avLst/>
+          </a:prstGeom>
+          <a:noFill/>
+        </p:spPr>
+        <p:txBody>
+          <a:bodyPr wrap="square" rtlCol="0">
+            <a:spAutoFit/>
+          </a:bodyPr>
+          <a:lstStyle/>
+          <a:p>
+            <a:r>
+              <a:rPr lang="en-US" dirty="0"/>
+              <a:t>(Hot Car number)/(Total car number)</a:t>
             </a:r>
           </a:p>
         </p:txBody>
@@ -5305,7 +5249,7 @@
     </p:spTree>
     <p:extLst>
       <p:ext uri="{BB962C8B-B14F-4D97-AF65-F5344CB8AC3E}">
-        <p14:creationId xmlns:p14="http://schemas.microsoft.com/office/powerpoint/2010/main" val="982774354"/>
+        <p14:creationId xmlns:p14="http://schemas.microsoft.com/office/powerpoint/2010/main" val="2136691483"/>
       </p:ext>
     </p:extLst>
   </p:cSld>
@@ -5337,7 +5281,7 @@
           <p:cNvPr id="2" name="Title 1">
             <a:extLst>
               <a:ext uri="{FF2B5EF4-FFF2-40B4-BE49-F238E27FC236}">
-                <a16:creationId xmlns:a16="http://schemas.microsoft.com/office/drawing/2014/main" id="{5E34EE31-6D71-4963-AD00-E20247FA0271}"/>
+                <a16:creationId xmlns:a16="http://schemas.microsoft.com/office/drawing/2014/main" id="{CE47E9A8-5169-4322-8946-7CF95C184B64}"/>
               </a:ext>
             </a:extLst>
           </p:cNvPr>
@@ -5348,19 +5292,14 @@
             <p:ph type="title"/>
           </p:nvPr>
         </p:nvSpPr>
-        <p:spPr>
-          <a:xfrm>
-            <a:off x="64117" y="-206291"/>
-            <a:ext cx="10515600" cy="1325563"/>
-          </a:xfrm>
-        </p:spPr>
+        <p:spPr/>
         <p:txBody>
           <a:bodyPr/>
           <a:lstStyle/>
           <a:p>
             <a:r>
               <a:rPr lang="en-US" dirty="0"/>
-              <a:t>HOT CAR Analysis: Color</a:t>
+              <a:t>HOT CAR Analysis: Mileage</a:t>
             </a:r>
           </a:p>
         </p:txBody>
@@ -5370,7 +5309,7 @@
           <p:cNvPr id="5" name="Content Placeholder 4">
             <a:extLst>
               <a:ext uri="{FF2B5EF4-FFF2-40B4-BE49-F238E27FC236}">
-                <a16:creationId xmlns:a16="http://schemas.microsoft.com/office/drawing/2014/main" id="{A724BBEB-1F4F-4780-A994-428D3EB4AACF}"/>
+                <a16:creationId xmlns:a16="http://schemas.microsoft.com/office/drawing/2014/main" id="{6B2A0391-A7E9-419F-9F5D-91BCBDDEDC85}"/>
               </a:ext>
             </a:extLst>
           </p:cNvPr>
@@ -5395,8 +5334,8 @@
         </p:blipFill>
         <p:spPr>
           <a:xfrm>
-            <a:off x="5689898" y="2949360"/>
-            <a:ext cx="5123970" cy="2492869"/>
+            <a:off x="0" y="1320528"/>
+            <a:ext cx="6331118" cy="4351338"/>
           </a:xfrm>
         </p:spPr>
       </p:pic>
@@ -5405,7 +5344,7 @@
           <p:cNvPr id="7" name="Picture 6">
             <a:extLst>
               <a:ext uri="{FF2B5EF4-FFF2-40B4-BE49-F238E27FC236}">
-                <a16:creationId xmlns:a16="http://schemas.microsoft.com/office/drawing/2014/main" id="{DD20686A-651E-4685-AFE0-F938BEA0B3C5}"/>
+                <a16:creationId xmlns:a16="http://schemas.microsoft.com/office/drawing/2014/main" id="{6BFBB9D2-1C40-4937-A057-64A95B074352}"/>
               </a:ext>
             </a:extLst>
           </p:cNvPr>
@@ -5428,56 +5367,20 @@
         </p:blipFill>
         <p:spPr>
           <a:xfrm>
-            <a:off x="5689898" y="390786"/>
-            <a:ext cx="5123970" cy="2558574"/>
+            <a:off x="6281064" y="1397725"/>
+            <a:ext cx="5910936" cy="4062549"/>
           </a:xfrm>
           <a:prstGeom prst="rect">
             <a:avLst/>
           </a:prstGeom>
         </p:spPr>
       </p:pic>
-      <p:pic>
-        <p:nvPicPr>
-          <p:cNvPr id="9" name="Picture 8">
-            <a:extLst>
-              <a:ext uri="{FF2B5EF4-FFF2-40B4-BE49-F238E27FC236}">
-                <a16:creationId xmlns:a16="http://schemas.microsoft.com/office/drawing/2014/main" id="{3ADD0128-2DC9-426F-8A16-D5E58167CB15}"/>
-              </a:ext>
-            </a:extLst>
-          </p:cNvPr>
-          <p:cNvPicPr>
-            <a:picLocks noChangeAspect="1"/>
-          </p:cNvPicPr>
-          <p:nvPr/>
-        </p:nvPicPr>
-        <p:blipFill>
-          <a:blip r:embed="rId4">
-            <a:extLst>
-              <a:ext uri="{28A0092B-C50C-407E-A947-70E740481C1C}">
-                <a14:useLocalDpi xmlns:a14="http://schemas.microsoft.com/office/drawing/2010/main" val="0"/>
-              </a:ext>
-            </a:extLst>
-          </a:blip>
-          <a:stretch>
-            <a:fillRect/>
-          </a:stretch>
-        </p:blipFill>
-        <p:spPr>
-          <a:xfrm>
-            <a:off x="0" y="997800"/>
-            <a:ext cx="5694558" cy="3913834"/>
-          </a:xfrm>
-          <a:prstGeom prst="rect">
-            <a:avLst/>
-          </a:prstGeom>
-        </p:spPr>
-      </p:pic>
-      <p:sp>
-        <p:nvSpPr>
-          <p:cNvPr id="10" name="TextBox 9">
-            <a:extLst>
-              <a:ext uri="{FF2B5EF4-FFF2-40B4-BE49-F238E27FC236}">
-                <a16:creationId xmlns:a16="http://schemas.microsoft.com/office/drawing/2014/main" id="{9020AE74-4247-47A2-BC2A-93A33A987688}"/>
+      <p:sp>
+        <p:nvSpPr>
+          <p:cNvPr id="8" name="TextBox 7">
+            <a:extLst>
+              <a:ext uri="{FF2B5EF4-FFF2-40B4-BE49-F238E27FC236}">
+                <a16:creationId xmlns:a16="http://schemas.microsoft.com/office/drawing/2014/main" id="{82FC7126-C838-4B6F-8300-9621F35CCC3C}"/>
               </a:ext>
             </a:extLst>
           </p:cNvPr>
@@ -5486,8 +5389,8 @@
         </p:nvSpPr>
         <p:spPr>
           <a:xfrm>
-            <a:off x="4963886" y="5860200"/>
-            <a:ext cx="6988965" cy="369332"/>
+            <a:off x="6556824" y="6026331"/>
+            <a:ext cx="2679708" cy="369332"/>
           </a:xfrm>
           <a:prstGeom prst="rect">
             <a:avLst/>
@@ -5502,7 +5405,7 @@
           <a:p>
             <a:r>
               <a:rPr lang="en-US" dirty="0"/>
-              <a:t>Conclusion: Black, white and silver color likely to be in HOT CAR category</a:t>
+              <a:t>Conclusion: Not significant</a:t>
             </a:r>
           </a:p>
         </p:txBody>
@@ -5510,7 +5413,7 @@
     </p:spTree>
     <p:extLst>
       <p:ext uri="{BB962C8B-B14F-4D97-AF65-F5344CB8AC3E}">
-        <p14:creationId xmlns:p14="http://schemas.microsoft.com/office/powerpoint/2010/main" val="2894048654"/>
+        <p14:creationId xmlns:p14="http://schemas.microsoft.com/office/powerpoint/2010/main" val="1847501147"/>
       </p:ext>
     </p:extLst>
   </p:cSld>
@@ -5542,7 +5445,7 @@
           <p:cNvPr id="2" name="Title 1">
             <a:extLst>
               <a:ext uri="{FF2B5EF4-FFF2-40B4-BE49-F238E27FC236}">
-                <a16:creationId xmlns:a16="http://schemas.microsoft.com/office/drawing/2014/main" id="{D387E1B7-60F9-433C-B387-41FA48E5C524}"/>
+                <a16:creationId xmlns:a16="http://schemas.microsoft.com/office/drawing/2014/main" id="{425F57DF-C766-4C1C-8165-BA4141212F92}"/>
               </a:ext>
             </a:extLst>
           </p:cNvPr>
@@ -5555,7 +5458,7 @@
         </p:nvSpPr>
         <p:spPr>
           <a:xfrm>
-            <a:off x="0" y="-297824"/>
+            <a:off x="897467" y="-100542"/>
             <a:ext cx="10515600" cy="1325563"/>
           </a:xfrm>
         </p:spPr>
@@ -5565,24 +5468,26 @@
           <a:p>
             <a:r>
               <a:rPr lang="en-US" dirty="0"/>
-              <a:t>HOT CAR Analysis: Trim</a:t>
+              <a:t>HOT CAR Analysis: Year</a:t>
             </a:r>
           </a:p>
         </p:txBody>
       </p:sp>
       <p:pic>
         <p:nvPicPr>
-          <p:cNvPr id="5" name="Picture 4">
-            <a:extLst>
-              <a:ext uri="{FF2B5EF4-FFF2-40B4-BE49-F238E27FC236}">
-                <a16:creationId xmlns:a16="http://schemas.microsoft.com/office/drawing/2014/main" id="{3FD893AA-A790-46EE-9C0D-23D92F0E81CC}"/>
+          <p:cNvPr id="5" name="Content Placeholder 4">
+            <a:extLst>
+              <a:ext uri="{FF2B5EF4-FFF2-40B4-BE49-F238E27FC236}">
+                <a16:creationId xmlns:a16="http://schemas.microsoft.com/office/drawing/2014/main" id="{B7308044-D092-4E5F-B31D-22B2F4436726}"/>
               </a:ext>
             </a:extLst>
           </p:cNvPr>
           <p:cNvPicPr>
-            <a:picLocks noChangeAspect="1"/>
+            <a:picLocks noGrp="1" noChangeAspect="1"/>
           </p:cNvPicPr>
-          <p:nvPr/>
+          <p:nvPr>
+            <p:ph idx="1"/>
+          </p:nvPr>
         </p:nvPicPr>
         <p:blipFill>
           <a:blip r:embed="rId2">
@@ -5598,20 +5503,17 @@
         </p:blipFill>
         <p:spPr>
           <a:xfrm>
-            <a:off x="5972534" y="2908580"/>
-            <a:ext cx="5453987" cy="2870805"/>
-          </a:xfrm>
-          <a:prstGeom prst="rect">
-            <a:avLst/>
-          </a:prstGeom>
+            <a:off x="4602626" y="3884524"/>
+            <a:ext cx="4377268" cy="2898853"/>
+          </a:xfrm>
         </p:spPr>
       </p:pic>
       <p:pic>
         <p:nvPicPr>
-          <p:cNvPr id="7" name="Picture 6">
-            <a:extLst>
-              <a:ext uri="{FF2B5EF4-FFF2-40B4-BE49-F238E27FC236}">
-                <a16:creationId xmlns:a16="http://schemas.microsoft.com/office/drawing/2014/main" id="{50451941-2748-49D9-9070-59BFFE81DB80}"/>
+          <p:cNvPr id="9" name="Picture 8">
+            <a:extLst>
+              <a:ext uri="{FF2B5EF4-FFF2-40B4-BE49-F238E27FC236}">
+                <a16:creationId xmlns:a16="http://schemas.microsoft.com/office/drawing/2014/main" id="{9FBF31C7-8A9C-4E7D-93CC-677C6CABA628}"/>
               </a:ext>
             </a:extLst>
           </p:cNvPr>
@@ -5634,8 +5536,8 @@
         </p:blipFill>
         <p:spPr>
           <a:xfrm>
-            <a:off x="93914" y="1483533"/>
-            <a:ext cx="5661240" cy="3890934"/>
+            <a:off x="4602626" y="999199"/>
+            <a:ext cx="4060980" cy="2689391"/>
           </a:xfrm>
           <a:prstGeom prst="rect">
             <a:avLst/>
@@ -5644,10 +5546,10 @@
       </p:pic>
       <p:pic>
         <p:nvPicPr>
-          <p:cNvPr id="9" name="Picture 8">
-            <a:extLst>
-              <a:ext uri="{FF2B5EF4-FFF2-40B4-BE49-F238E27FC236}">
-                <a16:creationId xmlns:a16="http://schemas.microsoft.com/office/drawing/2014/main" id="{050FDB82-3143-42C3-9DF4-D8ABC5723873}"/>
+          <p:cNvPr id="7" name="Picture 6">
+            <a:extLst>
+              <a:ext uri="{FF2B5EF4-FFF2-40B4-BE49-F238E27FC236}">
+                <a16:creationId xmlns:a16="http://schemas.microsoft.com/office/drawing/2014/main" id="{613B9D1A-E909-4C85-85EF-A2FBF0A2BA77}"/>
               </a:ext>
             </a:extLst>
           </p:cNvPr>
@@ -5670,20 +5572,56 @@
         </p:blipFill>
         <p:spPr>
           <a:xfrm>
-            <a:off x="6096000" y="167752"/>
-            <a:ext cx="5207056" cy="2740828"/>
+            <a:off x="0" y="999200"/>
+            <a:ext cx="4060980" cy="2689390"/>
           </a:xfrm>
           <a:prstGeom prst="rect">
             <a:avLst/>
           </a:prstGeom>
         </p:spPr>
       </p:pic>
-      <p:sp>
-        <p:nvSpPr>
-          <p:cNvPr id="10" name="TextBox 9">
-            <a:extLst>
-              <a:ext uri="{FF2B5EF4-FFF2-40B4-BE49-F238E27FC236}">
-                <a16:creationId xmlns:a16="http://schemas.microsoft.com/office/drawing/2014/main" id="{2CB91772-8C2A-484C-B892-5E60E1CBC12C}"/>
+      <p:pic>
+        <p:nvPicPr>
+          <p:cNvPr id="13" name="Picture 12">
+            <a:extLst>
+              <a:ext uri="{FF2B5EF4-FFF2-40B4-BE49-F238E27FC236}">
+                <a16:creationId xmlns:a16="http://schemas.microsoft.com/office/drawing/2014/main" id="{3AB5317F-F8F3-44D7-BC55-D1939A23EE3D}"/>
+              </a:ext>
+            </a:extLst>
+          </p:cNvPr>
+          <p:cNvPicPr>
+            <a:picLocks noChangeAspect="1"/>
+          </p:cNvPicPr>
+          <p:nvPr/>
+        </p:nvPicPr>
+        <p:blipFill>
+          <a:blip r:embed="rId5">
+            <a:extLst>
+              <a:ext uri="{28A0092B-C50C-407E-A947-70E740481C1C}">
+                <a14:useLocalDpi xmlns:a14="http://schemas.microsoft.com/office/drawing/2010/main" val="0"/>
+              </a:ext>
+            </a:extLst>
+          </a:blip>
+          <a:stretch>
+            <a:fillRect/>
+          </a:stretch>
+        </p:blipFill>
+        <p:spPr>
+          <a:xfrm>
+            <a:off x="0" y="3809903"/>
+            <a:ext cx="4602626" cy="3048097"/>
+          </a:xfrm>
+          <a:prstGeom prst="rect">
+            <a:avLst/>
+          </a:prstGeom>
+        </p:spPr>
+      </p:pic>
+      <p:sp>
+        <p:nvSpPr>
+          <p:cNvPr id="3" name="TextBox 2">
+            <a:extLst>
+              <a:ext uri="{FF2B5EF4-FFF2-40B4-BE49-F238E27FC236}">
+                <a16:creationId xmlns:a16="http://schemas.microsoft.com/office/drawing/2014/main" id="{88BCCC27-755A-454F-B31D-5B289F009513}"/>
               </a:ext>
             </a:extLst>
           </p:cNvPr>
@@ -5692,8 +5630,8 @@
         </p:nvSpPr>
         <p:spPr>
           <a:xfrm>
-            <a:off x="3011954" y="6061165"/>
-            <a:ext cx="7853753" cy="369332"/>
+            <a:off x="8979894" y="2342606"/>
+            <a:ext cx="2851871" cy="1200329"/>
           </a:xfrm>
           <a:prstGeom prst="rect">
             <a:avLst/>
@@ -5701,14 +5639,20 @@
           <a:noFill/>
         </p:spPr>
         <p:txBody>
-          <a:bodyPr wrap="none" rtlCol="0">
+          <a:bodyPr wrap="square" rtlCol="0">
             <a:spAutoFit/>
           </a:bodyPr>
           <a:lstStyle/>
           <a:p>
             <a:r>
               <a:rPr lang="en-US" dirty="0"/>
-              <a:t>Conclusion: trim 75D AWD and 75 RWD are more likely to be in HOT CAR category</a:t>
+              <a:t>Conclusion:</a:t>
+            </a:r>
+          </a:p>
+          <a:p>
+            <a:r>
+              <a:rPr lang="en-US" dirty="0"/>
+              <a:t>Newer year and older year model are more like to be in HOT CAR category. </a:t>
             </a:r>
           </a:p>
         </p:txBody>
@@ -5716,7 +5660,7 @@
     </p:spTree>
     <p:extLst>
       <p:ext uri="{BB962C8B-B14F-4D97-AF65-F5344CB8AC3E}">
-        <p14:creationId xmlns:p14="http://schemas.microsoft.com/office/powerpoint/2010/main" val="3454631136"/>
+        <p14:creationId xmlns:p14="http://schemas.microsoft.com/office/powerpoint/2010/main" val="982774354"/>
       </p:ext>
     </p:extLst>
   </p:cSld>
@@ -5790,7 +5734,7 @@
         <p:spPr/>
         <p:txBody>
           <a:bodyPr>
-            <a:normAutofit/>
+            <a:normAutofit lnSpcReduction="10000"/>
           </a:bodyPr>
           <a:lstStyle/>
           <a:p>
@@ -5808,6 +5752,21 @@
             <a:r>
               <a:rPr lang="en-US" dirty="0"/>
               <a:t> </a:t>
+            </a:r>
+          </a:p>
+          <a:p>
+            <a:pPr lvl="1"/>
+            <a:r>
+              <a:rPr lang="en-US" dirty="0"/>
+              <a:t>Lucky, found </a:t>
+            </a:r>
+            <a:r>
+              <a:rPr lang="en-US" dirty="0" err="1"/>
+              <a:t>api</a:t>
+            </a:r>
+            <a:r>
+              <a:rPr lang="en-US" dirty="0"/>
+              <a:t>?</a:t>
             </a:r>
           </a:p>
           <a:p>
@@ -5946,7 +5905,7 @@
           <p:cNvPr id="2" name="Title 1">
             <a:extLst>
               <a:ext uri="{FF2B5EF4-FFF2-40B4-BE49-F238E27FC236}">
-                <a16:creationId xmlns:a16="http://schemas.microsoft.com/office/drawing/2014/main" id="{36371BCD-6F6F-45B4-97B5-2922BB07EC2E}"/>
+                <a16:creationId xmlns:a16="http://schemas.microsoft.com/office/drawing/2014/main" id="{5E34EE31-6D71-4963-AD00-E20247FA0271}"/>
               </a:ext>
             </a:extLst>
           </p:cNvPr>
@@ -5957,31 +5916,38 @@
             <p:ph type="title"/>
           </p:nvPr>
         </p:nvSpPr>
-        <p:spPr/>
+        <p:spPr>
+          <a:xfrm>
+            <a:off x="64117" y="-206291"/>
+            <a:ext cx="10515600" cy="1325563"/>
+          </a:xfrm>
+        </p:spPr>
         <p:txBody>
           <a:bodyPr/>
           <a:lstStyle/>
           <a:p>
             <a:r>
               <a:rPr lang="en-US" dirty="0"/>
-              <a:t>HOT CAR Analysis: Days on the market</a:t>
+              <a:t>HOT CAR Analysis: Color</a:t>
             </a:r>
           </a:p>
         </p:txBody>
       </p:sp>
       <p:pic>
         <p:nvPicPr>
-          <p:cNvPr id="5" name="Picture 4">
-            <a:extLst>
-              <a:ext uri="{FF2B5EF4-FFF2-40B4-BE49-F238E27FC236}">
-                <a16:creationId xmlns:a16="http://schemas.microsoft.com/office/drawing/2014/main" id="{5114F919-8209-4280-B1A2-0065422A1B98}"/>
+          <p:cNvPr id="5" name="Content Placeholder 4">
+            <a:extLst>
+              <a:ext uri="{FF2B5EF4-FFF2-40B4-BE49-F238E27FC236}">
+                <a16:creationId xmlns:a16="http://schemas.microsoft.com/office/drawing/2014/main" id="{A724BBEB-1F4F-4780-A994-428D3EB4AACF}"/>
               </a:ext>
             </a:extLst>
           </p:cNvPr>
           <p:cNvPicPr>
-            <a:picLocks noChangeAspect="1"/>
+            <a:picLocks noGrp="1" noChangeAspect="1"/>
           </p:cNvPicPr>
-          <p:nvPr/>
+          <p:nvPr>
+            <p:ph idx="1"/>
+          </p:nvPr>
         </p:nvPicPr>
         <p:blipFill>
           <a:blip r:embed="rId2">
@@ -5997,129 +5963,17 @@
         </p:blipFill>
         <p:spPr>
           <a:xfrm>
-            <a:off x="102368" y="1542642"/>
-            <a:ext cx="5846580" cy="4018318"/>
-          </a:xfrm>
-          <a:prstGeom prst="rect">
-            <a:avLst/>
-          </a:prstGeom>
+            <a:off x="5689898" y="2949360"/>
+            <a:ext cx="5123970" cy="2492869"/>
+          </a:xfrm>
         </p:spPr>
       </p:pic>
-      <p:cxnSp>
-        <p:nvCxnSpPr>
-          <p:cNvPr id="9" name="Straight Arrow Connector 8">
-            <a:extLst>
-              <a:ext uri="{FF2B5EF4-FFF2-40B4-BE49-F238E27FC236}">
-                <a16:creationId xmlns:a16="http://schemas.microsoft.com/office/drawing/2014/main" id="{C5CFC10D-DF87-4982-9CB4-181AD3F82895}"/>
-              </a:ext>
-            </a:extLst>
-          </p:cNvPr>
-          <p:cNvCxnSpPr/>
-          <p:nvPr/>
-        </p:nvCxnSpPr>
-        <p:spPr>
-          <a:xfrm>
-            <a:off x="4032069" y="4319451"/>
-            <a:ext cx="0" cy="722812"/>
-          </a:xfrm>
-          <a:prstGeom prst="straightConnector1">
-            <a:avLst/>
-          </a:prstGeom>
-          <a:ln>
-            <a:tailEnd type="triangle"/>
-          </a:ln>
-        </p:spPr>
-        <p:style>
-          <a:lnRef idx="1">
-            <a:schemeClr val="accent1"/>
-          </a:lnRef>
-          <a:fillRef idx="0">
-            <a:schemeClr val="accent1"/>
-          </a:fillRef>
-          <a:effectRef idx="0">
-            <a:schemeClr val="accent1"/>
-          </a:effectRef>
-          <a:fontRef idx="minor">
-            <a:schemeClr val="tx1"/>
-          </a:fontRef>
-        </p:style>
-      </p:cxnSp>
-      <p:sp>
-        <p:nvSpPr>
-          <p:cNvPr id="10" name="TextBox 9">
-            <a:extLst>
-              <a:ext uri="{FF2B5EF4-FFF2-40B4-BE49-F238E27FC236}">
-                <a16:creationId xmlns:a16="http://schemas.microsoft.com/office/drawing/2014/main" id="{5BE81BA2-F789-42EE-9CEF-AFA2BD1F8E23}"/>
-              </a:ext>
-            </a:extLst>
-          </p:cNvPr>
-          <p:cNvSpPr txBox="1"/>
-          <p:nvPr/>
-        </p:nvSpPr>
-        <p:spPr>
-          <a:xfrm>
-            <a:off x="3779520" y="4049486"/>
-            <a:ext cx="806631" cy="369332"/>
-          </a:xfrm>
-          <a:prstGeom prst="rect">
-            <a:avLst/>
-          </a:prstGeom>
-          <a:noFill/>
-        </p:spPr>
-        <p:txBody>
-          <a:bodyPr wrap="none" rtlCol="0">
-            <a:spAutoFit/>
-          </a:bodyPr>
-          <a:lstStyle/>
-          <a:p>
-            <a:r>
-              <a:rPr lang="en-US" dirty="0"/>
-              <a:t>outlier</a:t>
-            </a:r>
-          </a:p>
-        </p:txBody>
-      </p:sp>
-      <p:sp>
-        <p:nvSpPr>
-          <p:cNvPr id="11" name="TextBox 10">
-            <a:extLst>
-              <a:ext uri="{FF2B5EF4-FFF2-40B4-BE49-F238E27FC236}">
-                <a16:creationId xmlns:a16="http://schemas.microsoft.com/office/drawing/2014/main" id="{619C7156-A996-4D8A-BFAB-1F1892FA3315}"/>
-              </a:ext>
-            </a:extLst>
-          </p:cNvPr>
-          <p:cNvSpPr txBox="1"/>
-          <p:nvPr/>
-        </p:nvSpPr>
-        <p:spPr>
-          <a:xfrm>
-            <a:off x="5547360" y="6148251"/>
-            <a:ext cx="4543552" cy="369332"/>
-          </a:xfrm>
-          <a:prstGeom prst="rect">
-            <a:avLst/>
-          </a:prstGeom>
-          <a:noFill/>
-        </p:spPr>
-        <p:txBody>
-          <a:bodyPr wrap="none" rtlCol="0">
-            <a:spAutoFit/>
-          </a:bodyPr>
-          <a:lstStyle/>
-          <a:p>
-            <a:r>
-              <a:rPr lang="en-US" dirty="0"/>
-              <a:t>Conclusion: Most hot car sells within a 10 days</a:t>
-            </a:r>
-          </a:p>
-        </p:txBody>
-      </p:sp>
       <p:pic>
         <p:nvPicPr>
-          <p:cNvPr id="13" name="Picture 12">
-            <a:extLst>
-              <a:ext uri="{FF2B5EF4-FFF2-40B4-BE49-F238E27FC236}">
-                <a16:creationId xmlns:a16="http://schemas.microsoft.com/office/drawing/2014/main" id="{7F3A30CD-4D5F-4BFE-9D5F-C582C6776A5B}"/>
+          <p:cNvPr id="7" name="Picture 6">
+            <a:extLst>
+              <a:ext uri="{FF2B5EF4-FFF2-40B4-BE49-F238E27FC236}">
+                <a16:creationId xmlns:a16="http://schemas.microsoft.com/office/drawing/2014/main" id="{DD20686A-651E-4685-AFE0-F938BEA0B3C5}"/>
               </a:ext>
             </a:extLst>
           </p:cNvPr>
@@ -6142,18 +5996,89 @@
         </p:blipFill>
         <p:spPr>
           <a:xfrm>
-            <a:off x="5948948" y="1542642"/>
-            <a:ext cx="6240376" cy="4288971"/>
+            <a:off x="5689898" y="390786"/>
+            <a:ext cx="5123970" cy="2558574"/>
           </a:xfrm>
           <a:prstGeom prst="rect">
             <a:avLst/>
           </a:prstGeom>
         </p:spPr>
       </p:pic>
+      <p:pic>
+        <p:nvPicPr>
+          <p:cNvPr id="9" name="Picture 8">
+            <a:extLst>
+              <a:ext uri="{FF2B5EF4-FFF2-40B4-BE49-F238E27FC236}">
+                <a16:creationId xmlns:a16="http://schemas.microsoft.com/office/drawing/2014/main" id="{3ADD0128-2DC9-426F-8A16-D5E58167CB15}"/>
+              </a:ext>
+            </a:extLst>
+          </p:cNvPr>
+          <p:cNvPicPr>
+            <a:picLocks noChangeAspect="1"/>
+          </p:cNvPicPr>
+          <p:nvPr/>
+        </p:nvPicPr>
+        <p:blipFill>
+          <a:blip r:embed="rId4">
+            <a:extLst>
+              <a:ext uri="{28A0092B-C50C-407E-A947-70E740481C1C}">
+                <a14:useLocalDpi xmlns:a14="http://schemas.microsoft.com/office/drawing/2010/main" val="0"/>
+              </a:ext>
+            </a:extLst>
+          </a:blip>
+          <a:stretch>
+            <a:fillRect/>
+          </a:stretch>
+        </p:blipFill>
+        <p:spPr>
+          <a:xfrm>
+            <a:off x="0" y="997800"/>
+            <a:ext cx="5694558" cy="3913834"/>
+          </a:xfrm>
+          <a:prstGeom prst="rect">
+            <a:avLst/>
+          </a:prstGeom>
+        </p:spPr>
+      </p:pic>
+      <p:sp>
+        <p:nvSpPr>
+          <p:cNvPr id="10" name="TextBox 9">
+            <a:extLst>
+              <a:ext uri="{FF2B5EF4-FFF2-40B4-BE49-F238E27FC236}">
+                <a16:creationId xmlns:a16="http://schemas.microsoft.com/office/drawing/2014/main" id="{9020AE74-4247-47A2-BC2A-93A33A987688}"/>
+              </a:ext>
+            </a:extLst>
+          </p:cNvPr>
+          <p:cNvSpPr txBox="1"/>
+          <p:nvPr/>
+        </p:nvSpPr>
+        <p:spPr>
+          <a:xfrm>
+            <a:off x="4963886" y="5860200"/>
+            <a:ext cx="6988965" cy="369332"/>
+          </a:xfrm>
+          <a:prstGeom prst="rect">
+            <a:avLst/>
+          </a:prstGeom>
+          <a:noFill/>
+        </p:spPr>
+        <p:txBody>
+          <a:bodyPr wrap="none" rtlCol="0">
+            <a:spAutoFit/>
+          </a:bodyPr>
+          <a:lstStyle/>
+          <a:p>
+            <a:r>
+              <a:rPr lang="en-US" dirty="0"/>
+              <a:t>Conclusion: Black, white and silver color likely to be in HOT CAR category</a:t>
+            </a:r>
+          </a:p>
+        </p:txBody>
+      </p:sp>
     </p:spTree>
     <p:extLst>
       <p:ext uri="{BB962C8B-B14F-4D97-AF65-F5344CB8AC3E}">
-        <p14:creationId xmlns:p14="http://schemas.microsoft.com/office/powerpoint/2010/main" val="2637771398"/>
+        <p14:creationId xmlns:p14="http://schemas.microsoft.com/office/powerpoint/2010/main" val="2894048654"/>
       </p:ext>
     </p:extLst>
   </p:cSld>
@@ -6180,12 +6105,45 @@
           <a:chExt cx="0" cy="0"/>
         </a:xfrm>
       </p:grpSpPr>
+      <p:sp>
+        <p:nvSpPr>
+          <p:cNvPr id="2" name="Title 1">
+            <a:extLst>
+              <a:ext uri="{FF2B5EF4-FFF2-40B4-BE49-F238E27FC236}">
+                <a16:creationId xmlns:a16="http://schemas.microsoft.com/office/drawing/2014/main" id="{D387E1B7-60F9-433C-B387-41FA48E5C524}"/>
+              </a:ext>
+            </a:extLst>
+          </p:cNvPr>
+          <p:cNvSpPr>
+            <a:spLocks noGrp="1"/>
+          </p:cNvSpPr>
+          <p:nvPr>
+            <p:ph type="title"/>
+          </p:nvPr>
+        </p:nvSpPr>
+        <p:spPr>
+          <a:xfrm>
+            <a:off x="0" y="-297824"/>
+            <a:ext cx="10515600" cy="1325563"/>
+          </a:xfrm>
+        </p:spPr>
+        <p:txBody>
+          <a:bodyPr/>
+          <a:lstStyle/>
+          <a:p>
+            <a:r>
+              <a:rPr lang="en-US" dirty="0"/>
+              <a:t>HOT CAR Analysis: Trim</a:t>
+            </a:r>
+          </a:p>
+        </p:txBody>
+      </p:sp>
       <p:pic>
         <p:nvPicPr>
-          <p:cNvPr id="19" name="Picture 18">
-            <a:extLst>
-              <a:ext uri="{FF2B5EF4-FFF2-40B4-BE49-F238E27FC236}">
-                <a16:creationId xmlns:a16="http://schemas.microsoft.com/office/drawing/2014/main" id="{CB55FACA-24C2-4985-9568-2D33AFF3C2FA}"/>
+          <p:cNvPr id="5" name="Picture 4">
+            <a:extLst>
+              <a:ext uri="{FF2B5EF4-FFF2-40B4-BE49-F238E27FC236}">
+                <a16:creationId xmlns:a16="http://schemas.microsoft.com/office/drawing/2014/main" id="{3FD893AA-A790-46EE-9C0D-23D92F0E81CC}"/>
               </a:ext>
             </a:extLst>
           </p:cNvPr>
@@ -6208,8 +6166,8 @@
         </p:blipFill>
         <p:spPr>
           <a:xfrm>
-            <a:off x="5710248" y="898545"/>
-            <a:ext cx="3204905" cy="2202711"/>
+            <a:off x="5972534" y="2908580"/>
+            <a:ext cx="5453987" cy="2870805"/>
           </a:xfrm>
           <a:prstGeom prst="rect">
             <a:avLst/>
@@ -6218,10 +6176,10 @@
       </p:pic>
       <p:pic>
         <p:nvPicPr>
-          <p:cNvPr id="17" name="Picture 16">
-            <a:extLst>
-              <a:ext uri="{FF2B5EF4-FFF2-40B4-BE49-F238E27FC236}">
-                <a16:creationId xmlns:a16="http://schemas.microsoft.com/office/drawing/2014/main" id="{F8E4AB4B-1E74-4597-86B8-43D484FDF1E2}"/>
+          <p:cNvPr id="7" name="Picture 6">
+            <a:extLst>
+              <a:ext uri="{FF2B5EF4-FFF2-40B4-BE49-F238E27FC236}">
+                <a16:creationId xmlns:a16="http://schemas.microsoft.com/office/drawing/2014/main" id="{50451941-2748-49D9-9070-59BFFE81DB80}"/>
               </a:ext>
             </a:extLst>
           </p:cNvPr>
@@ -6244,53 +6202,20 @@
         </p:blipFill>
         <p:spPr>
           <a:xfrm>
-            <a:off x="624765" y="797841"/>
-            <a:ext cx="3351430" cy="2303417"/>
+            <a:off x="93914" y="1483533"/>
+            <a:ext cx="5661240" cy="3890934"/>
           </a:xfrm>
           <a:prstGeom prst="rect">
             <a:avLst/>
           </a:prstGeom>
         </p:spPr>
       </p:pic>
-      <p:sp>
-        <p:nvSpPr>
-          <p:cNvPr id="2" name="Title 1">
-            <a:extLst>
-              <a:ext uri="{FF2B5EF4-FFF2-40B4-BE49-F238E27FC236}">
-                <a16:creationId xmlns:a16="http://schemas.microsoft.com/office/drawing/2014/main" id="{DE1DD389-7593-465E-940E-6D35427751BD}"/>
-              </a:ext>
-            </a:extLst>
-          </p:cNvPr>
-          <p:cNvSpPr>
-            <a:spLocks noGrp="1"/>
-          </p:cNvSpPr>
-          <p:nvPr>
-            <p:ph type="title"/>
-          </p:nvPr>
-        </p:nvSpPr>
-        <p:spPr>
-          <a:xfrm>
-            <a:off x="101954" y="-261977"/>
-            <a:ext cx="10515600" cy="1325563"/>
-          </a:xfrm>
-        </p:spPr>
-        <p:txBody>
-          <a:bodyPr/>
-          <a:lstStyle/>
-          <a:p>
-            <a:r>
-              <a:rPr lang="en-US" dirty="0"/>
-              <a:t>HOT CAR Analysis: Deals</a:t>
-            </a:r>
-          </a:p>
-        </p:txBody>
-      </p:sp>
       <p:pic>
         <p:nvPicPr>
-          <p:cNvPr id="5" name="Picture 4">
-            <a:extLst>
-              <a:ext uri="{FF2B5EF4-FFF2-40B4-BE49-F238E27FC236}">
-                <a16:creationId xmlns:a16="http://schemas.microsoft.com/office/drawing/2014/main" id="{4F306BBF-D5FD-4CE8-AD31-45B76BD50760}"/>
+          <p:cNvPr id="9" name="Picture 8">
+            <a:extLst>
+              <a:ext uri="{FF2B5EF4-FFF2-40B4-BE49-F238E27FC236}">
+                <a16:creationId xmlns:a16="http://schemas.microsoft.com/office/drawing/2014/main" id="{050FDB82-3143-42C3-9DF4-D8ABC5723873}"/>
               </a:ext>
             </a:extLst>
           </p:cNvPr>
@@ -6313,128 +6238,20 @@
         </p:blipFill>
         <p:spPr>
           <a:xfrm>
-            <a:off x="0" y="3101259"/>
-            <a:ext cx="3782541" cy="1888752"/>
+            <a:off x="6096000" y="167752"/>
+            <a:ext cx="5207056" cy="2740828"/>
           </a:xfrm>
           <a:prstGeom prst="rect">
             <a:avLst/>
           </a:prstGeom>
         </p:spPr>
       </p:pic>
-      <p:pic>
-        <p:nvPicPr>
-          <p:cNvPr id="7" name="Picture 6">
-            <a:extLst>
-              <a:ext uri="{FF2B5EF4-FFF2-40B4-BE49-F238E27FC236}">
-                <a16:creationId xmlns:a16="http://schemas.microsoft.com/office/drawing/2014/main" id="{A2A244E6-2CC6-4024-88A1-4986409FAA04}"/>
-              </a:ext>
-            </a:extLst>
-          </p:cNvPr>
-          <p:cNvPicPr>
-            <a:picLocks noChangeAspect="1"/>
-          </p:cNvPicPr>
-          <p:nvPr/>
-        </p:nvPicPr>
-        <p:blipFill>
-          <a:blip r:embed="rId5">
-            <a:extLst>
-              <a:ext uri="{28A0092B-C50C-407E-A947-70E740481C1C}">
-                <a14:useLocalDpi xmlns:a14="http://schemas.microsoft.com/office/drawing/2010/main" val="0"/>
-              </a:ext>
-            </a:extLst>
-          </a:blip>
-          <a:stretch>
-            <a:fillRect/>
-          </a:stretch>
-        </p:blipFill>
-        <p:spPr>
-          <a:xfrm>
-            <a:off x="0" y="4990011"/>
-            <a:ext cx="3782539" cy="1888752"/>
-          </a:xfrm>
-          <a:prstGeom prst="rect">
-            <a:avLst/>
-          </a:prstGeom>
-        </p:spPr>
-      </p:pic>
-      <p:pic>
-        <p:nvPicPr>
-          <p:cNvPr id="11" name="Picture 10">
-            <a:extLst>
-              <a:ext uri="{FF2B5EF4-FFF2-40B4-BE49-F238E27FC236}">
-                <a16:creationId xmlns:a16="http://schemas.microsoft.com/office/drawing/2014/main" id="{38CE5534-AF71-4222-9ABB-A041AA0E76DF}"/>
-              </a:ext>
-            </a:extLst>
-          </p:cNvPr>
-          <p:cNvPicPr>
-            <a:picLocks noChangeAspect="1"/>
-          </p:cNvPicPr>
-          <p:nvPr/>
-        </p:nvPicPr>
-        <p:blipFill>
-          <a:blip r:embed="rId6">
-            <a:extLst>
-              <a:ext uri="{28A0092B-C50C-407E-A947-70E740481C1C}">
-                <a14:useLocalDpi xmlns:a14="http://schemas.microsoft.com/office/drawing/2010/main" val="0"/>
-              </a:ext>
-            </a:extLst>
-          </a:blip>
-          <a:stretch>
-            <a:fillRect/>
-          </a:stretch>
-        </p:blipFill>
-        <p:spPr>
-          <a:xfrm>
-            <a:off x="5132612" y="3101257"/>
-            <a:ext cx="3782541" cy="1888753"/>
-          </a:xfrm>
-          <a:prstGeom prst="rect">
-            <a:avLst/>
-          </a:prstGeom>
-        </p:spPr>
-      </p:pic>
-      <p:pic>
-        <p:nvPicPr>
-          <p:cNvPr id="13" name="Picture 12">
-            <a:extLst>
-              <a:ext uri="{FF2B5EF4-FFF2-40B4-BE49-F238E27FC236}">
-                <a16:creationId xmlns:a16="http://schemas.microsoft.com/office/drawing/2014/main" id="{33E6F139-8769-4DF7-B0C8-493349733940}"/>
-              </a:ext>
-            </a:extLst>
-          </p:cNvPr>
-          <p:cNvPicPr>
-            <a:picLocks noChangeAspect="1"/>
-          </p:cNvPicPr>
-          <p:nvPr/>
-        </p:nvPicPr>
-        <p:blipFill>
-          <a:blip r:embed="rId7">
-            <a:extLst>
-              <a:ext uri="{28A0092B-C50C-407E-A947-70E740481C1C}">
-                <a14:useLocalDpi xmlns:a14="http://schemas.microsoft.com/office/drawing/2010/main" val="0"/>
-              </a:ext>
-            </a:extLst>
-          </a:blip>
-          <a:stretch>
-            <a:fillRect/>
-          </a:stretch>
-        </p:blipFill>
-        <p:spPr>
-          <a:xfrm>
-            <a:off x="5132612" y="4990011"/>
-            <a:ext cx="3782541" cy="1888753"/>
-          </a:xfrm>
-          <a:prstGeom prst="rect">
-            <a:avLst/>
-          </a:prstGeom>
-        </p:spPr>
-      </p:pic>
-      <p:sp>
-        <p:nvSpPr>
-          <p:cNvPr id="14" name="TextBox 13">
-            <a:extLst>
-              <a:ext uri="{FF2B5EF4-FFF2-40B4-BE49-F238E27FC236}">
-                <a16:creationId xmlns:a16="http://schemas.microsoft.com/office/drawing/2014/main" id="{10EFE810-80A7-4125-8FF8-DF4F81841963}"/>
+      <p:sp>
+        <p:nvSpPr>
+          <p:cNvPr id="10" name="TextBox 9">
+            <a:extLst>
+              <a:ext uri="{FF2B5EF4-FFF2-40B4-BE49-F238E27FC236}">
+                <a16:creationId xmlns:a16="http://schemas.microsoft.com/office/drawing/2014/main" id="{2CB91772-8C2A-484C-B892-5E60E1CBC12C}"/>
               </a:ext>
             </a:extLst>
           </p:cNvPr>
@@ -6443,8 +6260,8 @@
         </p:nvSpPr>
         <p:spPr>
           <a:xfrm>
-            <a:off x="2340333" y="1284872"/>
-            <a:ext cx="1044388" cy="369332"/>
+            <a:off x="3011954" y="6061165"/>
+            <a:ext cx="7853753" cy="369332"/>
           </a:xfrm>
           <a:prstGeom prst="rect">
             <a:avLst/>
@@ -6459,89 +6276,7 @@
           <a:p>
             <a:r>
               <a:rPr lang="en-US" dirty="0"/>
-              <a:t>Cars.com</a:t>
-            </a:r>
-          </a:p>
-        </p:txBody>
-      </p:sp>
-      <p:sp>
-        <p:nvSpPr>
-          <p:cNvPr id="15" name="TextBox 14">
-            <a:extLst>
-              <a:ext uri="{FF2B5EF4-FFF2-40B4-BE49-F238E27FC236}">
-                <a16:creationId xmlns:a16="http://schemas.microsoft.com/office/drawing/2014/main" id="{EBF4CDB6-71B5-41FE-A7D7-72571AC9B49F}"/>
-              </a:ext>
-            </a:extLst>
-          </p:cNvPr>
-          <p:cNvSpPr txBox="1"/>
-          <p:nvPr/>
-        </p:nvSpPr>
-        <p:spPr>
-          <a:xfrm>
-            <a:off x="6888481" y="1362604"/>
-            <a:ext cx="1478033" cy="369332"/>
-          </a:xfrm>
-          <a:prstGeom prst="rect">
-            <a:avLst/>
-          </a:prstGeom>
-          <a:noFill/>
-        </p:spPr>
-        <p:txBody>
-          <a:bodyPr wrap="none" rtlCol="0">
-            <a:spAutoFit/>
-          </a:bodyPr>
-          <a:lstStyle/>
-          <a:p>
-            <a:r>
-              <a:rPr lang="en-US" dirty="0"/>
-              <a:t>Cargurus.com</a:t>
-            </a:r>
-          </a:p>
-        </p:txBody>
-      </p:sp>
-      <p:sp>
-        <p:nvSpPr>
-          <p:cNvPr id="20" name="TextBox 19">
-            <a:extLst>
-              <a:ext uri="{FF2B5EF4-FFF2-40B4-BE49-F238E27FC236}">
-                <a16:creationId xmlns:a16="http://schemas.microsoft.com/office/drawing/2014/main" id="{F57BAA0A-F445-48FC-A79C-B608911AD0B8}"/>
-              </a:ext>
-            </a:extLst>
-          </p:cNvPr>
-          <p:cNvSpPr txBox="1"/>
-          <p:nvPr/>
-        </p:nvSpPr>
-        <p:spPr>
-          <a:xfrm>
-            <a:off x="9187458" y="2967335"/>
-            <a:ext cx="3076355" cy="923330"/>
-          </a:xfrm>
-          <a:prstGeom prst="rect">
-            <a:avLst/>
-          </a:prstGeom>
-          <a:noFill/>
-        </p:spPr>
-        <p:txBody>
-          <a:bodyPr wrap="none" rtlCol="0">
-            <a:spAutoFit/>
-          </a:bodyPr>
-          <a:lstStyle/>
-          <a:p>
-            <a:r>
-              <a:rPr lang="en-US" dirty="0"/>
-              <a:t>Conclusion: </a:t>
-            </a:r>
-          </a:p>
-          <a:p>
-            <a:r>
-              <a:rPr lang="en-US" dirty="0"/>
-              <a:t>The great deal on the cars.com</a:t>
-            </a:r>
-          </a:p>
-          <a:p>
-            <a:r>
-              <a:rPr lang="en-US" dirty="0"/>
-              <a:t>might be overpriced </a:t>
+              <a:t>Conclusion: trim 75D AWD and 75 RWD are more likely to be in HOT CAR category</a:t>
             </a:r>
           </a:p>
         </p:txBody>
@@ -6549,7 +6284,7 @@
     </p:spTree>
     <p:extLst>
       <p:ext uri="{BB962C8B-B14F-4D97-AF65-F5344CB8AC3E}">
-        <p14:creationId xmlns:p14="http://schemas.microsoft.com/office/powerpoint/2010/main" val="823678300"/>
+        <p14:creationId xmlns:p14="http://schemas.microsoft.com/office/powerpoint/2010/main" val="3454631136"/>
       </p:ext>
     </p:extLst>
   </p:cSld>
@@ -6581,7 +6316,7 @@
           <p:cNvPr id="2" name="Title 1">
             <a:extLst>
               <a:ext uri="{FF2B5EF4-FFF2-40B4-BE49-F238E27FC236}">
-                <a16:creationId xmlns:a16="http://schemas.microsoft.com/office/drawing/2014/main" id="{BFAC9BC9-FE8E-4F54-812B-9C9AB406A1AB}"/>
+                <a16:creationId xmlns:a16="http://schemas.microsoft.com/office/drawing/2014/main" id="{36371BCD-6F6F-45B4-97B5-2922BB07EC2E}"/>
               </a:ext>
             </a:extLst>
           </p:cNvPr>
@@ -6592,19 +6327,14 @@
             <p:ph type="title"/>
           </p:nvPr>
         </p:nvSpPr>
-        <p:spPr>
-          <a:xfrm>
-            <a:off x="115389" y="-199426"/>
-            <a:ext cx="10515600" cy="1325563"/>
-          </a:xfrm>
-        </p:spPr>
+        <p:spPr/>
         <p:txBody>
           <a:bodyPr/>
           <a:lstStyle/>
           <a:p>
             <a:r>
               <a:rPr lang="en-US" dirty="0"/>
-              <a:t>HOT CAR Analysis: Dealer rating</a:t>
+              <a:t>HOT CAR Analysis: Days on the market</a:t>
             </a:r>
           </a:p>
         </p:txBody>
@@ -6614,7 +6344,7 @@
           <p:cNvPr id="5" name="Picture 4">
             <a:extLst>
               <a:ext uri="{FF2B5EF4-FFF2-40B4-BE49-F238E27FC236}">
-                <a16:creationId xmlns:a16="http://schemas.microsoft.com/office/drawing/2014/main" id="{778F4695-37C0-4C7E-A60E-82CAE8F6B0BB}"/>
+                <a16:creationId xmlns:a16="http://schemas.microsoft.com/office/drawing/2014/main" id="{5114F919-8209-4280-B1A2-0065422A1B98}"/>
               </a:ext>
             </a:extLst>
           </p:cNvPr>
@@ -6637,20 +6367,129 @@
         </p:blipFill>
         <p:spPr>
           <a:xfrm>
-            <a:off x="0" y="736775"/>
-            <a:ext cx="2899954" cy="1993120"/>
+            <a:off x="102368" y="1542642"/>
+            <a:ext cx="5846580" cy="4018318"/>
           </a:xfrm>
           <a:prstGeom prst="rect">
             <a:avLst/>
           </a:prstGeom>
         </p:spPr>
       </p:pic>
+      <p:cxnSp>
+        <p:nvCxnSpPr>
+          <p:cNvPr id="9" name="Straight Arrow Connector 8">
+            <a:extLst>
+              <a:ext uri="{FF2B5EF4-FFF2-40B4-BE49-F238E27FC236}">
+                <a16:creationId xmlns:a16="http://schemas.microsoft.com/office/drawing/2014/main" id="{C5CFC10D-DF87-4982-9CB4-181AD3F82895}"/>
+              </a:ext>
+            </a:extLst>
+          </p:cNvPr>
+          <p:cNvCxnSpPr/>
+          <p:nvPr/>
+        </p:nvCxnSpPr>
+        <p:spPr>
+          <a:xfrm>
+            <a:off x="4032069" y="4319451"/>
+            <a:ext cx="0" cy="722812"/>
+          </a:xfrm>
+          <a:prstGeom prst="straightConnector1">
+            <a:avLst/>
+          </a:prstGeom>
+          <a:ln>
+            <a:tailEnd type="triangle"/>
+          </a:ln>
+        </p:spPr>
+        <p:style>
+          <a:lnRef idx="1">
+            <a:schemeClr val="accent1"/>
+          </a:lnRef>
+          <a:fillRef idx="0">
+            <a:schemeClr val="accent1"/>
+          </a:fillRef>
+          <a:effectRef idx="0">
+            <a:schemeClr val="accent1"/>
+          </a:effectRef>
+          <a:fontRef idx="minor">
+            <a:schemeClr val="tx1"/>
+          </a:fontRef>
+        </p:style>
+      </p:cxnSp>
+      <p:sp>
+        <p:nvSpPr>
+          <p:cNvPr id="10" name="TextBox 9">
+            <a:extLst>
+              <a:ext uri="{FF2B5EF4-FFF2-40B4-BE49-F238E27FC236}">
+                <a16:creationId xmlns:a16="http://schemas.microsoft.com/office/drawing/2014/main" id="{5BE81BA2-F789-42EE-9CEF-AFA2BD1F8E23}"/>
+              </a:ext>
+            </a:extLst>
+          </p:cNvPr>
+          <p:cNvSpPr txBox="1"/>
+          <p:nvPr/>
+        </p:nvSpPr>
+        <p:spPr>
+          <a:xfrm>
+            <a:off x="3779520" y="4049486"/>
+            <a:ext cx="806631" cy="369332"/>
+          </a:xfrm>
+          <a:prstGeom prst="rect">
+            <a:avLst/>
+          </a:prstGeom>
+          <a:noFill/>
+        </p:spPr>
+        <p:txBody>
+          <a:bodyPr wrap="none" rtlCol="0">
+            <a:spAutoFit/>
+          </a:bodyPr>
+          <a:lstStyle/>
+          <a:p>
+            <a:r>
+              <a:rPr lang="en-US" dirty="0"/>
+              <a:t>outlier</a:t>
+            </a:r>
+          </a:p>
+        </p:txBody>
+      </p:sp>
+      <p:sp>
+        <p:nvSpPr>
+          <p:cNvPr id="11" name="TextBox 10">
+            <a:extLst>
+              <a:ext uri="{FF2B5EF4-FFF2-40B4-BE49-F238E27FC236}">
+                <a16:creationId xmlns:a16="http://schemas.microsoft.com/office/drawing/2014/main" id="{619C7156-A996-4D8A-BFAB-1F1892FA3315}"/>
+              </a:ext>
+            </a:extLst>
+          </p:cNvPr>
+          <p:cNvSpPr txBox="1"/>
+          <p:nvPr/>
+        </p:nvSpPr>
+        <p:spPr>
+          <a:xfrm>
+            <a:off x="5547360" y="6148251"/>
+            <a:ext cx="4543552" cy="369332"/>
+          </a:xfrm>
+          <a:prstGeom prst="rect">
+            <a:avLst/>
+          </a:prstGeom>
+          <a:noFill/>
+        </p:spPr>
+        <p:txBody>
+          <a:bodyPr wrap="none" rtlCol="0">
+            <a:spAutoFit/>
+          </a:bodyPr>
+          <a:lstStyle/>
+          <a:p>
+            <a:r>
+              <a:rPr lang="en-US" dirty="0"/>
+              <a:t>Conclusion: Most hot car sells within a 10 days</a:t>
+            </a:r>
+          </a:p>
+        </p:txBody>
+      </p:sp>
       <p:pic>
         <p:nvPicPr>
-          <p:cNvPr id="7" name="Picture 6">
-            <a:extLst>
-              <a:ext uri="{FF2B5EF4-FFF2-40B4-BE49-F238E27FC236}">
-                <a16:creationId xmlns:a16="http://schemas.microsoft.com/office/drawing/2014/main" id="{FFC4283D-A3DA-4AA0-8F7D-80E5C21EC1A0}"/>
+          <p:cNvPr id="13" name="Picture 12">
+            <a:extLst>
+              <a:ext uri="{FF2B5EF4-FFF2-40B4-BE49-F238E27FC236}">
+                <a16:creationId xmlns:a16="http://schemas.microsoft.com/office/drawing/2014/main" id="{7F3A30CD-4D5F-4BFE-9D5F-C582C6776A5B}"/>
               </a:ext>
             </a:extLst>
           </p:cNvPr>
@@ -6673,271 +6512,18 @@
         </p:blipFill>
         <p:spPr>
           <a:xfrm>
-            <a:off x="3865517" y="749266"/>
-            <a:ext cx="2899954" cy="1993120"/>
+            <a:off x="5948948" y="1542642"/>
+            <a:ext cx="6240376" cy="4288971"/>
           </a:xfrm>
           <a:prstGeom prst="rect">
             <a:avLst/>
           </a:prstGeom>
         </p:spPr>
       </p:pic>
-      <p:pic>
-        <p:nvPicPr>
-          <p:cNvPr id="9" name="Picture 8">
-            <a:extLst>
-              <a:ext uri="{FF2B5EF4-FFF2-40B4-BE49-F238E27FC236}">
-                <a16:creationId xmlns:a16="http://schemas.microsoft.com/office/drawing/2014/main" id="{FEE30412-958A-404A-A7B5-9DC45CC35AEC}"/>
-              </a:ext>
-            </a:extLst>
-          </p:cNvPr>
-          <p:cNvPicPr>
-            <a:picLocks noChangeAspect="1"/>
-          </p:cNvPicPr>
-          <p:nvPr/>
-        </p:nvPicPr>
-        <p:blipFill>
-          <a:blip r:embed="rId4">
-            <a:extLst>
-              <a:ext uri="{28A0092B-C50C-407E-A947-70E740481C1C}">
-                <a14:useLocalDpi xmlns:a14="http://schemas.microsoft.com/office/drawing/2010/main" val="0"/>
-              </a:ext>
-            </a:extLst>
-          </a:blip>
-          <a:stretch>
-            <a:fillRect/>
-          </a:stretch>
-        </p:blipFill>
-        <p:spPr>
-          <a:xfrm>
-            <a:off x="0" y="2729895"/>
-            <a:ext cx="2899954" cy="1993120"/>
-          </a:xfrm>
-          <a:prstGeom prst="rect">
-            <a:avLst/>
-          </a:prstGeom>
-        </p:spPr>
-      </p:pic>
-      <p:pic>
-        <p:nvPicPr>
-          <p:cNvPr id="11" name="Picture 10">
-            <a:extLst>
-              <a:ext uri="{FF2B5EF4-FFF2-40B4-BE49-F238E27FC236}">
-                <a16:creationId xmlns:a16="http://schemas.microsoft.com/office/drawing/2014/main" id="{606D6B25-B6AE-4C77-B54A-FA4F055B39F8}"/>
-              </a:ext>
-            </a:extLst>
-          </p:cNvPr>
-          <p:cNvPicPr>
-            <a:picLocks noChangeAspect="1"/>
-          </p:cNvPicPr>
-          <p:nvPr/>
-        </p:nvPicPr>
-        <p:blipFill>
-          <a:blip r:embed="rId5">
-            <a:extLst>
-              <a:ext uri="{28A0092B-C50C-407E-A947-70E740481C1C}">
-                <a14:useLocalDpi xmlns:a14="http://schemas.microsoft.com/office/drawing/2010/main" val="0"/>
-              </a:ext>
-            </a:extLst>
-          </a:blip>
-          <a:stretch>
-            <a:fillRect/>
-          </a:stretch>
-        </p:blipFill>
-        <p:spPr>
-          <a:xfrm>
-            <a:off x="3865517" y="2726356"/>
-            <a:ext cx="2804161" cy="1927282"/>
-          </a:xfrm>
-          <a:prstGeom prst="rect">
-            <a:avLst/>
-          </a:prstGeom>
-        </p:spPr>
-      </p:pic>
-      <p:sp>
-        <p:nvSpPr>
-          <p:cNvPr id="12" name="Rectangle 11">
-            <a:extLst>
-              <a:ext uri="{FF2B5EF4-FFF2-40B4-BE49-F238E27FC236}">
-                <a16:creationId xmlns:a16="http://schemas.microsoft.com/office/drawing/2014/main" id="{0A4E90BF-2B27-4905-AAB6-A088DEDCB97A}"/>
-              </a:ext>
-            </a:extLst>
-          </p:cNvPr>
-          <p:cNvSpPr/>
-          <p:nvPr/>
-        </p:nvSpPr>
-        <p:spPr>
-          <a:xfrm>
-            <a:off x="4188823" y="1195297"/>
-            <a:ext cx="1478033" cy="369332"/>
-          </a:xfrm>
-          <a:prstGeom prst="rect">
-            <a:avLst/>
-          </a:prstGeom>
-        </p:spPr>
-        <p:txBody>
-          <a:bodyPr wrap="none">
-            <a:spAutoFit/>
-          </a:bodyPr>
-          <a:lstStyle/>
-          <a:p>
-            <a:r>
-              <a:rPr lang="en-US" dirty="0"/>
-              <a:t>Cargurus.com</a:t>
-            </a:r>
-          </a:p>
-        </p:txBody>
-      </p:sp>
-      <p:sp>
-        <p:nvSpPr>
-          <p:cNvPr id="13" name="Rectangle 12">
-            <a:extLst>
-              <a:ext uri="{FF2B5EF4-FFF2-40B4-BE49-F238E27FC236}">
-                <a16:creationId xmlns:a16="http://schemas.microsoft.com/office/drawing/2014/main" id="{FC7DF519-1065-4A00-B8EA-5BB481CAE030}"/>
-              </a:ext>
-            </a:extLst>
-          </p:cNvPr>
-          <p:cNvSpPr/>
-          <p:nvPr/>
-        </p:nvSpPr>
-        <p:spPr>
-          <a:xfrm>
-            <a:off x="472551" y="1548669"/>
-            <a:ext cx="1044388" cy="369332"/>
-          </a:xfrm>
-          <a:prstGeom prst="rect">
-            <a:avLst/>
-          </a:prstGeom>
-        </p:spPr>
-        <p:txBody>
-          <a:bodyPr wrap="none">
-            <a:spAutoFit/>
-          </a:bodyPr>
-          <a:lstStyle/>
-          <a:p>
-            <a:r>
-              <a:rPr lang="en-US" dirty="0"/>
-              <a:t>Cars.com</a:t>
-            </a:r>
-          </a:p>
-        </p:txBody>
-      </p:sp>
-      <p:pic>
-        <p:nvPicPr>
-          <p:cNvPr id="15" name="Picture 14">
-            <a:extLst>
-              <a:ext uri="{FF2B5EF4-FFF2-40B4-BE49-F238E27FC236}">
-                <a16:creationId xmlns:a16="http://schemas.microsoft.com/office/drawing/2014/main" id="{7D9EE6FC-94AA-4D3F-A8E3-630DFD6805C6}"/>
-              </a:ext>
-            </a:extLst>
-          </p:cNvPr>
-          <p:cNvPicPr>
-            <a:picLocks noChangeAspect="1"/>
-          </p:cNvPicPr>
-          <p:nvPr/>
-        </p:nvPicPr>
-        <p:blipFill>
-          <a:blip r:embed="rId6">
-            <a:extLst>
-              <a:ext uri="{28A0092B-C50C-407E-A947-70E740481C1C}">
-                <a14:useLocalDpi xmlns:a14="http://schemas.microsoft.com/office/drawing/2010/main" val="0"/>
-              </a:ext>
-            </a:extLst>
-          </a:blip>
-          <a:stretch>
-            <a:fillRect/>
-          </a:stretch>
-        </p:blipFill>
-        <p:spPr>
-          <a:xfrm>
-            <a:off x="0" y="4723015"/>
-            <a:ext cx="2899954" cy="1993120"/>
-          </a:xfrm>
-          <a:prstGeom prst="rect">
-            <a:avLst/>
-          </a:prstGeom>
-        </p:spPr>
-      </p:pic>
-      <p:pic>
-        <p:nvPicPr>
-          <p:cNvPr id="17" name="Picture 16">
-            <a:extLst>
-              <a:ext uri="{FF2B5EF4-FFF2-40B4-BE49-F238E27FC236}">
-                <a16:creationId xmlns:a16="http://schemas.microsoft.com/office/drawing/2014/main" id="{63FCEEE7-1648-4517-AF8E-59C7E55D66C9}"/>
-              </a:ext>
-            </a:extLst>
-          </p:cNvPr>
-          <p:cNvPicPr>
-            <a:picLocks noChangeAspect="1"/>
-          </p:cNvPicPr>
-          <p:nvPr/>
-        </p:nvPicPr>
-        <p:blipFill>
-          <a:blip r:embed="rId7">
-            <a:extLst>
-              <a:ext uri="{28A0092B-C50C-407E-A947-70E740481C1C}">
-                <a14:useLocalDpi xmlns:a14="http://schemas.microsoft.com/office/drawing/2010/main" val="0"/>
-              </a:ext>
-            </a:extLst>
-          </a:blip>
-          <a:stretch>
-            <a:fillRect/>
-          </a:stretch>
-        </p:blipFill>
-        <p:spPr>
-          <a:xfrm>
-            <a:off x="3865517" y="4658903"/>
-            <a:ext cx="3086516" cy="2121343"/>
-          </a:xfrm>
-          <a:prstGeom prst="rect">
-            <a:avLst/>
-          </a:prstGeom>
-        </p:spPr>
-      </p:pic>
-      <p:sp>
-        <p:nvSpPr>
-          <p:cNvPr id="18" name="TextBox 17">
-            <a:extLst>
-              <a:ext uri="{FF2B5EF4-FFF2-40B4-BE49-F238E27FC236}">
-                <a16:creationId xmlns:a16="http://schemas.microsoft.com/office/drawing/2014/main" id="{AFC164F8-5FF3-40EB-A680-B492C12148D1}"/>
-              </a:ext>
-            </a:extLst>
-          </p:cNvPr>
-          <p:cNvSpPr txBox="1"/>
-          <p:nvPr/>
-        </p:nvSpPr>
-        <p:spPr>
-          <a:xfrm>
-            <a:off x="7498079" y="2177143"/>
-            <a:ext cx="3509555" cy="646331"/>
-          </a:xfrm>
-          <a:prstGeom prst="rect">
-            <a:avLst/>
-          </a:prstGeom>
-          <a:noFill/>
-        </p:spPr>
-        <p:txBody>
-          <a:bodyPr wrap="square" rtlCol="0">
-            <a:spAutoFit/>
-          </a:bodyPr>
-          <a:lstStyle/>
-          <a:p>
-            <a:r>
-              <a:rPr lang="en-US" dirty="0"/>
-              <a:t>Conclusion:</a:t>
-            </a:r>
-          </a:p>
-          <a:p>
-            <a:r>
-              <a:rPr lang="en-US" dirty="0"/>
-              <a:t>Insignificant</a:t>
-            </a:r>
-          </a:p>
-        </p:txBody>
-      </p:sp>
     </p:spTree>
     <p:extLst>
       <p:ext uri="{BB962C8B-B14F-4D97-AF65-F5344CB8AC3E}">
-        <p14:creationId xmlns:p14="http://schemas.microsoft.com/office/powerpoint/2010/main" val="622155514"/>
+        <p14:creationId xmlns:p14="http://schemas.microsoft.com/office/powerpoint/2010/main" val="2637771398"/>
       </p:ext>
     </p:extLst>
   </p:cSld>
@@ -6964,45 +6550,12 @@
           <a:chExt cx="0" cy="0"/>
         </a:xfrm>
       </p:grpSpPr>
-      <p:sp>
-        <p:nvSpPr>
-          <p:cNvPr id="2" name="Title 1">
-            <a:extLst>
-              <a:ext uri="{FF2B5EF4-FFF2-40B4-BE49-F238E27FC236}">
-                <a16:creationId xmlns:a16="http://schemas.microsoft.com/office/drawing/2014/main" id="{BF2A9D43-1FB7-491F-B749-F24D2F041914}"/>
-              </a:ext>
-            </a:extLst>
-          </p:cNvPr>
-          <p:cNvSpPr>
-            <a:spLocks noGrp="1"/>
-          </p:cNvSpPr>
-          <p:nvPr>
-            <p:ph type="title"/>
-          </p:nvPr>
-        </p:nvSpPr>
-        <p:spPr>
-          <a:xfrm>
-            <a:off x="524692" y="199662"/>
-            <a:ext cx="10515600" cy="1325563"/>
-          </a:xfrm>
-        </p:spPr>
-        <p:txBody>
-          <a:bodyPr/>
-          <a:lstStyle/>
-          <a:p>
-            <a:r>
-              <a:rPr lang="en-US" dirty="0"/>
-              <a:t>HOT CAR Analysis: Owner Count</a:t>
-            </a:r>
-          </a:p>
-        </p:txBody>
-      </p:sp>
       <p:pic>
         <p:nvPicPr>
-          <p:cNvPr id="5" name="Picture 4">
-            <a:extLst>
-              <a:ext uri="{FF2B5EF4-FFF2-40B4-BE49-F238E27FC236}">
-                <a16:creationId xmlns:a16="http://schemas.microsoft.com/office/drawing/2014/main" id="{ABCB3EBD-E897-42C7-A61B-8C5A8EE03C63}"/>
+          <p:cNvPr id="19" name="Picture 18">
+            <a:extLst>
+              <a:ext uri="{FF2B5EF4-FFF2-40B4-BE49-F238E27FC236}">
+                <a16:creationId xmlns:a16="http://schemas.microsoft.com/office/drawing/2014/main" id="{CB55FACA-24C2-4985-9568-2D33AFF3C2FA}"/>
               </a:ext>
             </a:extLst>
           </p:cNvPr>
@@ -7025,8 +6578,8 @@
         </p:blipFill>
         <p:spPr>
           <a:xfrm>
-            <a:off x="15855" y="1645919"/>
-            <a:ext cx="6080145" cy="4178845"/>
+            <a:off x="5710248" y="898545"/>
+            <a:ext cx="3204905" cy="2202711"/>
           </a:xfrm>
           <a:prstGeom prst="rect">
             <a:avLst/>
@@ -7035,10 +6588,10 @@
       </p:pic>
       <p:pic>
         <p:nvPicPr>
-          <p:cNvPr id="7" name="Picture 6">
-            <a:extLst>
-              <a:ext uri="{FF2B5EF4-FFF2-40B4-BE49-F238E27FC236}">
-                <a16:creationId xmlns:a16="http://schemas.microsoft.com/office/drawing/2014/main" id="{08598A88-52FA-4D34-B233-50A8912F35B0}"/>
+          <p:cNvPr id="17" name="Picture 16">
+            <a:extLst>
+              <a:ext uri="{FF2B5EF4-FFF2-40B4-BE49-F238E27FC236}">
+                <a16:creationId xmlns:a16="http://schemas.microsoft.com/office/drawing/2014/main" id="{F8E4AB4B-1E74-4597-86B8-43D484FDF1E2}"/>
               </a:ext>
             </a:extLst>
           </p:cNvPr>
@@ -7061,8 +6614,8 @@
         </p:blipFill>
         <p:spPr>
           <a:xfrm>
-            <a:off x="5934463" y="1645919"/>
-            <a:ext cx="6257537" cy="4300765"/>
+            <a:off x="624765" y="797841"/>
+            <a:ext cx="3351430" cy="2303417"/>
           </a:xfrm>
           <a:prstGeom prst="rect">
             <a:avLst/>
@@ -7071,10 +6624,187 @@
       </p:pic>
       <p:sp>
         <p:nvSpPr>
-          <p:cNvPr id="8" name="TextBox 7">
-            <a:extLst>
-              <a:ext uri="{FF2B5EF4-FFF2-40B4-BE49-F238E27FC236}">
-                <a16:creationId xmlns:a16="http://schemas.microsoft.com/office/drawing/2014/main" id="{EDCF2798-AB36-4F0B-967A-6AAC833748A7}"/>
+          <p:cNvPr id="2" name="Title 1">
+            <a:extLst>
+              <a:ext uri="{FF2B5EF4-FFF2-40B4-BE49-F238E27FC236}">
+                <a16:creationId xmlns:a16="http://schemas.microsoft.com/office/drawing/2014/main" id="{DE1DD389-7593-465E-940E-6D35427751BD}"/>
+              </a:ext>
+            </a:extLst>
+          </p:cNvPr>
+          <p:cNvSpPr>
+            <a:spLocks noGrp="1"/>
+          </p:cNvSpPr>
+          <p:nvPr>
+            <p:ph type="title"/>
+          </p:nvPr>
+        </p:nvSpPr>
+        <p:spPr>
+          <a:xfrm>
+            <a:off x="101954" y="-261977"/>
+            <a:ext cx="10515600" cy="1325563"/>
+          </a:xfrm>
+        </p:spPr>
+        <p:txBody>
+          <a:bodyPr/>
+          <a:lstStyle/>
+          <a:p>
+            <a:r>
+              <a:rPr lang="en-US" dirty="0"/>
+              <a:t>HOT CAR Analysis: Deals</a:t>
+            </a:r>
+          </a:p>
+        </p:txBody>
+      </p:sp>
+      <p:pic>
+        <p:nvPicPr>
+          <p:cNvPr id="5" name="Picture 4">
+            <a:extLst>
+              <a:ext uri="{FF2B5EF4-FFF2-40B4-BE49-F238E27FC236}">
+                <a16:creationId xmlns:a16="http://schemas.microsoft.com/office/drawing/2014/main" id="{4F306BBF-D5FD-4CE8-AD31-45B76BD50760}"/>
+              </a:ext>
+            </a:extLst>
+          </p:cNvPr>
+          <p:cNvPicPr>
+            <a:picLocks noChangeAspect="1"/>
+          </p:cNvPicPr>
+          <p:nvPr/>
+        </p:nvPicPr>
+        <p:blipFill>
+          <a:blip r:embed="rId4">
+            <a:extLst>
+              <a:ext uri="{28A0092B-C50C-407E-A947-70E740481C1C}">
+                <a14:useLocalDpi xmlns:a14="http://schemas.microsoft.com/office/drawing/2010/main" val="0"/>
+              </a:ext>
+            </a:extLst>
+          </a:blip>
+          <a:stretch>
+            <a:fillRect/>
+          </a:stretch>
+        </p:blipFill>
+        <p:spPr>
+          <a:xfrm>
+            <a:off x="0" y="3101259"/>
+            <a:ext cx="3782541" cy="1888752"/>
+          </a:xfrm>
+          <a:prstGeom prst="rect">
+            <a:avLst/>
+          </a:prstGeom>
+        </p:spPr>
+      </p:pic>
+      <p:pic>
+        <p:nvPicPr>
+          <p:cNvPr id="7" name="Picture 6">
+            <a:extLst>
+              <a:ext uri="{FF2B5EF4-FFF2-40B4-BE49-F238E27FC236}">
+                <a16:creationId xmlns:a16="http://schemas.microsoft.com/office/drawing/2014/main" id="{A2A244E6-2CC6-4024-88A1-4986409FAA04}"/>
+              </a:ext>
+            </a:extLst>
+          </p:cNvPr>
+          <p:cNvPicPr>
+            <a:picLocks noChangeAspect="1"/>
+          </p:cNvPicPr>
+          <p:nvPr/>
+        </p:nvPicPr>
+        <p:blipFill>
+          <a:blip r:embed="rId5">
+            <a:extLst>
+              <a:ext uri="{28A0092B-C50C-407E-A947-70E740481C1C}">
+                <a14:useLocalDpi xmlns:a14="http://schemas.microsoft.com/office/drawing/2010/main" val="0"/>
+              </a:ext>
+            </a:extLst>
+          </a:blip>
+          <a:stretch>
+            <a:fillRect/>
+          </a:stretch>
+        </p:blipFill>
+        <p:spPr>
+          <a:xfrm>
+            <a:off x="0" y="4990011"/>
+            <a:ext cx="3782539" cy="1888752"/>
+          </a:xfrm>
+          <a:prstGeom prst="rect">
+            <a:avLst/>
+          </a:prstGeom>
+        </p:spPr>
+      </p:pic>
+      <p:pic>
+        <p:nvPicPr>
+          <p:cNvPr id="11" name="Picture 10">
+            <a:extLst>
+              <a:ext uri="{FF2B5EF4-FFF2-40B4-BE49-F238E27FC236}">
+                <a16:creationId xmlns:a16="http://schemas.microsoft.com/office/drawing/2014/main" id="{38CE5534-AF71-4222-9ABB-A041AA0E76DF}"/>
+              </a:ext>
+            </a:extLst>
+          </p:cNvPr>
+          <p:cNvPicPr>
+            <a:picLocks noChangeAspect="1"/>
+          </p:cNvPicPr>
+          <p:nvPr/>
+        </p:nvPicPr>
+        <p:blipFill>
+          <a:blip r:embed="rId6">
+            <a:extLst>
+              <a:ext uri="{28A0092B-C50C-407E-A947-70E740481C1C}">
+                <a14:useLocalDpi xmlns:a14="http://schemas.microsoft.com/office/drawing/2010/main" val="0"/>
+              </a:ext>
+            </a:extLst>
+          </a:blip>
+          <a:stretch>
+            <a:fillRect/>
+          </a:stretch>
+        </p:blipFill>
+        <p:spPr>
+          <a:xfrm>
+            <a:off x="5132612" y="3101257"/>
+            <a:ext cx="3782541" cy="1888753"/>
+          </a:xfrm>
+          <a:prstGeom prst="rect">
+            <a:avLst/>
+          </a:prstGeom>
+        </p:spPr>
+      </p:pic>
+      <p:pic>
+        <p:nvPicPr>
+          <p:cNvPr id="13" name="Picture 12">
+            <a:extLst>
+              <a:ext uri="{FF2B5EF4-FFF2-40B4-BE49-F238E27FC236}">
+                <a16:creationId xmlns:a16="http://schemas.microsoft.com/office/drawing/2014/main" id="{33E6F139-8769-4DF7-B0C8-493349733940}"/>
+              </a:ext>
+            </a:extLst>
+          </p:cNvPr>
+          <p:cNvPicPr>
+            <a:picLocks noChangeAspect="1"/>
+          </p:cNvPicPr>
+          <p:nvPr/>
+        </p:nvPicPr>
+        <p:blipFill>
+          <a:blip r:embed="rId7">
+            <a:extLst>
+              <a:ext uri="{28A0092B-C50C-407E-A947-70E740481C1C}">
+                <a14:useLocalDpi xmlns:a14="http://schemas.microsoft.com/office/drawing/2010/main" val="0"/>
+              </a:ext>
+            </a:extLst>
+          </a:blip>
+          <a:stretch>
+            <a:fillRect/>
+          </a:stretch>
+        </p:blipFill>
+        <p:spPr>
+          <a:xfrm>
+            <a:off x="5132612" y="4990011"/>
+            <a:ext cx="3782541" cy="1888753"/>
+          </a:xfrm>
+          <a:prstGeom prst="rect">
+            <a:avLst/>
+          </a:prstGeom>
+        </p:spPr>
+      </p:pic>
+      <p:sp>
+        <p:nvSpPr>
+          <p:cNvPr id="14" name="TextBox 13">
+            <a:extLst>
+              <a:ext uri="{FF2B5EF4-FFF2-40B4-BE49-F238E27FC236}">
+                <a16:creationId xmlns:a16="http://schemas.microsoft.com/office/drawing/2014/main" id="{10EFE810-80A7-4125-8FF8-DF4F81841963}"/>
               </a:ext>
             </a:extLst>
           </p:cNvPr>
@@ -7083,8 +6813,8 @@
         </p:nvSpPr>
         <p:spPr>
           <a:xfrm>
-            <a:off x="5268686" y="6313714"/>
-            <a:ext cx="2453685" cy="369332"/>
+            <a:off x="2340333" y="1284872"/>
+            <a:ext cx="1044388" cy="369332"/>
           </a:xfrm>
           <a:prstGeom prst="rect">
             <a:avLst/>
@@ -7099,7 +6829,89 @@
           <a:p>
             <a:r>
               <a:rPr lang="en-US" dirty="0"/>
-              <a:t>Conclusion: insignificant</a:t>
+              <a:t>Cars.com</a:t>
+            </a:r>
+          </a:p>
+        </p:txBody>
+      </p:sp>
+      <p:sp>
+        <p:nvSpPr>
+          <p:cNvPr id="15" name="TextBox 14">
+            <a:extLst>
+              <a:ext uri="{FF2B5EF4-FFF2-40B4-BE49-F238E27FC236}">
+                <a16:creationId xmlns:a16="http://schemas.microsoft.com/office/drawing/2014/main" id="{EBF4CDB6-71B5-41FE-A7D7-72571AC9B49F}"/>
+              </a:ext>
+            </a:extLst>
+          </p:cNvPr>
+          <p:cNvSpPr txBox="1"/>
+          <p:nvPr/>
+        </p:nvSpPr>
+        <p:spPr>
+          <a:xfrm>
+            <a:off x="6888481" y="1362604"/>
+            <a:ext cx="1478033" cy="369332"/>
+          </a:xfrm>
+          <a:prstGeom prst="rect">
+            <a:avLst/>
+          </a:prstGeom>
+          <a:noFill/>
+        </p:spPr>
+        <p:txBody>
+          <a:bodyPr wrap="none" rtlCol="0">
+            <a:spAutoFit/>
+          </a:bodyPr>
+          <a:lstStyle/>
+          <a:p>
+            <a:r>
+              <a:rPr lang="en-US" dirty="0"/>
+              <a:t>Cargurus.com</a:t>
+            </a:r>
+          </a:p>
+        </p:txBody>
+      </p:sp>
+      <p:sp>
+        <p:nvSpPr>
+          <p:cNvPr id="20" name="TextBox 19">
+            <a:extLst>
+              <a:ext uri="{FF2B5EF4-FFF2-40B4-BE49-F238E27FC236}">
+                <a16:creationId xmlns:a16="http://schemas.microsoft.com/office/drawing/2014/main" id="{F57BAA0A-F445-48FC-A79C-B608911AD0B8}"/>
+              </a:ext>
+            </a:extLst>
+          </p:cNvPr>
+          <p:cNvSpPr txBox="1"/>
+          <p:nvPr/>
+        </p:nvSpPr>
+        <p:spPr>
+          <a:xfrm>
+            <a:off x="9187458" y="2967335"/>
+            <a:ext cx="3076355" cy="923330"/>
+          </a:xfrm>
+          <a:prstGeom prst="rect">
+            <a:avLst/>
+          </a:prstGeom>
+          <a:noFill/>
+        </p:spPr>
+        <p:txBody>
+          <a:bodyPr wrap="none" rtlCol="0">
+            <a:spAutoFit/>
+          </a:bodyPr>
+          <a:lstStyle/>
+          <a:p>
+            <a:r>
+              <a:rPr lang="en-US" dirty="0"/>
+              <a:t>Conclusion: </a:t>
+            </a:r>
+          </a:p>
+          <a:p>
+            <a:r>
+              <a:rPr lang="en-US" dirty="0"/>
+              <a:t>The great deal on the cars.com</a:t>
+            </a:r>
+          </a:p>
+          <a:p>
+            <a:r>
+              <a:rPr lang="en-US" dirty="0"/>
+              <a:t>might be overpriced </a:t>
             </a:r>
           </a:p>
         </p:txBody>
@@ -7107,7 +6919,7 @@
     </p:spTree>
     <p:extLst>
       <p:ext uri="{BB962C8B-B14F-4D97-AF65-F5344CB8AC3E}">
-        <p14:creationId xmlns:p14="http://schemas.microsoft.com/office/powerpoint/2010/main" val="2950357795"/>
+        <p14:creationId xmlns:p14="http://schemas.microsoft.com/office/powerpoint/2010/main" val="823678300"/>
       </p:ext>
     </p:extLst>
   </p:cSld>
@@ -7139,7 +6951,7 @@
           <p:cNvPr id="2" name="Title 1">
             <a:extLst>
               <a:ext uri="{FF2B5EF4-FFF2-40B4-BE49-F238E27FC236}">
-                <a16:creationId xmlns:a16="http://schemas.microsoft.com/office/drawing/2014/main" id="{CA22B174-BDC7-491E-A8E6-CCC81B473269}"/>
+                <a16:creationId xmlns:a16="http://schemas.microsoft.com/office/drawing/2014/main" id="{BFAC9BC9-FE8E-4F54-812B-9C9AB406A1AB}"/>
               </a:ext>
             </a:extLst>
           </p:cNvPr>
@@ -7150,33 +6962,36 @@
             <p:ph type="title"/>
           </p:nvPr>
         </p:nvSpPr>
-        <p:spPr/>
+        <p:spPr>
+          <a:xfrm>
+            <a:off x="115389" y="-199426"/>
+            <a:ext cx="10515600" cy="1325563"/>
+          </a:xfrm>
+        </p:spPr>
         <p:txBody>
           <a:bodyPr/>
           <a:lstStyle/>
           <a:p>
             <a:r>
               <a:rPr lang="en-US" dirty="0"/>
-              <a:t>HOT CAR Analysis: Accident</a:t>
+              <a:t>HOT CAR Analysis: Dealer rating</a:t>
             </a:r>
           </a:p>
         </p:txBody>
       </p:sp>
       <p:pic>
         <p:nvPicPr>
-          <p:cNvPr id="5" name="Content Placeholder 4">
-            <a:extLst>
-              <a:ext uri="{FF2B5EF4-FFF2-40B4-BE49-F238E27FC236}">
-                <a16:creationId xmlns:a16="http://schemas.microsoft.com/office/drawing/2014/main" id="{6F52D0E3-5D63-44E8-A8F7-FB4F4E2D948F}"/>
+          <p:cNvPr id="5" name="Picture 4">
+            <a:extLst>
+              <a:ext uri="{FF2B5EF4-FFF2-40B4-BE49-F238E27FC236}">
+                <a16:creationId xmlns:a16="http://schemas.microsoft.com/office/drawing/2014/main" id="{778F4695-37C0-4C7E-A60E-82CAE8F6B0BB}"/>
               </a:ext>
             </a:extLst>
           </p:cNvPr>
           <p:cNvPicPr>
-            <a:picLocks noGrp="1" noChangeAspect="1"/>
+            <a:picLocks noChangeAspect="1"/>
           </p:cNvPicPr>
-          <p:nvPr>
-            <p:ph idx="1"/>
-          </p:nvPr>
+          <p:nvPr/>
         </p:nvPicPr>
         <p:blipFill>
           <a:blip r:embed="rId2">
@@ -7192,9 +7007,12 @@
         </p:blipFill>
         <p:spPr>
           <a:xfrm>
-            <a:off x="6426926" y="1417923"/>
-            <a:ext cx="5852160" cy="4022153"/>
-          </a:xfrm>
+            <a:off x="0" y="736775"/>
+            <a:ext cx="2899954" cy="1993120"/>
+          </a:xfrm>
+          <a:prstGeom prst="rect">
+            <a:avLst/>
+          </a:prstGeom>
         </p:spPr>
       </p:pic>
       <p:pic>
@@ -7202,7 +7020,7 @@
           <p:cNvPr id="7" name="Picture 6">
             <a:extLst>
               <a:ext uri="{FF2B5EF4-FFF2-40B4-BE49-F238E27FC236}">
-                <a16:creationId xmlns:a16="http://schemas.microsoft.com/office/drawing/2014/main" id="{70B93C63-75D1-4CE2-96F2-7E42A66ED5F3}"/>
+                <a16:creationId xmlns:a16="http://schemas.microsoft.com/office/drawing/2014/main" id="{FFC4283D-A3DA-4AA0-8F7D-80E5C21EC1A0}"/>
               </a:ext>
             </a:extLst>
           </p:cNvPr>
@@ -7225,20 +7043,232 @@
         </p:blipFill>
         <p:spPr>
           <a:xfrm>
-            <a:off x="0" y="1417923"/>
-            <a:ext cx="5965371" cy="4099962"/>
+            <a:off x="3865517" y="749266"/>
+            <a:ext cx="2899954" cy="1993120"/>
           </a:xfrm>
           <a:prstGeom prst="rect">
             <a:avLst/>
           </a:prstGeom>
         </p:spPr>
       </p:pic>
-      <p:sp>
-        <p:nvSpPr>
-          <p:cNvPr id="9" name="TextBox 8">
-            <a:extLst>
-              <a:ext uri="{FF2B5EF4-FFF2-40B4-BE49-F238E27FC236}">
-                <a16:creationId xmlns:a16="http://schemas.microsoft.com/office/drawing/2014/main" id="{3FF57BD4-6215-4019-8841-845C985F67F9}"/>
+      <p:pic>
+        <p:nvPicPr>
+          <p:cNvPr id="9" name="Picture 8">
+            <a:extLst>
+              <a:ext uri="{FF2B5EF4-FFF2-40B4-BE49-F238E27FC236}">
+                <a16:creationId xmlns:a16="http://schemas.microsoft.com/office/drawing/2014/main" id="{FEE30412-958A-404A-A7B5-9DC45CC35AEC}"/>
+              </a:ext>
+            </a:extLst>
+          </p:cNvPr>
+          <p:cNvPicPr>
+            <a:picLocks noChangeAspect="1"/>
+          </p:cNvPicPr>
+          <p:nvPr/>
+        </p:nvPicPr>
+        <p:blipFill>
+          <a:blip r:embed="rId4">
+            <a:extLst>
+              <a:ext uri="{28A0092B-C50C-407E-A947-70E740481C1C}">
+                <a14:useLocalDpi xmlns:a14="http://schemas.microsoft.com/office/drawing/2010/main" val="0"/>
+              </a:ext>
+            </a:extLst>
+          </a:blip>
+          <a:stretch>
+            <a:fillRect/>
+          </a:stretch>
+        </p:blipFill>
+        <p:spPr>
+          <a:xfrm>
+            <a:off x="0" y="2729895"/>
+            <a:ext cx="2899954" cy="1993120"/>
+          </a:xfrm>
+          <a:prstGeom prst="rect">
+            <a:avLst/>
+          </a:prstGeom>
+        </p:spPr>
+      </p:pic>
+      <p:pic>
+        <p:nvPicPr>
+          <p:cNvPr id="11" name="Picture 10">
+            <a:extLst>
+              <a:ext uri="{FF2B5EF4-FFF2-40B4-BE49-F238E27FC236}">
+                <a16:creationId xmlns:a16="http://schemas.microsoft.com/office/drawing/2014/main" id="{606D6B25-B6AE-4C77-B54A-FA4F055B39F8}"/>
+              </a:ext>
+            </a:extLst>
+          </p:cNvPr>
+          <p:cNvPicPr>
+            <a:picLocks noChangeAspect="1"/>
+          </p:cNvPicPr>
+          <p:nvPr/>
+        </p:nvPicPr>
+        <p:blipFill>
+          <a:blip r:embed="rId5">
+            <a:extLst>
+              <a:ext uri="{28A0092B-C50C-407E-A947-70E740481C1C}">
+                <a14:useLocalDpi xmlns:a14="http://schemas.microsoft.com/office/drawing/2010/main" val="0"/>
+              </a:ext>
+            </a:extLst>
+          </a:blip>
+          <a:stretch>
+            <a:fillRect/>
+          </a:stretch>
+        </p:blipFill>
+        <p:spPr>
+          <a:xfrm>
+            <a:off x="3865517" y="2726356"/>
+            <a:ext cx="2804161" cy="1927282"/>
+          </a:xfrm>
+          <a:prstGeom prst="rect">
+            <a:avLst/>
+          </a:prstGeom>
+        </p:spPr>
+      </p:pic>
+      <p:sp>
+        <p:nvSpPr>
+          <p:cNvPr id="12" name="Rectangle 11">
+            <a:extLst>
+              <a:ext uri="{FF2B5EF4-FFF2-40B4-BE49-F238E27FC236}">
+                <a16:creationId xmlns:a16="http://schemas.microsoft.com/office/drawing/2014/main" id="{0A4E90BF-2B27-4905-AAB6-A088DEDCB97A}"/>
+              </a:ext>
+            </a:extLst>
+          </p:cNvPr>
+          <p:cNvSpPr/>
+          <p:nvPr/>
+        </p:nvSpPr>
+        <p:spPr>
+          <a:xfrm>
+            <a:off x="4188823" y="1195297"/>
+            <a:ext cx="1478033" cy="369332"/>
+          </a:xfrm>
+          <a:prstGeom prst="rect">
+            <a:avLst/>
+          </a:prstGeom>
+        </p:spPr>
+        <p:txBody>
+          <a:bodyPr wrap="none">
+            <a:spAutoFit/>
+          </a:bodyPr>
+          <a:lstStyle/>
+          <a:p>
+            <a:r>
+              <a:rPr lang="en-US" dirty="0"/>
+              <a:t>Cargurus.com</a:t>
+            </a:r>
+          </a:p>
+        </p:txBody>
+      </p:sp>
+      <p:sp>
+        <p:nvSpPr>
+          <p:cNvPr id="13" name="Rectangle 12">
+            <a:extLst>
+              <a:ext uri="{FF2B5EF4-FFF2-40B4-BE49-F238E27FC236}">
+                <a16:creationId xmlns:a16="http://schemas.microsoft.com/office/drawing/2014/main" id="{FC7DF519-1065-4A00-B8EA-5BB481CAE030}"/>
+              </a:ext>
+            </a:extLst>
+          </p:cNvPr>
+          <p:cNvSpPr/>
+          <p:nvPr/>
+        </p:nvSpPr>
+        <p:spPr>
+          <a:xfrm>
+            <a:off x="472551" y="1548669"/>
+            <a:ext cx="1044388" cy="369332"/>
+          </a:xfrm>
+          <a:prstGeom prst="rect">
+            <a:avLst/>
+          </a:prstGeom>
+        </p:spPr>
+        <p:txBody>
+          <a:bodyPr wrap="none">
+            <a:spAutoFit/>
+          </a:bodyPr>
+          <a:lstStyle/>
+          <a:p>
+            <a:r>
+              <a:rPr lang="en-US" dirty="0"/>
+              <a:t>Cars.com</a:t>
+            </a:r>
+          </a:p>
+        </p:txBody>
+      </p:sp>
+      <p:pic>
+        <p:nvPicPr>
+          <p:cNvPr id="15" name="Picture 14">
+            <a:extLst>
+              <a:ext uri="{FF2B5EF4-FFF2-40B4-BE49-F238E27FC236}">
+                <a16:creationId xmlns:a16="http://schemas.microsoft.com/office/drawing/2014/main" id="{7D9EE6FC-94AA-4D3F-A8E3-630DFD6805C6}"/>
+              </a:ext>
+            </a:extLst>
+          </p:cNvPr>
+          <p:cNvPicPr>
+            <a:picLocks noChangeAspect="1"/>
+          </p:cNvPicPr>
+          <p:nvPr/>
+        </p:nvPicPr>
+        <p:blipFill>
+          <a:blip r:embed="rId6">
+            <a:extLst>
+              <a:ext uri="{28A0092B-C50C-407E-A947-70E740481C1C}">
+                <a14:useLocalDpi xmlns:a14="http://schemas.microsoft.com/office/drawing/2010/main" val="0"/>
+              </a:ext>
+            </a:extLst>
+          </a:blip>
+          <a:stretch>
+            <a:fillRect/>
+          </a:stretch>
+        </p:blipFill>
+        <p:spPr>
+          <a:xfrm>
+            <a:off x="0" y="4723015"/>
+            <a:ext cx="2899954" cy="1993120"/>
+          </a:xfrm>
+          <a:prstGeom prst="rect">
+            <a:avLst/>
+          </a:prstGeom>
+        </p:spPr>
+      </p:pic>
+      <p:pic>
+        <p:nvPicPr>
+          <p:cNvPr id="17" name="Picture 16">
+            <a:extLst>
+              <a:ext uri="{FF2B5EF4-FFF2-40B4-BE49-F238E27FC236}">
+                <a16:creationId xmlns:a16="http://schemas.microsoft.com/office/drawing/2014/main" id="{63FCEEE7-1648-4517-AF8E-59C7E55D66C9}"/>
+              </a:ext>
+            </a:extLst>
+          </p:cNvPr>
+          <p:cNvPicPr>
+            <a:picLocks noChangeAspect="1"/>
+          </p:cNvPicPr>
+          <p:nvPr/>
+        </p:nvPicPr>
+        <p:blipFill>
+          <a:blip r:embed="rId7">
+            <a:extLst>
+              <a:ext uri="{28A0092B-C50C-407E-A947-70E740481C1C}">
+                <a14:useLocalDpi xmlns:a14="http://schemas.microsoft.com/office/drawing/2010/main" val="0"/>
+              </a:ext>
+            </a:extLst>
+          </a:blip>
+          <a:stretch>
+            <a:fillRect/>
+          </a:stretch>
+        </p:blipFill>
+        <p:spPr>
+          <a:xfrm>
+            <a:off x="3865517" y="4658903"/>
+            <a:ext cx="3086516" cy="2121343"/>
+          </a:xfrm>
+          <a:prstGeom prst="rect">
+            <a:avLst/>
+          </a:prstGeom>
+        </p:spPr>
+      </p:pic>
+      <p:sp>
+        <p:nvSpPr>
+          <p:cNvPr id="18" name="TextBox 17">
+            <a:extLst>
+              <a:ext uri="{FF2B5EF4-FFF2-40B4-BE49-F238E27FC236}">
+                <a16:creationId xmlns:a16="http://schemas.microsoft.com/office/drawing/2014/main" id="{AFC164F8-5FF3-40EB-A680-B492C12148D1}"/>
               </a:ext>
             </a:extLst>
           </p:cNvPr>
@@ -7247,8 +7277,8 @@
         </p:nvSpPr>
         <p:spPr>
           <a:xfrm>
-            <a:off x="3962400" y="6174377"/>
-            <a:ext cx="6417141" cy="369332"/>
+            <a:off x="7498079" y="2177143"/>
+            <a:ext cx="3509555" cy="646331"/>
           </a:xfrm>
           <a:prstGeom prst="rect">
             <a:avLst/>
@@ -7256,22 +7286,20 @@
           <a:noFill/>
         </p:spPr>
         <p:txBody>
-          <a:bodyPr wrap="none" rtlCol="0">
+          <a:bodyPr wrap="square" rtlCol="0">
             <a:spAutoFit/>
           </a:bodyPr>
           <a:lstStyle/>
           <a:p>
             <a:r>
               <a:rPr lang="en-US" dirty="0"/>
-              <a:t>Conclusion: car with accident is less </a:t>
-            </a:r>
-            <a:r>
-              <a:rPr lang="en-US" dirty="0" err="1"/>
-              <a:t>likly</a:t>
-            </a:r>
-            <a:r>
-              <a:rPr lang="en-US" dirty="0"/>
-              <a:t> to be in HOT CAR category</a:t>
+              <a:t>Conclusion:</a:t>
+            </a:r>
+          </a:p>
+          <a:p>
+            <a:r>
+              <a:rPr lang="en-US" dirty="0"/>
+              <a:t>Insignificant</a:t>
             </a:r>
           </a:p>
         </p:txBody>
@@ -7279,7 +7307,7 @@
     </p:spTree>
     <p:extLst>
       <p:ext uri="{BB962C8B-B14F-4D97-AF65-F5344CB8AC3E}">
-        <p14:creationId xmlns:p14="http://schemas.microsoft.com/office/powerpoint/2010/main" val="3608167612"/>
+        <p14:creationId xmlns:p14="http://schemas.microsoft.com/office/powerpoint/2010/main" val="622155514"/>
       </p:ext>
     </p:extLst>
   </p:cSld>
@@ -7311,7 +7339,7 @@
           <p:cNvPr id="2" name="Title 1">
             <a:extLst>
               <a:ext uri="{FF2B5EF4-FFF2-40B4-BE49-F238E27FC236}">
-                <a16:creationId xmlns:a16="http://schemas.microsoft.com/office/drawing/2014/main" id="{5F0F9B6A-5180-444B-9EE7-1A503FE0D2E4}"/>
+                <a16:creationId xmlns:a16="http://schemas.microsoft.com/office/drawing/2014/main" id="{BF2A9D43-1FB7-491F-B749-F24D2F041914}"/>
               </a:ext>
             </a:extLst>
           </p:cNvPr>
@@ -7324,7 +7352,7 @@
         </p:nvSpPr>
         <p:spPr>
           <a:xfrm>
-            <a:off x="0" y="-137539"/>
+            <a:off x="524692" y="199662"/>
             <a:ext cx="10515600" cy="1325563"/>
           </a:xfrm>
         </p:spPr>
@@ -7334,7 +7362,7 @@
           <a:p>
             <a:r>
               <a:rPr lang="en-US" dirty="0"/>
-              <a:t>HOT CAR Analysis: Fleet</a:t>
+              <a:t>HOT CAR Analysis: Owner Count</a:t>
             </a:r>
           </a:p>
         </p:txBody>
@@ -7344,7 +7372,7 @@
           <p:cNvPr id="5" name="Picture 4">
             <a:extLst>
               <a:ext uri="{FF2B5EF4-FFF2-40B4-BE49-F238E27FC236}">
-                <a16:creationId xmlns:a16="http://schemas.microsoft.com/office/drawing/2014/main" id="{BBEF113B-EACE-4D4E-A5C7-C21596F2D0B4}"/>
+                <a16:creationId xmlns:a16="http://schemas.microsoft.com/office/drawing/2014/main" id="{ABCB3EBD-E897-42C7-A61B-8C5A8EE03C63}"/>
               </a:ext>
             </a:extLst>
           </p:cNvPr>
@@ -7367,8 +7395,8 @@
         </p:blipFill>
         <p:spPr>
           <a:xfrm>
-            <a:off x="0" y="1249679"/>
-            <a:ext cx="5657519" cy="3888377"/>
+            <a:off x="15855" y="1645919"/>
+            <a:ext cx="6080145" cy="4178845"/>
           </a:xfrm>
           <a:prstGeom prst="rect">
             <a:avLst/>
@@ -7380,7 +7408,7 @@
           <p:cNvPr id="7" name="Picture 6">
             <a:extLst>
               <a:ext uri="{FF2B5EF4-FFF2-40B4-BE49-F238E27FC236}">
-                <a16:creationId xmlns:a16="http://schemas.microsoft.com/office/drawing/2014/main" id="{2CBF8359-541A-4A99-8C6B-DB5E4B8657A7}"/>
+                <a16:creationId xmlns:a16="http://schemas.microsoft.com/office/drawing/2014/main" id="{08598A88-52FA-4D34-B233-50A8912F35B0}"/>
               </a:ext>
             </a:extLst>
           </p:cNvPr>
@@ -7403,56 +7431,20 @@
         </p:blipFill>
         <p:spPr>
           <a:xfrm>
-            <a:off x="6096000" y="3250042"/>
-            <a:ext cx="4812371" cy="3307512"/>
+            <a:off x="5934463" y="1645919"/>
+            <a:ext cx="6257537" cy="4300765"/>
           </a:xfrm>
           <a:prstGeom prst="rect">
             <a:avLst/>
           </a:prstGeom>
         </p:spPr>
       </p:pic>
-      <p:pic>
-        <p:nvPicPr>
-          <p:cNvPr id="11" name="Picture 10">
-            <a:extLst>
-              <a:ext uri="{FF2B5EF4-FFF2-40B4-BE49-F238E27FC236}">
-                <a16:creationId xmlns:a16="http://schemas.microsoft.com/office/drawing/2014/main" id="{AC35F576-1423-49DD-BCF8-FB05E91B3779}"/>
-              </a:ext>
-            </a:extLst>
-          </p:cNvPr>
-          <p:cNvPicPr>
-            <a:picLocks noChangeAspect="1"/>
-          </p:cNvPicPr>
-          <p:nvPr/>
-        </p:nvPicPr>
-        <p:blipFill>
-          <a:blip r:embed="rId4">
-            <a:extLst>
-              <a:ext uri="{28A0092B-C50C-407E-A947-70E740481C1C}">
-                <a14:useLocalDpi xmlns:a14="http://schemas.microsoft.com/office/drawing/2010/main" val="0"/>
-              </a:ext>
-            </a:extLst>
-          </a:blip>
-          <a:stretch>
-            <a:fillRect/>
-          </a:stretch>
-        </p:blipFill>
-        <p:spPr>
-          <a:xfrm>
-            <a:off x="6096000" y="0"/>
-            <a:ext cx="4728754" cy="3250042"/>
-          </a:xfrm>
-          <a:prstGeom prst="rect">
-            <a:avLst/>
-          </a:prstGeom>
-        </p:spPr>
-      </p:pic>
-      <p:sp>
-        <p:nvSpPr>
-          <p:cNvPr id="12" name="TextBox 11">
-            <a:extLst>
-              <a:ext uri="{FF2B5EF4-FFF2-40B4-BE49-F238E27FC236}">
-                <a16:creationId xmlns:a16="http://schemas.microsoft.com/office/drawing/2014/main" id="{0049CFAB-96E9-4F0D-85E3-86E15F427AE8}"/>
+      <p:sp>
+        <p:nvSpPr>
+          <p:cNvPr id="8" name="TextBox 7">
+            <a:extLst>
+              <a:ext uri="{FF2B5EF4-FFF2-40B4-BE49-F238E27FC236}">
+                <a16:creationId xmlns:a16="http://schemas.microsoft.com/office/drawing/2014/main" id="{EDCF2798-AB36-4F0B-967A-6AAC833748A7}"/>
               </a:ext>
             </a:extLst>
           </p:cNvPr>
@@ -7461,8 +7453,8 @@
         </p:nvSpPr>
         <p:spPr>
           <a:xfrm>
-            <a:off x="130628" y="5756366"/>
-            <a:ext cx="5896229" cy="369332"/>
+            <a:off x="5268686" y="6313714"/>
+            <a:ext cx="2453685" cy="369332"/>
           </a:xfrm>
           <a:prstGeom prst="rect">
             <a:avLst/>
@@ -7477,7 +7469,7 @@
           <a:p>
             <a:r>
               <a:rPr lang="en-US" dirty="0"/>
-              <a:t>Conclusion: fleet car is more likely to be in HOT CAR category </a:t>
+              <a:t>Conclusion: insignificant</a:t>
             </a:r>
           </a:p>
         </p:txBody>
@@ -7485,7 +7477,7 @@
     </p:spTree>
     <p:extLst>
       <p:ext uri="{BB962C8B-B14F-4D97-AF65-F5344CB8AC3E}">
-        <p14:creationId xmlns:p14="http://schemas.microsoft.com/office/powerpoint/2010/main" val="2664128980"/>
+        <p14:creationId xmlns:p14="http://schemas.microsoft.com/office/powerpoint/2010/main" val="2950357795"/>
       </p:ext>
     </p:extLst>
   </p:cSld>
@@ -7517,7 +7509,7 @@
           <p:cNvPr id="2" name="Title 1">
             <a:extLst>
               <a:ext uri="{FF2B5EF4-FFF2-40B4-BE49-F238E27FC236}">
-                <a16:creationId xmlns:a16="http://schemas.microsoft.com/office/drawing/2014/main" id="{362AED94-8589-4A18-B08F-B8A5EA59D07D}"/>
+                <a16:creationId xmlns:a16="http://schemas.microsoft.com/office/drawing/2014/main" id="{CA22B174-BDC7-491E-A8E6-CCC81B473269}"/>
               </a:ext>
             </a:extLst>
           </p:cNvPr>
@@ -7535,113 +7527,26 @@
           <a:p>
             <a:r>
               <a:rPr lang="en-US" dirty="0"/>
-              <a:t>K-NN try</a:t>
-            </a:r>
-          </a:p>
-        </p:txBody>
-      </p:sp>
-      <p:sp>
-        <p:nvSpPr>
-          <p:cNvPr id="3" name="Content Placeholder 2">
-            <a:extLst>
-              <a:ext uri="{FF2B5EF4-FFF2-40B4-BE49-F238E27FC236}">
-                <a16:creationId xmlns:a16="http://schemas.microsoft.com/office/drawing/2014/main" id="{5AFFFCA2-BDDF-4DDB-8D88-BA795ADB92B7}"/>
-              </a:ext>
-            </a:extLst>
-          </p:cNvPr>
-          <p:cNvSpPr>
-            <a:spLocks noGrp="1"/>
-          </p:cNvSpPr>
-          <p:nvPr>
-            <p:ph idx="1"/>
-          </p:nvPr>
-        </p:nvSpPr>
-        <p:spPr>
-          <a:xfrm>
-            <a:off x="0" y="1834334"/>
-            <a:ext cx="10515600" cy="4351338"/>
-          </a:xfrm>
-        </p:spPr>
-        <p:txBody>
-          <a:bodyPr/>
-          <a:lstStyle/>
-          <a:p>
-            <a:r>
-              <a:rPr lang="en-US" dirty="0"/>
-              <a:t>Input of </a:t>
-            </a:r>
-          </a:p>
-          <a:p>
-            <a:pPr lvl="1"/>
-            <a:r>
-              <a:rPr lang="en-US" dirty="0"/>
-              <a:t>Mileage</a:t>
-            </a:r>
-          </a:p>
-          <a:p>
-            <a:pPr lvl="1"/>
-            <a:r>
-              <a:rPr lang="en-US" dirty="0"/>
-              <a:t>Price</a:t>
-            </a:r>
-          </a:p>
-          <a:p>
-            <a:pPr lvl="1"/>
-            <a:r>
-              <a:rPr lang="en-US" dirty="0"/>
-              <a:t>Good deal margin</a:t>
-            </a:r>
-          </a:p>
-          <a:p>
-            <a:pPr lvl="1"/>
-            <a:r>
-              <a:rPr lang="en-US" dirty="0"/>
-              <a:t>Dealer rating</a:t>
-            </a:r>
-          </a:p>
-          <a:p>
-            <a:pPr lvl="1"/>
-            <a:r>
-              <a:rPr lang="en-US" dirty="0"/>
-              <a:t>Dealer review number</a:t>
-            </a:r>
-          </a:p>
-          <a:p>
-            <a:pPr lvl="1"/>
-            <a:r>
-              <a:rPr lang="en-US" dirty="0"/>
-              <a:t>Consumer rating</a:t>
-            </a:r>
-          </a:p>
-          <a:p>
-            <a:pPr lvl="1"/>
-            <a:r>
-              <a:rPr lang="en-US" dirty="0"/>
-              <a:t>Consumer review number</a:t>
-            </a:r>
-          </a:p>
-          <a:p>
-            <a:pPr lvl="1"/>
-            <a:r>
-              <a:rPr lang="en-US" dirty="0"/>
-              <a:t>Days on Market</a:t>
+              <a:t>HOT CAR Analysis: Accident</a:t>
             </a:r>
           </a:p>
         </p:txBody>
       </p:sp>
       <p:pic>
         <p:nvPicPr>
-          <p:cNvPr id="5" name="Picture 4">
-            <a:extLst>
-              <a:ext uri="{FF2B5EF4-FFF2-40B4-BE49-F238E27FC236}">
-                <a16:creationId xmlns:a16="http://schemas.microsoft.com/office/drawing/2014/main" id="{FADE0BAD-B53E-48CD-B686-D00357E27202}"/>
+          <p:cNvPr id="5" name="Content Placeholder 4">
+            <a:extLst>
+              <a:ext uri="{FF2B5EF4-FFF2-40B4-BE49-F238E27FC236}">
+                <a16:creationId xmlns:a16="http://schemas.microsoft.com/office/drawing/2014/main" id="{6F52D0E3-5D63-44E8-A8F7-FB4F4E2D948F}"/>
               </a:ext>
             </a:extLst>
           </p:cNvPr>
           <p:cNvPicPr>
-            <a:picLocks noChangeAspect="1"/>
+            <a:picLocks noGrp="1" noChangeAspect="1"/>
           </p:cNvPicPr>
-          <p:nvPr/>
+          <p:nvPr>
+            <p:ph idx="1"/>
+          </p:nvPr>
         </p:nvPicPr>
         <p:blipFill>
           <a:blip r:embed="rId2">
@@ -7657,12 +7562,9 @@
         </p:blipFill>
         <p:spPr>
           <a:xfrm>
-            <a:off x="9872920" y="2225429"/>
-            <a:ext cx="1810348" cy="3799088"/>
-          </a:xfrm>
-          <a:prstGeom prst="rect">
-            <a:avLst/>
-          </a:prstGeom>
+            <a:off x="6426926" y="1417923"/>
+            <a:ext cx="5852160" cy="4022153"/>
+          </a:xfrm>
         </p:spPr>
       </p:pic>
       <p:pic>
@@ -7670,7 +7572,7 @@
           <p:cNvPr id="7" name="Picture 6">
             <a:extLst>
               <a:ext uri="{FF2B5EF4-FFF2-40B4-BE49-F238E27FC236}">
-                <a16:creationId xmlns:a16="http://schemas.microsoft.com/office/drawing/2014/main" id="{D754536B-F1B4-42FE-86F4-2DA2EBB964FF}"/>
+                <a16:creationId xmlns:a16="http://schemas.microsoft.com/office/drawing/2014/main" id="{70B93C63-75D1-4CE2-96F2-7E42A66ED5F3}"/>
               </a:ext>
             </a:extLst>
           </p:cNvPr>
@@ -7693,8 +7595,8 @@
         </p:blipFill>
         <p:spPr>
           <a:xfrm>
-            <a:off x="6030982" y="2805276"/>
-            <a:ext cx="3543795" cy="2257740"/>
+            <a:off x="0" y="1417923"/>
+            <a:ext cx="5965371" cy="4099962"/>
           </a:xfrm>
           <a:prstGeom prst="rect">
             <a:avLst/>
@@ -7703,10 +7605,10 @@
       </p:pic>
       <p:sp>
         <p:nvSpPr>
-          <p:cNvPr id="8" name="TextBox 7">
-            <a:extLst>
-              <a:ext uri="{FF2B5EF4-FFF2-40B4-BE49-F238E27FC236}">
-                <a16:creationId xmlns:a16="http://schemas.microsoft.com/office/drawing/2014/main" id="{19611A7B-7422-412C-AB67-21AAD13FB356}"/>
+          <p:cNvPr id="9" name="TextBox 8">
+            <a:extLst>
+              <a:ext uri="{FF2B5EF4-FFF2-40B4-BE49-F238E27FC236}">
+                <a16:creationId xmlns:a16="http://schemas.microsoft.com/office/drawing/2014/main" id="{3FF57BD4-6215-4019-8841-845C985F67F9}"/>
               </a:ext>
             </a:extLst>
           </p:cNvPr>
@@ -7715,8 +7617,8 @@
         </p:nvSpPr>
         <p:spPr>
           <a:xfrm>
-            <a:off x="4553489" y="2734492"/>
-            <a:ext cx="952505" cy="2031325"/>
+            <a:off x="3962400" y="6174377"/>
+            <a:ext cx="6417141" cy="369332"/>
           </a:xfrm>
           <a:prstGeom prst="rect">
             <a:avLst/>
@@ -7731,75 +7633,15 @@
           <a:p>
             <a:r>
               <a:rPr lang="en-US" dirty="0"/>
-              <a:t>KNN=1</a:t>
-            </a:r>
-          </a:p>
-          <a:p>
-            <a:r>
-              <a:rPr lang="en-US" dirty="0"/>
-              <a:t>KNN=5</a:t>
-            </a:r>
-          </a:p>
-          <a:p>
-            <a:r>
-              <a:rPr lang="en-US" dirty="0"/>
-              <a:t>KNN=10</a:t>
-            </a:r>
-          </a:p>
-          <a:p>
-            <a:r>
-              <a:rPr lang="en-US" dirty="0"/>
-              <a:t>KNN=20</a:t>
-            </a:r>
-          </a:p>
-          <a:p>
-            <a:r>
-              <a:rPr lang="en-US" dirty="0"/>
-              <a:t>KNN=24</a:t>
-            </a:r>
-          </a:p>
-          <a:p>
-            <a:r>
-              <a:rPr lang="en-US" dirty="0"/>
-              <a:t>KNN=27</a:t>
-            </a:r>
-          </a:p>
-          <a:p>
-            <a:endParaRPr lang="en-US" dirty="0"/>
-          </a:p>
-        </p:txBody>
-      </p:sp>
-      <p:sp>
-        <p:nvSpPr>
-          <p:cNvPr id="9" name="TextBox 8">
-            <a:extLst>
-              <a:ext uri="{FF2B5EF4-FFF2-40B4-BE49-F238E27FC236}">
-                <a16:creationId xmlns:a16="http://schemas.microsoft.com/office/drawing/2014/main" id="{565EE9F5-2745-4DE0-A916-E48C3F7104D5}"/>
-              </a:ext>
-            </a:extLst>
-          </p:cNvPr>
-          <p:cNvSpPr txBox="1"/>
-          <p:nvPr/>
-        </p:nvSpPr>
-        <p:spPr>
-          <a:xfrm>
-            <a:off x="7131749" y="2124029"/>
-            <a:ext cx="825034" cy="369332"/>
-          </a:xfrm>
-          <a:prstGeom prst="rect">
-            <a:avLst/>
-          </a:prstGeom>
-          <a:noFill/>
-        </p:spPr>
-        <p:txBody>
-          <a:bodyPr wrap="none" rtlCol="0">
-            <a:spAutoFit/>
-          </a:bodyPr>
-          <a:lstStyle/>
-          <a:p>
-            <a:r>
-              <a:rPr lang="en-US" dirty="0"/>
-              <a:t>Result:</a:t>
+              <a:t>Conclusion: car with accident is less </a:t>
+            </a:r>
+            <a:r>
+              <a:rPr lang="en-US" dirty="0" err="1"/>
+              <a:t>likly</a:t>
+            </a:r>
+            <a:r>
+              <a:rPr lang="en-US" dirty="0"/>
+              <a:t> to be in HOT CAR category</a:t>
             </a:r>
           </a:p>
         </p:txBody>
@@ -7807,7 +7649,7 @@
     </p:spTree>
     <p:extLst>
       <p:ext uri="{BB962C8B-B14F-4D97-AF65-F5344CB8AC3E}">
-        <p14:creationId xmlns:p14="http://schemas.microsoft.com/office/powerpoint/2010/main" val="2573738808"/>
+        <p14:creationId xmlns:p14="http://schemas.microsoft.com/office/powerpoint/2010/main" val="3608167612"/>
       </p:ext>
     </p:extLst>
   </p:cSld>
@@ -7839,7 +7681,7 @@
           <p:cNvPr id="2" name="Title 1">
             <a:extLst>
               <a:ext uri="{FF2B5EF4-FFF2-40B4-BE49-F238E27FC236}">
-                <a16:creationId xmlns:a16="http://schemas.microsoft.com/office/drawing/2014/main" id="{AC29338A-D6DB-42B9-B52E-179CEB5B746C}"/>
+                <a16:creationId xmlns:a16="http://schemas.microsoft.com/office/drawing/2014/main" id="{5F0F9B6A-5180-444B-9EE7-1A503FE0D2E4}"/>
               </a:ext>
             </a:extLst>
           </p:cNvPr>
@@ -7850,100 +7692,170 @@
             <p:ph type="title"/>
           </p:nvPr>
         </p:nvSpPr>
-        <p:spPr/>
+        <p:spPr>
+          <a:xfrm>
+            <a:off x="0" y="-137539"/>
+            <a:ext cx="10515600" cy="1325563"/>
+          </a:xfrm>
+        </p:spPr>
         <p:txBody>
           <a:bodyPr/>
           <a:lstStyle/>
           <a:p>
             <a:r>
               <a:rPr lang="en-US" dirty="0"/>
-              <a:t>Conclusion</a:t>
-            </a:r>
-          </a:p>
-        </p:txBody>
-      </p:sp>
-      <p:sp>
-        <p:nvSpPr>
-          <p:cNvPr id="3" name="Content Placeholder 2">
-            <a:extLst>
-              <a:ext uri="{FF2B5EF4-FFF2-40B4-BE49-F238E27FC236}">
-                <a16:creationId xmlns:a16="http://schemas.microsoft.com/office/drawing/2014/main" id="{52619FDB-AC4D-49EC-A529-46FCF7526F34}"/>
-              </a:ext>
-            </a:extLst>
-          </p:cNvPr>
-          <p:cNvSpPr>
-            <a:spLocks noGrp="1"/>
-          </p:cNvSpPr>
-          <p:nvPr>
-            <p:ph idx="1"/>
-          </p:nvPr>
-        </p:nvSpPr>
-        <p:spPr/>
-        <p:txBody>
-          <a:bodyPr/>
-          <a:lstStyle/>
-          <a:p>
-            <a:r>
-              <a:rPr lang="en-US" dirty="0"/>
-              <a:t>Some significant factors:</a:t>
-            </a:r>
-          </a:p>
-          <a:p>
-            <a:pPr lvl="1"/>
-            <a:r>
-              <a:rPr lang="en-US" dirty="0"/>
-              <a:t>Year</a:t>
-            </a:r>
-          </a:p>
-          <a:p>
-            <a:pPr lvl="1"/>
-            <a:r>
-              <a:rPr lang="en-US" dirty="0"/>
-              <a:t>Color</a:t>
-            </a:r>
-          </a:p>
-          <a:p>
-            <a:pPr lvl="1"/>
-            <a:r>
-              <a:rPr lang="en-US" dirty="0"/>
-              <a:t>trim</a:t>
-            </a:r>
-          </a:p>
-          <a:p>
-            <a:pPr lvl="1"/>
-            <a:r>
-              <a:rPr lang="en-US" dirty="0"/>
-              <a:t>Days on market</a:t>
-            </a:r>
-          </a:p>
-          <a:p>
-            <a:pPr lvl="1"/>
-            <a:r>
-              <a:rPr lang="en-US" dirty="0"/>
-              <a:t>Accident condition</a:t>
-            </a:r>
-          </a:p>
-          <a:p>
-            <a:pPr lvl="1"/>
-            <a:r>
-              <a:rPr lang="en-US" dirty="0"/>
-              <a:t>Fleet condition</a:t>
-            </a:r>
-          </a:p>
-          <a:p>
-            <a:pPr lvl="1"/>
-            <a:endParaRPr lang="en-US" dirty="0"/>
-          </a:p>
-          <a:p>
-            <a:pPr lvl="1"/>
-            <a:endParaRPr lang="en-US" dirty="0"/>
+              <a:t>HOT CAR Analysis: Fleet</a:t>
+            </a:r>
+          </a:p>
+        </p:txBody>
+      </p:sp>
+      <p:pic>
+        <p:nvPicPr>
+          <p:cNvPr id="5" name="Picture 4">
+            <a:extLst>
+              <a:ext uri="{FF2B5EF4-FFF2-40B4-BE49-F238E27FC236}">
+                <a16:creationId xmlns:a16="http://schemas.microsoft.com/office/drawing/2014/main" id="{BBEF113B-EACE-4D4E-A5C7-C21596F2D0B4}"/>
+              </a:ext>
+            </a:extLst>
+          </p:cNvPr>
+          <p:cNvPicPr>
+            <a:picLocks noChangeAspect="1"/>
+          </p:cNvPicPr>
+          <p:nvPr/>
+        </p:nvPicPr>
+        <p:blipFill>
+          <a:blip r:embed="rId2">
+            <a:extLst>
+              <a:ext uri="{28A0092B-C50C-407E-A947-70E740481C1C}">
+                <a14:useLocalDpi xmlns:a14="http://schemas.microsoft.com/office/drawing/2010/main" val="0"/>
+              </a:ext>
+            </a:extLst>
+          </a:blip>
+          <a:stretch>
+            <a:fillRect/>
+          </a:stretch>
+        </p:blipFill>
+        <p:spPr>
+          <a:xfrm>
+            <a:off x="0" y="1249679"/>
+            <a:ext cx="5657519" cy="3888377"/>
+          </a:xfrm>
+          <a:prstGeom prst="rect">
+            <a:avLst/>
+          </a:prstGeom>
+        </p:spPr>
+      </p:pic>
+      <p:pic>
+        <p:nvPicPr>
+          <p:cNvPr id="7" name="Picture 6">
+            <a:extLst>
+              <a:ext uri="{FF2B5EF4-FFF2-40B4-BE49-F238E27FC236}">
+                <a16:creationId xmlns:a16="http://schemas.microsoft.com/office/drawing/2014/main" id="{2CBF8359-541A-4A99-8C6B-DB5E4B8657A7}"/>
+              </a:ext>
+            </a:extLst>
+          </p:cNvPr>
+          <p:cNvPicPr>
+            <a:picLocks noChangeAspect="1"/>
+          </p:cNvPicPr>
+          <p:nvPr/>
+        </p:nvPicPr>
+        <p:blipFill>
+          <a:blip r:embed="rId3">
+            <a:extLst>
+              <a:ext uri="{28A0092B-C50C-407E-A947-70E740481C1C}">
+                <a14:useLocalDpi xmlns:a14="http://schemas.microsoft.com/office/drawing/2010/main" val="0"/>
+              </a:ext>
+            </a:extLst>
+          </a:blip>
+          <a:stretch>
+            <a:fillRect/>
+          </a:stretch>
+        </p:blipFill>
+        <p:spPr>
+          <a:xfrm>
+            <a:off x="6096000" y="3250042"/>
+            <a:ext cx="4812371" cy="3307512"/>
+          </a:xfrm>
+          <a:prstGeom prst="rect">
+            <a:avLst/>
+          </a:prstGeom>
+        </p:spPr>
+      </p:pic>
+      <p:pic>
+        <p:nvPicPr>
+          <p:cNvPr id="11" name="Picture 10">
+            <a:extLst>
+              <a:ext uri="{FF2B5EF4-FFF2-40B4-BE49-F238E27FC236}">
+                <a16:creationId xmlns:a16="http://schemas.microsoft.com/office/drawing/2014/main" id="{AC35F576-1423-49DD-BCF8-FB05E91B3779}"/>
+              </a:ext>
+            </a:extLst>
+          </p:cNvPr>
+          <p:cNvPicPr>
+            <a:picLocks noChangeAspect="1"/>
+          </p:cNvPicPr>
+          <p:nvPr/>
+        </p:nvPicPr>
+        <p:blipFill>
+          <a:blip r:embed="rId4">
+            <a:extLst>
+              <a:ext uri="{28A0092B-C50C-407E-A947-70E740481C1C}">
+                <a14:useLocalDpi xmlns:a14="http://schemas.microsoft.com/office/drawing/2010/main" val="0"/>
+              </a:ext>
+            </a:extLst>
+          </a:blip>
+          <a:stretch>
+            <a:fillRect/>
+          </a:stretch>
+        </p:blipFill>
+        <p:spPr>
+          <a:xfrm>
+            <a:off x="6096000" y="0"/>
+            <a:ext cx="4728754" cy="3250042"/>
+          </a:xfrm>
+          <a:prstGeom prst="rect">
+            <a:avLst/>
+          </a:prstGeom>
+        </p:spPr>
+      </p:pic>
+      <p:sp>
+        <p:nvSpPr>
+          <p:cNvPr id="12" name="TextBox 11">
+            <a:extLst>
+              <a:ext uri="{FF2B5EF4-FFF2-40B4-BE49-F238E27FC236}">
+                <a16:creationId xmlns:a16="http://schemas.microsoft.com/office/drawing/2014/main" id="{0049CFAB-96E9-4F0D-85E3-86E15F427AE8}"/>
+              </a:ext>
+            </a:extLst>
+          </p:cNvPr>
+          <p:cNvSpPr txBox="1"/>
+          <p:nvPr/>
+        </p:nvSpPr>
+        <p:spPr>
+          <a:xfrm>
+            <a:off x="130628" y="5756366"/>
+            <a:ext cx="5896229" cy="369332"/>
+          </a:xfrm>
+          <a:prstGeom prst="rect">
+            <a:avLst/>
+          </a:prstGeom>
+          <a:noFill/>
+        </p:spPr>
+        <p:txBody>
+          <a:bodyPr wrap="none" rtlCol="0">
+            <a:spAutoFit/>
+          </a:bodyPr>
+          <a:lstStyle/>
+          <a:p>
+            <a:r>
+              <a:rPr lang="en-US" dirty="0"/>
+              <a:t>Conclusion: fleet car is more likely to be in HOT CAR category </a:t>
+            </a:r>
           </a:p>
         </p:txBody>
       </p:sp>
     </p:spTree>
     <p:extLst>
       <p:ext uri="{BB962C8B-B14F-4D97-AF65-F5344CB8AC3E}">
-        <p14:creationId xmlns:p14="http://schemas.microsoft.com/office/powerpoint/2010/main" val="2541384907"/>
+        <p14:creationId xmlns:p14="http://schemas.microsoft.com/office/powerpoint/2010/main" val="2664128980"/>
       </p:ext>
     </p:extLst>
   </p:cSld>
@@ -7975,7 +7887,7 @@
           <p:cNvPr id="2" name="Title 1">
             <a:extLst>
               <a:ext uri="{FF2B5EF4-FFF2-40B4-BE49-F238E27FC236}">
-                <a16:creationId xmlns:a16="http://schemas.microsoft.com/office/drawing/2014/main" id="{FA211CA3-A8C6-4DB5-9DA4-5A17CE1457DF}"/>
+                <a16:creationId xmlns:a16="http://schemas.microsoft.com/office/drawing/2014/main" id="{362AED94-8589-4A18-B08F-B8A5EA59D07D}"/>
               </a:ext>
             </a:extLst>
           </p:cNvPr>
@@ -7986,19 +7898,14 @@
             <p:ph type="title"/>
           </p:nvPr>
         </p:nvSpPr>
-        <p:spPr>
-          <a:xfrm>
-            <a:off x="3442063" y="2429057"/>
-            <a:ext cx="10515600" cy="1325563"/>
-          </a:xfrm>
-        </p:spPr>
+        <p:spPr/>
         <p:txBody>
           <a:bodyPr/>
           <a:lstStyle/>
           <a:p>
             <a:r>
               <a:rPr lang="en-US" dirty="0"/>
-              <a:t>THANK YOU</a:t>
+              <a:t>K-NN try</a:t>
             </a:r>
           </a:p>
         </p:txBody>
@@ -8008,7 +7915,7 @@
           <p:cNvPr id="3" name="Content Placeholder 2">
             <a:extLst>
               <a:ext uri="{FF2B5EF4-FFF2-40B4-BE49-F238E27FC236}">
-                <a16:creationId xmlns:a16="http://schemas.microsoft.com/office/drawing/2014/main" id="{E9223D9B-4534-41C4-B79B-1471C2F2E92E}"/>
+                <a16:creationId xmlns:a16="http://schemas.microsoft.com/office/drawing/2014/main" id="{5AFFFCA2-BDDF-4DDB-8D88-BA795ADB92B7}"/>
               </a:ext>
             </a:extLst>
           </p:cNvPr>
@@ -8019,19 +7926,394 @@
             <p:ph idx="1"/>
           </p:nvPr>
         </p:nvSpPr>
-        <p:spPr/>
+        <p:spPr>
+          <a:xfrm>
+            <a:off x="0" y="1834334"/>
+            <a:ext cx="10515600" cy="4351338"/>
+          </a:xfrm>
+        </p:spPr>
         <p:txBody>
           <a:bodyPr/>
           <a:lstStyle/>
           <a:p>
-            <a:endParaRPr lang="en-US"/>
+            <a:r>
+              <a:rPr lang="en-US" dirty="0"/>
+              <a:t>Input of </a:t>
+            </a:r>
+          </a:p>
+          <a:p>
+            <a:pPr lvl="1"/>
+            <a:r>
+              <a:rPr lang="en-US" dirty="0"/>
+              <a:t>Mileage</a:t>
+            </a:r>
+          </a:p>
+          <a:p>
+            <a:pPr lvl="1"/>
+            <a:r>
+              <a:rPr lang="en-US" dirty="0"/>
+              <a:t>Price</a:t>
+            </a:r>
+          </a:p>
+          <a:p>
+            <a:pPr lvl="1"/>
+            <a:r>
+              <a:rPr lang="en-US" dirty="0"/>
+              <a:t>Good deal margin</a:t>
+            </a:r>
+          </a:p>
+          <a:p>
+            <a:pPr lvl="1"/>
+            <a:r>
+              <a:rPr lang="en-US" dirty="0"/>
+              <a:t>Dealer rating</a:t>
+            </a:r>
+          </a:p>
+          <a:p>
+            <a:pPr lvl="1"/>
+            <a:r>
+              <a:rPr lang="en-US" dirty="0"/>
+              <a:t>Dealer review number</a:t>
+            </a:r>
+          </a:p>
+          <a:p>
+            <a:pPr lvl="1"/>
+            <a:r>
+              <a:rPr lang="en-US" dirty="0"/>
+              <a:t>Consumer rating</a:t>
+            </a:r>
+          </a:p>
+          <a:p>
+            <a:pPr lvl="1"/>
+            <a:r>
+              <a:rPr lang="en-US" dirty="0"/>
+              <a:t>Consumer review number</a:t>
+            </a:r>
+          </a:p>
+          <a:p>
+            <a:pPr lvl="1"/>
+            <a:r>
+              <a:rPr lang="en-US" dirty="0"/>
+              <a:t>Days on Market</a:t>
+            </a:r>
+          </a:p>
+        </p:txBody>
+      </p:sp>
+      <p:pic>
+        <p:nvPicPr>
+          <p:cNvPr id="5" name="Picture 4">
+            <a:extLst>
+              <a:ext uri="{FF2B5EF4-FFF2-40B4-BE49-F238E27FC236}">
+                <a16:creationId xmlns:a16="http://schemas.microsoft.com/office/drawing/2014/main" id="{FADE0BAD-B53E-48CD-B686-D00357E27202}"/>
+              </a:ext>
+            </a:extLst>
+          </p:cNvPr>
+          <p:cNvPicPr>
+            <a:picLocks noChangeAspect="1"/>
+          </p:cNvPicPr>
+          <p:nvPr/>
+        </p:nvPicPr>
+        <p:blipFill>
+          <a:blip r:embed="rId2">
+            <a:extLst>
+              <a:ext uri="{28A0092B-C50C-407E-A947-70E740481C1C}">
+                <a14:useLocalDpi xmlns:a14="http://schemas.microsoft.com/office/drawing/2010/main" val="0"/>
+              </a:ext>
+            </a:extLst>
+          </a:blip>
+          <a:stretch>
+            <a:fillRect/>
+          </a:stretch>
+        </p:blipFill>
+        <p:spPr>
+          <a:xfrm>
+            <a:off x="9872920" y="2225429"/>
+            <a:ext cx="1810348" cy="3799088"/>
+          </a:xfrm>
+          <a:prstGeom prst="rect">
+            <a:avLst/>
+          </a:prstGeom>
+        </p:spPr>
+      </p:pic>
+      <p:pic>
+        <p:nvPicPr>
+          <p:cNvPr id="7" name="Picture 6">
+            <a:extLst>
+              <a:ext uri="{FF2B5EF4-FFF2-40B4-BE49-F238E27FC236}">
+                <a16:creationId xmlns:a16="http://schemas.microsoft.com/office/drawing/2014/main" id="{D754536B-F1B4-42FE-86F4-2DA2EBB964FF}"/>
+              </a:ext>
+            </a:extLst>
+          </p:cNvPr>
+          <p:cNvPicPr>
+            <a:picLocks noChangeAspect="1"/>
+          </p:cNvPicPr>
+          <p:nvPr/>
+        </p:nvPicPr>
+        <p:blipFill>
+          <a:blip r:embed="rId3">
+            <a:extLst>
+              <a:ext uri="{28A0092B-C50C-407E-A947-70E740481C1C}">
+                <a14:useLocalDpi xmlns:a14="http://schemas.microsoft.com/office/drawing/2010/main" val="0"/>
+              </a:ext>
+            </a:extLst>
+          </a:blip>
+          <a:stretch>
+            <a:fillRect/>
+          </a:stretch>
+        </p:blipFill>
+        <p:spPr>
+          <a:xfrm>
+            <a:off x="6030982" y="2805276"/>
+            <a:ext cx="3543795" cy="2257740"/>
+          </a:xfrm>
+          <a:prstGeom prst="rect">
+            <a:avLst/>
+          </a:prstGeom>
+        </p:spPr>
+      </p:pic>
+      <p:sp>
+        <p:nvSpPr>
+          <p:cNvPr id="8" name="TextBox 7">
+            <a:extLst>
+              <a:ext uri="{FF2B5EF4-FFF2-40B4-BE49-F238E27FC236}">
+                <a16:creationId xmlns:a16="http://schemas.microsoft.com/office/drawing/2014/main" id="{19611A7B-7422-412C-AB67-21AAD13FB356}"/>
+              </a:ext>
+            </a:extLst>
+          </p:cNvPr>
+          <p:cNvSpPr txBox="1"/>
+          <p:nvPr/>
+        </p:nvSpPr>
+        <p:spPr>
+          <a:xfrm>
+            <a:off x="4553489" y="2734492"/>
+            <a:ext cx="952505" cy="2031325"/>
+          </a:xfrm>
+          <a:prstGeom prst="rect">
+            <a:avLst/>
+          </a:prstGeom>
+          <a:noFill/>
+        </p:spPr>
+        <p:txBody>
+          <a:bodyPr wrap="none" rtlCol="0">
+            <a:spAutoFit/>
+          </a:bodyPr>
+          <a:lstStyle/>
+          <a:p>
+            <a:r>
+              <a:rPr lang="en-US" dirty="0"/>
+              <a:t>KNN=1</a:t>
+            </a:r>
+          </a:p>
+          <a:p>
+            <a:r>
+              <a:rPr lang="en-US" dirty="0"/>
+              <a:t>KNN=5</a:t>
+            </a:r>
+          </a:p>
+          <a:p>
+            <a:r>
+              <a:rPr lang="en-US" dirty="0"/>
+              <a:t>KNN=10</a:t>
+            </a:r>
+          </a:p>
+          <a:p>
+            <a:r>
+              <a:rPr lang="en-US" dirty="0"/>
+              <a:t>KNN=20</a:t>
+            </a:r>
+          </a:p>
+          <a:p>
+            <a:r>
+              <a:rPr lang="en-US" dirty="0"/>
+              <a:t>KNN=24</a:t>
+            </a:r>
+          </a:p>
+          <a:p>
+            <a:r>
+              <a:rPr lang="en-US" dirty="0"/>
+              <a:t>KNN=27</a:t>
+            </a:r>
+          </a:p>
+          <a:p>
+            <a:endParaRPr lang="en-US" dirty="0"/>
+          </a:p>
+        </p:txBody>
+      </p:sp>
+      <p:sp>
+        <p:nvSpPr>
+          <p:cNvPr id="9" name="TextBox 8">
+            <a:extLst>
+              <a:ext uri="{FF2B5EF4-FFF2-40B4-BE49-F238E27FC236}">
+                <a16:creationId xmlns:a16="http://schemas.microsoft.com/office/drawing/2014/main" id="{565EE9F5-2745-4DE0-A916-E48C3F7104D5}"/>
+              </a:ext>
+            </a:extLst>
+          </p:cNvPr>
+          <p:cNvSpPr txBox="1"/>
+          <p:nvPr/>
+        </p:nvSpPr>
+        <p:spPr>
+          <a:xfrm>
+            <a:off x="7131749" y="2124029"/>
+            <a:ext cx="825034" cy="369332"/>
+          </a:xfrm>
+          <a:prstGeom prst="rect">
+            <a:avLst/>
+          </a:prstGeom>
+          <a:noFill/>
+        </p:spPr>
+        <p:txBody>
+          <a:bodyPr wrap="none" rtlCol="0">
+            <a:spAutoFit/>
+          </a:bodyPr>
+          <a:lstStyle/>
+          <a:p>
+            <a:r>
+              <a:rPr lang="en-US" dirty="0"/>
+              <a:t>Result:</a:t>
+            </a:r>
           </a:p>
         </p:txBody>
       </p:sp>
     </p:spTree>
     <p:extLst>
       <p:ext uri="{BB962C8B-B14F-4D97-AF65-F5344CB8AC3E}">
-        <p14:creationId xmlns:p14="http://schemas.microsoft.com/office/powerpoint/2010/main" val="633495097"/>
+        <p14:creationId xmlns:p14="http://schemas.microsoft.com/office/powerpoint/2010/main" val="2573738808"/>
+      </p:ext>
+    </p:extLst>
+  </p:cSld>
+  <p:clrMapOvr>
+    <a:masterClrMapping/>
+  </p:clrMapOvr>
+</p:sld>
+</file>
+
+<file path=ppt/slides/slide29.xml><?xml version="1.0" encoding="utf-8"?>
+<p:sld xmlns:a="http://schemas.openxmlformats.org/drawingml/2006/main" xmlns:r="http://schemas.openxmlformats.org/officeDocument/2006/relationships" xmlns:p="http://schemas.openxmlformats.org/presentationml/2006/main">
+  <p:cSld>
+    <p:spTree>
+      <p:nvGrpSpPr>
+        <p:cNvPr id="1" name=""/>
+        <p:cNvGrpSpPr/>
+        <p:nvPr/>
+      </p:nvGrpSpPr>
+      <p:grpSpPr>
+        <a:xfrm>
+          <a:off x="0" y="0"/>
+          <a:ext cx="0" cy="0"/>
+          <a:chOff x="0" y="0"/>
+          <a:chExt cx="0" cy="0"/>
+        </a:xfrm>
+      </p:grpSpPr>
+      <p:sp>
+        <p:nvSpPr>
+          <p:cNvPr id="2" name="Title 1">
+            <a:extLst>
+              <a:ext uri="{FF2B5EF4-FFF2-40B4-BE49-F238E27FC236}">
+                <a16:creationId xmlns:a16="http://schemas.microsoft.com/office/drawing/2014/main" id="{AC29338A-D6DB-42B9-B52E-179CEB5B746C}"/>
+              </a:ext>
+            </a:extLst>
+          </p:cNvPr>
+          <p:cNvSpPr>
+            <a:spLocks noGrp="1"/>
+          </p:cNvSpPr>
+          <p:nvPr>
+            <p:ph type="title"/>
+          </p:nvPr>
+        </p:nvSpPr>
+        <p:spPr/>
+        <p:txBody>
+          <a:bodyPr/>
+          <a:lstStyle/>
+          <a:p>
+            <a:r>
+              <a:rPr lang="en-US" dirty="0"/>
+              <a:t>Conclusion</a:t>
+            </a:r>
+          </a:p>
+        </p:txBody>
+      </p:sp>
+      <p:sp>
+        <p:nvSpPr>
+          <p:cNvPr id="3" name="Content Placeholder 2">
+            <a:extLst>
+              <a:ext uri="{FF2B5EF4-FFF2-40B4-BE49-F238E27FC236}">
+                <a16:creationId xmlns:a16="http://schemas.microsoft.com/office/drawing/2014/main" id="{52619FDB-AC4D-49EC-A529-46FCF7526F34}"/>
+              </a:ext>
+            </a:extLst>
+          </p:cNvPr>
+          <p:cNvSpPr>
+            <a:spLocks noGrp="1"/>
+          </p:cNvSpPr>
+          <p:nvPr>
+            <p:ph idx="1"/>
+          </p:nvPr>
+        </p:nvSpPr>
+        <p:spPr/>
+        <p:txBody>
+          <a:bodyPr/>
+          <a:lstStyle/>
+          <a:p>
+            <a:r>
+              <a:rPr lang="en-US" dirty="0"/>
+              <a:t>Some significant factors:</a:t>
+            </a:r>
+          </a:p>
+          <a:p>
+            <a:pPr lvl="1"/>
+            <a:r>
+              <a:rPr lang="en-US" dirty="0"/>
+              <a:t>Year</a:t>
+            </a:r>
+          </a:p>
+          <a:p>
+            <a:pPr lvl="1"/>
+            <a:r>
+              <a:rPr lang="en-US" dirty="0"/>
+              <a:t>Color</a:t>
+            </a:r>
+          </a:p>
+          <a:p>
+            <a:pPr lvl="1"/>
+            <a:r>
+              <a:rPr lang="en-US" dirty="0"/>
+              <a:t>trim</a:t>
+            </a:r>
+          </a:p>
+          <a:p>
+            <a:pPr lvl="1"/>
+            <a:r>
+              <a:rPr lang="en-US" dirty="0"/>
+              <a:t>Days on market</a:t>
+            </a:r>
+          </a:p>
+          <a:p>
+            <a:pPr lvl="1"/>
+            <a:r>
+              <a:rPr lang="en-US" dirty="0"/>
+              <a:t>Accident condition</a:t>
+            </a:r>
+          </a:p>
+          <a:p>
+            <a:pPr lvl="1"/>
+            <a:r>
+              <a:rPr lang="en-US" dirty="0"/>
+              <a:t>Fleet condition</a:t>
+            </a:r>
+          </a:p>
+          <a:p>
+            <a:pPr lvl="1"/>
+            <a:endParaRPr lang="en-US" dirty="0"/>
+          </a:p>
+          <a:p>
+            <a:pPr lvl="1"/>
+            <a:endParaRPr lang="en-US" dirty="0"/>
+          </a:p>
+        </p:txBody>
+      </p:sp>
+    </p:spTree>
+    <p:extLst>
+      <p:ext uri="{BB962C8B-B14F-4D97-AF65-F5344CB8AC3E}">
+        <p14:creationId xmlns:p14="http://schemas.microsoft.com/office/powerpoint/2010/main" val="2541384907"/>
       </p:ext>
     </p:extLst>
   </p:cSld>
@@ -8058,19 +8340,54 @@
           <a:chExt cx="0" cy="0"/>
         </a:xfrm>
       </p:grpSpPr>
+      <p:sp>
+        <p:nvSpPr>
+          <p:cNvPr id="2" name="Title 1">
+            <a:extLst>
+              <a:ext uri="{FF2B5EF4-FFF2-40B4-BE49-F238E27FC236}">
+                <a16:creationId xmlns:a16="http://schemas.microsoft.com/office/drawing/2014/main" id="{E7C2E7FA-ABF2-4FF8-9695-DC98222D8751}"/>
+              </a:ext>
+            </a:extLst>
+          </p:cNvPr>
+          <p:cNvSpPr>
+            <a:spLocks noGrp="1"/>
+          </p:cNvSpPr>
+          <p:nvPr>
+            <p:ph type="title"/>
+          </p:nvPr>
+        </p:nvSpPr>
+        <p:spPr>
+          <a:xfrm>
+            <a:off x="723381" y="0"/>
+            <a:ext cx="10515600" cy="1325563"/>
+          </a:xfrm>
+        </p:spPr>
+        <p:txBody>
+          <a:bodyPr/>
+          <a:lstStyle/>
+          <a:p>
+            <a:r>
+              <a:rPr lang="en-US" dirty="0"/>
+              <a:t>API?</a:t>
+            </a:r>
+          </a:p>
+        </p:txBody>
+      </p:sp>
       <p:pic>
         <p:nvPicPr>
-          <p:cNvPr id="5" name="Picture 4">
-            <a:extLst>
-              <a:ext uri="{FF2B5EF4-FFF2-40B4-BE49-F238E27FC236}">
-                <a16:creationId xmlns:a16="http://schemas.microsoft.com/office/drawing/2014/main" id="{AB51D042-221F-49AC-AB04-1FD5DF3D38A5}"/>
+          <p:cNvPr id="5" name="Content Placeholder 4">
+            <a:extLst>
+              <a:ext uri="{FF2B5EF4-FFF2-40B4-BE49-F238E27FC236}">
+                <a16:creationId xmlns:a16="http://schemas.microsoft.com/office/drawing/2014/main" id="{75E1A5D5-A896-4F04-B12B-13A059DDFA6A}"/>
               </a:ext>
             </a:extLst>
           </p:cNvPr>
           <p:cNvPicPr>
-            <a:picLocks noChangeAspect="1"/>
+            <a:picLocks noGrp="1" noChangeAspect="1"/>
           </p:cNvPicPr>
-          <p:nvPr/>
+          <p:nvPr>
+            <p:ph idx="1"/>
+          </p:nvPr>
         </p:nvPicPr>
         <p:blipFill>
           <a:blip r:embed="rId2">
@@ -8086,264 +8403,103 @@
         </p:blipFill>
         <p:spPr>
           <a:xfrm>
-            <a:off x="0" y="1461404"/>
-            <a:ext cx="5865378" cy="5396594"/>
-          </a:xfrm>
-          <a:prstGeom prst="rect">
-            <a:avLst/>
-          </a:prstGeom>
-          <a:noFill/>
+            <a:off x="332033" y="1086379"/>
+            <a:ext cx="11298297" cy="5440363"/>
+          </a:xfrm>
         </p:spPr>
       </p:pic>
-      <p:pic>
-        <p:nvPicPr>
-          <p:cNvPr id="7" name="Picture 6">
-            <a:extLst>
-              <a:ext uri="{FF2B5EF4-FFF2-40B4-BE49-F238E27FC236}">
-                <a16:creationId xmlns:a16="http://schemas.microsoft.com/office/drawing/2014/main" id="{D2257304-7042-4668-8BA4-AD214FFAF105}"/>
-              </a:ext>
-            </a:extLst>
-          </p:cNvPr>
-          <p:cNvPicPr>
-            <a:picLocks noChangeAspect="1"/>
-          </p:cNvPicPr>
-          <p:nvPr/>
-        </p:nvPicPr>
-        <p:blipFill>
-          <a:blip r:embed="rId3">
-            <a:extLst>
-              <a:ext uri="{28A0092B-C50C-407E-A947-70E740481C1C}">
-                <a14:useLocalDpi xmlns:a14="http://schemas.microsoft.com/office/drawing/2010/main" val="0"/>
-              </a:ext>
-            </a:extLst>
-          </a:blip>
-          <a:stretch>
-            <a:fillRect/>
-          </a:stretch>
-        </p:blipFill>
-        <p:spPr>
-          <a:xfrm>
-            <a:off x="5791118" y="1461404"/>
-            <a:ext cx="6400881" cy="5396595"/>
-          </a:xfrm>
-          <a:prstGeom prst="rect">
-            <a:avLst/>
-          </a:prstGeom>
-        </p:spPr>
-      </p:pic>
-      <p:sp>
-        <p:nvSpPr>
-          <p:cNvPr id="8" name="TextBox 7">
-            <a:extLst>
-              <a:ext uri="{FF2B5EF4-FFF2-40B4-BE49-F238E27FC236}">
-                <a16:creationId xmlns:a16="http://schemas.microsoft.com/office/drawing/2014/main" id="{6AE1E485-2C5D-4C93-AB70-B55246CA4792}"/>
-              </a:ext>
-            </a:extLst>
-          </p:cNvPr>
-          <p:cNvSpPr txBox="1"/>
-          <p:nvPr/>
-        </p:nvSpPr>
-        <p:spPr>
-          <a:xfrm>
-            <a:off x="2410495" y="883861"/>
-            <a:ext cx="1044388" cy="369332"/>
-          </a:xfrm>
-          <a:prstGeom prst="rect">
-            <a:avLst/>
-          </a:prstGeom>
-          <a:noFill/>
-        </p:spPr>
-        <p:txBody>
-          <a:bodyPr wrap="none" rtlCol="0">
-            <a:spAutoFit/>
-          </a:bodyPr>
-          <a:lstStyle/>
-          <a:p>
-            <a:r>
-              <a:rPr lang="en-US" dirty="0"/>
-              <a:t>Cars.com</a:t>
-            </a:r>
-          </a:p>
-        </p:txBody>
-      </p:sp>
-      <p:sp>
-        <p:nvSpPr>
-          <p:cNvPr id="9" name="TextBox 8">
-            <a:extLst>
-              <a:ext uri="{FF2B5EF4-FFF2-40B4-BE49-F238E27FC236}">
-                <a16:creationId xmlns:a16="http://schemas.microsoft.com/office/drawing/2014/main" id="{68516729-2E1C-49A4-95BB-001C6C9235B9}"/>
-              </a:ext>
-            </a:extLst>
-          </p:cNvPr>
-          <p:cNvSpPr txBox="1"/>
-          <p:nvPr/>
-        </p:nvSpPr>
-        <p:spPr>
-          <a:xfrm>
-            <a:off x="8252541" y="883861"/>
-            <a:ext cx="1478033" cy="369332"/>
-          </a:xfrm>
-          <a:prstGeom prst="rect">
-            <a:avLst/>
-          </a:prstGeom>
-          <a:noFill/>
-        </p:spPr>
-        <p:txBody>
-          <a:bodyPr wrap="none" rtlCol="0">
-            <a:spAutoFit/>
-          </a:bodyPr>
-          <a:lstStyle/>
-          <a:p>
-            <a:r>
-              <a:rPr lang="en-US" dirty="0"/>
-              <a:t>Cargurus.com</a:t>
-            </a:r>
-          </a:p>
-        </p:txBody>
-      </p:sp>
-      <p:sp>
-        <p:nvSpPr>
-          <p:cNvPr id="11" name="Flowchart: Alternate Process 10">
-            <a:extLst>
-              <a:ext uri="{FF2B5EF4-FFF2-40B4-BE49-F238E27FC236}">
-                <a16:creationId xmlns:a16="http://schemas.microsoft.com/office/drawing/2014/main" id="{647ABCB8-3CCC-4B59-9329-003FA1D14F5A}"/>
-              </a:ext>
-            </a:extLst>
-          </p:cNvPr>
-          <p:cNvSpPr/>
-          <p:nvPr/>
-        </p:nvSpPr>
-        <p:spPr>
-          <a:xfrm>
-            <a:off x="3640182" y="2046515"/>
-            <a:ext cx="2150935" cy="1221618"/>
-          </a:xfrm>
-          <a:prstGeom prst="flowChartAlternateProcess">
-            <a:avLst/>
-          </a:prstGeom>
-          <a:noFill/>
-          <a:ln w="19050">
-            <a:solidFill>
-              <a:srgbClr val="FF0000"/>
-            </a:solidFill>
-          </a:ln>
-        </p:spPr>
-        <p:style>
-          <a:lnRef idx="2">
-            <a:schemeClr val="accent1">
-              <a:shade val="50000"/>
-            </a:schemeClr>
-          </a:lnRef>
-          <a:fillRef idx="1">
-            <a:schemeClr val="accent1"/>
-          </a:fillRef>
-          <a:effectRef idx="0">
-            <a:schemeClr val="accent1"/>
-          </a:effectRef>
-          <a:fontRef idx="minor">
-            <a:schemeClr val="lt1"/>
-          </a:fontRef>
-        </p:style>
-        <p:txBody>
-          <a:bodyPr rtlCol="0" anchor="ctr"/>
-          <a:lstStyle/>
-          <a:p>
-            <a:pPr algn="ctr"/>
-            <a:endParaRPr lang="en-US"/>
-          </a:p>
-        </p:txBody>
-      </p:sp>
-      <p:sp>
-        <p:nvSpPr>
-          <p:cNvPr id="12" name="Flowchart: Alternate Process 11">
-            <a:extLst>
-              <a:ext uri="{FF2B5EF4-FFF2-40B4-BE49-F238E27FC236}">
-                <a16:creationId xmlns:a16="http://schemas.microsoft.com/office/drawing/2014/main" id="{0FA01603-E5DF-4D1F-9AD3-BEA9D7886936}"/>
-              </a:ext>
-            </a:extLst>
-          </p:cNvPr>
-          <p:cNvSpPr/>
-          <p:nvPr/>
-        </p:nvSpPr>
-        <p:spPr>
-          <a:xfrm>
-            <a:off x="8568267" y="2269067"/>
-            <a:ext cx="3191933" cy="897466"/>
-          </a:xfrm>
-          <a:prstGeom prst="flowChartAlternateProcess">
-            <a:avLst/>
-          </a:prstGeom>
-          <a:noFill/>
-          <a:ln>
-            <a:solidFill>
-              <a:srgbClr val="FF0000"/>
-            </a:solidFill>
-          </a:ln>
-        </p:spPr>
-        <p:style>
-          <a:lnRef idx="2">
-            <a:schemeClr val="accent1">
-              <a:shade val="50000"/>
-            </a:schemeClr>
-          </a:lnRef>
-          <a:fillRef idx="1">
-            <a:schemeClr val="accent1"/>
-          </a:fillRef>
-          <a:effectRef idx="0">
-            <a:schemeClr val="accent1"/>
-          </a:effectRef>
-          <a:fontRef idx="minor">
-            <a:schemeClr val="lt1"/>
-          </a:fontRef>
-        </p:style>
-        <p:txBody>
-          <a:bodyPr rtlCol="0" anchor="ctr"/>
-          <a:lstStyle/>
-          <a:p>
-            <a:pPr algn="ctr"/>
-            <a:endParaRPr lang="en-US"/>
-          </a:p>
-        </p:txBody>
-      </p:sp>
-      <p:sp>
-        <p:nvSpPr>
-          <p:cNvPr id="13" name="TextBox 12">
-            <a:extLst>
-              <a:ext uri="{FF2B5EF4-FFF2-40B4-BE49-F238E27FC236}">
-                <a16:creationId xmlns:a16="http://schemas.microsoft.com/office/drawing/2014/main" id="{624DC076-4F32-4D69-A495-5744EE71FE75}"/>
-              </a:ext>
-            </a:extLst>
-          </p:cNvPr>
-          <p:cNvSpPr txBox="1"/>
-          <p:nvPr/>
-        </p:nvSpPr>
-        <p:spPr>
-          <a:xfrm>
-            <a:off x="618067" y="296333"/>
-            <a:ext cx="1743554" cy="584775"/>
-          </a:xfrm>
-          <a:prstGeom prst="rect">
-            <a:avLst/>
-          </a:prstGeom>
-          <a:noFill/>
-        </p:spPr>
-        <p:txBody>
-          <a:bodyPr wrap="none" rtlCol="0">
-            <a:spAutoFit/>
-          </a:bodyPr>
-          <a:lstStyle/>
-          <a:p>
-            <a:r>
-              <a:rPr lang="en-US" sz="3200" dirty="0"/>
-              <a:t>List Page:</a:t>
-            </a:r>
-          </a:p>
-        </p:txBody>
-      </p:sp>
     </p:spTree>
     <p:extLst>
       <p:ext uri="{BB962C8B-B14F-4D97-AF65-F5344CB8AC3E}">
-        <p14:creationId xmlns:p14="http://schemas.microsoft.com/office/powerpoint/2010/main" val="2592402817"/>
+        <p14:creationId xmlns:p14="http://schemas.microsoft.com/office/powerpoint/2010/main" val="2002232280"/>
+      </p:ext>
+    </p:extLst>
+  </p:cSld>
+  <p:clrMapOvr>
+    <a:masterClrMapping/>
+  </p:clrMapOvr>
+</p:sld>
+</file>
+
+<file path=ppt/slides/slide30.xml><?xml version="1.0" encoding="utf-8"?>
+<p:sld xmlns:a="http://schemas.openxmlformats.org/drawingml/2006/main" xmlns:r="http://schemas.openxmlformats.org/officeDocument/2006/relationships" xmlns:p="http://schemas.openxmlformats.org/presentationml/2006/main">
+  <p:cSld>
+    <p:spTree>
+      <p:nvGrpSpPr>
+        <p:cNvPr id="1" name=""/>
+        <p:cNvGrpSpPr/>
+        <p:nvPr/>
+      </p:nvGrpSpPr>
+      <p:grpSpPr>
+        <a:xfrm>
+          <a:off x="0" y="0"/>
+          <a:ext cx="0" cy="0"/>
+          <a:chOff x="0" y="0"/>
+          <a:chExt cx="0" cy="0"/>
+        </a:xfrm>
+      </p:grpSpPr>
+      <p:sp>
+        <p:nvSpPr>
+          <p:cNvPr id="2" name="Title 1">
+            <a:extLst>
+              <a:ext uri="{FF2B5EF4-FFF2-40B4-BE49-F238E27FC236}">
+                <a16:creationId xmlns:a16="http://schemas.microsoft.com/office/drawing/2014/main" id="{FA211CA3-A8C6-4DB5-9DA4-5A17CE1457DF}"/>
+              </a:ext>
+            </a:extLst>
+          </p:cNvPr>
+          <p:cNvSpPr>
+            <a:spLocks noGrp="1"/>
+          </p:cNvSpPr>
+          <p:nvPr>
+            <p:ph type="title"/>
+          </p:nvPr>
+        </p:nvSpPr>
+        <p:spPr>
+          <a:xfrm>
+            <a:off x="3442063" y="2429057"/>
+            <a:ext cx="10515600" cy="1325563"/>
+          </a:xfrm>
+        </p:spPr>
+        <p:txBody>
+          <a:bodyPr/>
+          <a:lstStyle/>
+          <a:p>
+            <a:r>
+              <a:rPr lang="en-US" dirty="0"/>
+              <a:t>THANK YOU</a:t>
+            </a:r>
+          </a:p>
+        </p:txBody>
+      </p:sp>
+      <p:sp>
+        <p:nvSpPr>
+          <p:cNvPr id="3" name="Content Placeholder 2">
+            <a:extLst>
+              <a:ext uri="{FF2B5EF4-FFF2-40B4-BE49-F238E27FC236}">
+                <a16:creationId xmlns:a16="http://schemas.microsoft.com/office/drawing/2014/main" id="{E9223D9B-4534-41C4-B79B-1471C2F2E92E}"/>
+              </a:ext>
+            </a:extLst>
+          </p:cNvPr>
+          <p:cNvSpPr>
+            <a:spLocks noGrp="1"/>
+          </p:cNvSpPr>
+          <p:nvPr>
+            <p:ph idx="1"/>
+          </p:nvPr>
+        </p:nvSpPr>
+        <p:spPr/>
+        <p:txBody>
+          <a:bodyPr/>
+          <a:lstStyle/>
+          <a:p>
+            <a:endParaRPr lang="en-US"/>
+          </a:p>
+        </p:txBody>
+      </p:sp>
+    </p:spTree>
+    <p:extLst>
+      <p:ext uri="{BB962C8B-B14F-4D97-AF65-F5344CB8AC3E}">
+        <p14:creationId xmlns:p14="http://schemas.microsoft.com/office/powerpoint/2010/main" val="633495097"/>
       </p:ext>
     </p:extLst>
   </p:cSld>
@@ -8370,89 +8526,12 @@
           <a:chExt cx="0" cy="0"/>
         </a:xfrm>
       </p:grpSpPr>
-      <p:sp>
-        <p:nvSpPr>
-          <p:cNvPr id="4" name="TextBox 3">
-            <a:extLst>
-              <a:ext uri="{FF2B5EF4-FFF2-40B4-BE49-F238E27FC236}">
-                <a16:creationId xmlns:a16="http://schemas.microsoft.com/office/drawing/2014/main" id="{B615DAF4-12ED-448B-BAA5-57C6E4647610}"/>
-              </a:ext>
-            </a:extLst>
-          </p:cNvPr>
-          <p:cNvSpPr txBox="1"/>
-          <p:nvPr/>
-        </p:nvSpPr>
-        <p:spPr>
-          <a:xfrm>
-            <a:off x="668867" y="287867"/>
-            <a:ext cx="4129336" cy="2246769"/>
-          </a:xfrm>
-          <a:prstGeom prst="rect">
-            <a:avLst/>
-          </a:prstGeom>
-          <a:noFill/>
-        </p:spPr>
-        <p:txBody>
-          <a:bodyPr wrap="none" rtlCol="0">
-            <a:spAutoFit/>
-          </a:bodyPr>
-          <a:lstStyle/>
-          <a:p>
-            <a:r>
-              <a:rPr lang="en-US" sz="3200" dirty="0"/>
-              <a:t>Detail Page:</a:t>
-            </a:r>
-          </a:p>
-          <a:p>
-            <a:endParaRPr lang="en-US" dirty="0"/>
-          </a:p>
-          <a:p>
-            <a:r>
-              <a:rPr lang="en-US" dirty="0"/>
-              <a:t>Why do I scrap both websites?</a:t>
-            </a:r>
-          </a:p>
-          <a:p>
-            <a:pPr marL="285750" indent="-285750">
-              <a:buFontTx/>
-              <a:buChar char="-"/>
-            </a:pPr>
-            <a:r>
-              <a:rPr lang="en-US" dirty="0"/>
-              <a:t>To verify if there is price difference</a:t>
-            </a:r>
-          </a:p>
-          <a:p>
-            <a:pPr marL="285750" indent="-285750">
-              <a:buFontTx/>
-              <a:buChar char="-"/>
-            </a:pPr>
-            <a:r>
-              <a:rPr lang="en-US" dirty="0"/>
-              <a:t>More useful information</a:t>
-            </a:r>
-          </a:p>
-          <a:p>
-            <a:pPr marL="285750" indent="-285750">
-              <a:buFontTx/>
-              <a:buChar char="-"/>
-            </a:pPr>
-            <a:endParaRPr lang="en-US" dirty="0"/>
-          </a:p>
-          <a:p>
-            <a:r>
-              <a:rPr lang="en-US" dirty="0"/>
-              <a:t>Both website provides vin number of cars.</a:t>
-            </a:r>
-          </a:p>
-        </p:txBody>
-      </p:sp>
       <p:pic>
         <p:nvPicPr>
-          <p:cNvPr id="6" name="Picture 5">
-            <a:extLst>
-              <a:ext uri="{FF2B5EF4-FFF2-40B4-BE49-F238E27FC236}">
-                <a16:creationId xmlns:a16="http://schemas.microsoft.com/office/drawing/2014/main" id="{AF1CF36A-15DA-4FDF-8945-17CD2165F009}"/>
+          <p:cNvPr id="5" name="Picture 4">
+            <a:extLst>
+              <a:ext uri="{FF2B5EF4-FFF2-40B4-BE49-F238E27FC236}">
+                <a16:creationId xmlns:a16="http://schemas.microsoft.com/office/drawing/2014/main" id="{AB51D042-221F-49AC-AB04-1FD5DF3D38A5}"/>
               </a:ext>
             </a:extLst>
           </p:cNvPr>
@@ -8475,20 +8554,21 @@
         </p:blipFill>
         <p:spPr>
           <a:xfrm>
-            <a:off x="6096000" y="818065"/>
-            <a:ext cx="4648849" cy="4963218"/>
+            <a:off x="0" y="1461404"/>
+            <a:ext cx="5865378" cy="5396594"/>
           </a:xfrm>
           <a:prstGeom prst="rect">
             <a:avLst/>
           </a:prstGeom>
+          <a:noFill/>
         </p:spPr>
       </p:pic>
       <p:pic>
         <p:nvPicPr>
-          <p:cNvPr id="8" name="Picture 7">
-            <a:extLst>
-              <a:ext uri="{FF2B5EF4-FFF2-40B4-BE49-F238E27FC236}">
-                <a16:creationId xmlns:a16="http://schemas.microsoft.com/office/drawing/2014/main" id="{8809BE0C-E88A-4420-AC03-2E60F426CA05}"/>
+          <p:cNvPr id="7" name="Picture 6">
+            <a:extLst>
+              <a:ext uri="{FF2B5EF4-FFF2-40B4-BE49-F238E27FC236}">
+                <a16:creationId xmlns:a16="http://schemas.microsoft.com/office/drawing/2014/main" id="{D2257304-7042-4668-8BA4-AD214FFAF105}"/>
               </a:ext>
             </a:extLst>
           </p:cNvPr>
@@ -8511,8 +8591,8 @@
         </p:blipFill>
         <p:spPr>
           <a:xfrm>
-            <a:off x="491067" y="3675964"/>
-            <a:ext cx="4801270" cy="2105319"/>
+            <a:off x="5791118" y="1461404"/>
+            <a:ext cx="6400881" cy="5396595"/>
           </a:xfrm>
           <a:prstGeom prst="rect">
             <a:avLst/>
@@ -8521,10 +8601,10 @@
       </p:pic>
       <p:sp>
         <p:nvSpPr>
-          <p:cNvPr id="9" name="TextBox 8">
-            <a:extLst>
-              <a:ext uri="{FF2B5EF4-FFF2-40B4-BE49-F238E27FC236}">
-                <a16:creationId xmlns:a16="http://schemas.microsoft.com/office/drawing/2014/main" id="{961E234E-2ACE-475B-A598-FC950DEED1DA}"/>
+          <p:cNvPr id="8" name="TextBox 7">
+            <a:extLst>
+              <a:ext uri="{FF2B5EF4-FFF2-40B4-BE49-F238E27FC236}">
+                <a16:creationId xmlns:a16="http://schemas.microsoft.com/office/drawing/2014/main" id="{6AE1E485-2C5D-4C93-AB70-B55246CA4792}"/>
               </a:ext>
             </a:extLst>
           </p:cNvPr>
@@ -8533,8 +8613,8 @@
         </p:nvSpPr>
         <p:spPr>
           <a:xfrm>
-            <a:off x="2338249" y="3115008"/>
-            <a:ext cx="1106906" cy="369332"/>
+            <a:off x="2410495" y="883861"/>
+            <a:ext cx="1044388" cy="369332"/>
           </a:xfrm>
           <a:prstGeom prst="rect">
             <a:avLst/>
@@ -8549,17 +8629,17 @@
           <a:p>
             <a:r>
               <a:rPr lang="en-US" dirty="0"/>
-              <a:t>Cars.com:</a:t>
-            </a:r>
-          </a:p>
-        </p:txBody>
-      </p:sp>
-      <p:sp>
-        <p:nvSpPr>
-          <p:cNvPr id="10" name="TextBox 9">
-            <a:extLst>
-              <a:ext uri="{FF2B5EF4-FFF2-40B4-BE49-F238E27FC236}">
-                <a16:creationId xmlns:a16="http://schemas.microsoft.com/office/drawing/2014/main" id="{01E0D3B1-50A5-4EBE-91A3-CE0C43777D12}"/>
+              <a:t>Cars.com</a:t>
+            </a:r>
+          </a:p>
+        </p:txBody>
+      </p:sp>
+      <p:sp>
+        <p:nvSpPr>
+          <p:cNvPr id="9" name="TextBox 8">
+            <a:extLst>
+              <a:ext uri="{FF2B5EF4-FFF2-40B4-BE49-F238E27FC236}">
+                <a16:creationId xmlns:a16="http://schemas.microsoft.com/office/drawing/2014/main" id="{68516729-2E1C-49A4-95BB-001C6C9235B9}"/>
               </a:ext>
             </a:extLst>
           </p:cNvPr>
@@ -8568,8 +8648,8 @@
         </p:nvSpPr>
         <p:spPr>
           <a:xfrm>
-            <a:off x="7594792" y="448733"/>
-            <a:ext cx="1540550" cy="369332"/>
+            <a:off x="8252541" y="883861"/>
+            <a:ext cx="1478033" cy="369332"/>
           </a:xfrm>
           <a:prstGeom prst="rect">
             <a:avLst/>
@@ -8584,17 +8664,17 @@
           <a:p>
             <a:r>
               <a:rPr lang="en-US" dirty="0"/>
-              <a:t>Cargurus.com:</a:t>
-            </a:r>
-          </a:p>
-        </p:txBody>
-      </p:sp>
-      <p:sp>
-        <p:nvSpPr>
-          <p:cNvPr id="11" name="Rectangle: Rounded Corners 10">
-            <a:extLst>
-              <a:ext uri="{FF2B5EF4-FFF2-40B4-BE49-F238E27FC236}">
-                <a16:creationId xmlns:a16="http://schemas.microsoft.com/office/drawing/2014/main" id="{AA475A87-D852-490A-93F3-FC954A104F60}"/>
+              <a:t>Cargurus.com</a:t>
+            </a:r>
+          </a:p>
+        </p:txBody>
+      </p:sp>
+      <p:sp>
+        <p:nvSpPr>
+          <p:cNvPr id="11" name="Flowchart: Alternate Process 10">
+            <a:extLst>
+              <a:ext uri="{FF2B5EF4-FFF2-40B4-BE49-F238E27FC236}">
+                <a16:creationId xmlns:a16="http://schemas.microsoft.com/office/drawing/2014/main" id="{647ABCB8-3CCC-4B59-9329-003FA1D14F5A}"/>
               </a:ext>
             </a:extLst>
           </p:cNvPr>
@@ -8603,14 +8683,14 @@
         </p:nvSpPr>
         <p:spPr>
           <a:xfrm>
-            <a:off x="6604000" y="1397000"/>
-            <a:ext cx="1845733" cy="491067"/>
-          </a:xfrm>
-          <a:prstGeom prst="roundRect">
+            <a:off x="3640182" y="2046515"/>
+            <a:ext cx="2150935" cy="1221618"/>
+          </a:xfrm>
+          <a:prstGeom prst="flowChartAlternateProcess">
             <a:avLst/>
           </a:prstGeom>
           <a:noFill/>
-          <a:ln>
+          <a:ln w="19050">
             <a:solidFill>
               <a:srgbClr val="FF0000"/>
             </a:solidFill>
@@ -8646,7 +8726,7 @@
           <p:cNvPr id="12" name="Flowchart: Alternate Process 11">
             <a:extLst>
               <a:ext uri="{FF2B5EF4-FFF2-40B4-BE49-F238E27FC236}">
-                <a16:creationId xmlns:a16="http://schemas.microsoft.com/office/drawing/2014/main" id="{8DE0D962-8966-4790-92B8-EC150E65E374}"/>
+                <a16:creationId xmlns:a16="http://schemas.microsoft.com/office/drawing/2014/main" id="{0FA01603-E5DF-4D1F-9AD3-BEA9D7886936}"/>
               </a:ext>
             </a:extLst>
           </p:cNvPr>
@@ -8655,8 +8735,8 @@
         </p:nvSpPr>
         <p:spPr>
           <a:xfrm>
-            <a:off x="6358467" y="4047067"/>
-            <a:ext cx="4013200" cy="1634066"/>
+            <a:off x="8568267" y="2269067"/>
+            <a:ext cx="3191933" cy="897466"/>
           </a:xfrm>
           <a:prstGeom prst="flowChartAlternateProcess">
             <a:avLst/>
@@ -8695,60 +8775,43 @@
       </p:sp>
       <p:sp>
         <p:nvSpPr>
-          <p:cNvPr id="13" name="Rectangle: Rounded Corners 12">
-            <a:extLst>
-              <a:ext uri="{FF2B5EF4-FFF2-40B4-BE49-F238E27FC236}">
-                <a16:creationId xmlns:a16="http://schemas.microsoft.com/office/drawing/2014/main" id="{62C98103-ECFC-47A3-8358-2A8B5FD62482}"/>
-              </a:ext>
-            </a:extLst>
-          </p:cNvPr>
-          <p:cNvSpPr/>
+          <p:cNvPr id="13" name="TextBox 12">
+            <a:extLst>
+              <a:ext uri="{FF2B5EF4-FFF2-40B4-BE49-F238E27FC236}">
+                <a16:creationId xmlns:a16="http://schemas.microsoft.com/office/drawing/2014/main" id="{624DC076-4F32-4D69-A495-5744EE71FE75}"/>
+              </a:ext>
+            </a:extLst>
+          </p:cNvPr>
+          <p:cNvSpPr txBox="1"/>
           <p:nvPr/>
         </p:nvSpPr>
         <p:spPr>
           <a:xfrm>
-            <a:off x="3308531" y="4864100"/>
-            <a:ext cx="1634067" cy="313266"/>
-          </a:xfrm>
-          <a:prstGeom prst="roundRect">
+            <a:off x="618067" y="296333"/>
+            <a:ext cx="1743554" cy="584775"/>
+          </a:xfrm>
+          <a:prstGeom prst="rect">
             <a:avLst/>
           </a:prstGeom>
           <a:noFill/>
-          <a:ln>
-            <a:solidFill>
-              <a:srgbClr val="FF0000"/>
-            </a:solidFill>
-          </a:ln>
-        </p:spPr>
-        <p:style>
-          <a:lnRef idx="2">
-            <a:schemeClr val="accent1">
-              <a:shade val="50000"/>
-            </a:schemeClr>
-          </a:lnRef>
-          <a:fillRef idx="1">
-            <a:schemeClr val="accent1"/>
-          </a:fillRef>
-          <a:effectRef idx="0">
-            <a:schemeClr val="accent1"/>
-          </a:effectRef>
-          <a:fontRef idx="minor">
-            <a:schemeClr val="lt1"/>
-          </a:fontRef>
-        </p:style>
-        <p:txBody>
-          <a:bodyPr rtlCol="0" anchor="ctr"/>
-          <a:lstStyle/>
-          <a:p>
-            <a:pPr algn="ctr"/>
-            <a:endParaRPr lang="en-US"/>
+        </p:spPr>
+        <p:txBody>
+          <a:bodyPr wrap="none" rtlCol="0">
+            <a:spAutoFit/>
+          </a:bodyPr>
+          <a:lstStyle/>
+          <a:p>
+            <a:r>
+              <a:rPr lang="en-US" sz="3200" dirty="0"/>
+              <a:t>List Page:</a:t>
+            </a:r>
           </a:p>
         </p:txBody>
       </p:sp>
     </p:spTree>
     <p:extLst>
       <p:ext uri="{BB962C8B-B14F-4D97-AF65-F5344CB8AC3E}">
-        <p14:creationId xmlns:p14="http://schemas.microsoft.com/office/powerpoint/2010/main" val="300964787"/>
+        <p14:creationId xmlns:p14="http://schemas.microsoft.com/office/powerpoint/2010/main" val="2592402817"/>
       </p:ext>
     </p:extLst>
   </p:cSld>
@@ -8777,87 +8840,10 @@
       </p:grpSpPr>
       <p:sp>
         <p:nvSpPr>
-          <p:cNvPr id="2" name="Title 1">
-            <a:extLst>
-              <a:ext uri="{FF2B5EF4-FFF2-40B4-BE49-F238E27FC236}">
-                <a16:creationId xmlns:a16="http://schemas.microsoft.com/office/drawing/2014/main" id="{551CA754-C649-4EB2-99C6-2F6F4B3C30D6}"/>
-              </a:ext>
-            </a:extLst>
-          </p:cNvPr>
-          <p:cNvSpPr>
-            <a:spLocks noGrp="1"/>
-          </p:cNvSpPr>
-          <p:nvPr>
-            <p:ph type="title"/>
-          </p:nvPr>
-        </p:nvSpPr>
-        <p:spPr>
-          <a:xfrm>
-            <a:off x="0" y="-56873"/>
-            <a:ext cx="4855810" cy="1313775"/>
-          </a:xfrm>
-        </p:spPr>
-        <p:txBody>
-          <a:bodyPr>
-            <a:normAutofit/>
-          </a:bodyPr>
-          <a:lstStyle/>
-          <a:p>
-            <a:r>
-              <a:rPr lang="en-US" sz="3200" dirty="0"/>
-              <a:t>Exploratory data analysis:</a:t>
-            </a:r>
-          </a:p>
-        </p:txBody>
-      </p:sp>
-      <p:sp>
-        <p:nvSpPr>
-          <p:cNvPr id="3" name="Content Placeholder 2">
-            <a:extLst>
-              <a:ext uri="{FF2B5EF4-FFF2-40B4-BE49-F238E27FC236}">
-                <a16:creationId xmlns:a16="http://schemas.microsoft.com/office/drawing/2014/main" id="{705A508C-8A93-4E64-B2AC-5AFA9C8C3982}"/>
-              </a:ext>
-            </a:extLst>
-          </p:cNvPr>
-          <p:cNvSpPr>
-            <a:spLocks noGrp="1"/>
-          </p:cNvSpPr>
-          <p:nvPr>
-            <p:ph idx="1"/>
-          </p:nvPr>
-        </p:nvSpPr>
-        <p:spPr>
-          <a:xfrm>
-            <a:off x="400117" y="1918968"/>
-            <a:ext cx="3073400" cy="494242"/>
-          </a:xfrm>
-        </p:spPr>
-        <p:txBody>
-          <a:bodyPr/>
-          <a:lstStyle/>
-          <a:p>
-            <a:pPr marL="0" indent="0">
-              <a:buNone/>
-            </a:pPr>
-            <a:r>
-              <a:rPr lang="en-US" dirty="0"/>
-              <a:t>Cars.com dataset:</a:t>
-            </a:r>
-          </a:p>
-          <a:p>
-            <a:pPr marL="0" indent="0">
-              <a:buNone/>
-            </a:pPr>
-            <a:endParaRPr lang="en-US" dirty="0"/>
-          </a:p>
-        </p:txBody>
-      </p:sp>
-      <p:sp>
-        <p:nvSpPr>
           <p:cNvPr id="4" name="TextBox 3">
             <a:extLst>
               <a:ext uri="{FF2B5EF4-FFF2-40B4-BE49-F238E27FC236}">
-                <a16:creationId xmlns:a16="http://schemas.microsoft.com/office/drawing/2014/main" id="{C59FDB1F-9D7F-40D6-ABF6-BBAFEC25F6E8}"/>
+                <a16:creationId xmlns:a16="http://schemas.microsoft.com/office/drawing/2014/main" id="{B615DAF4-12ED-448B-BAA5-57C6E4647610}"/>
               </a:ext>
             </a:extLst>
           </p:cNvPr>
@@ -8866,8 +8852,8 @@
         </p:nvSpPr>
         <p:spPr>
           <a:xfrm>
-            <a:off x="988055" y="3310967"/>
-            <a:ext cx="1846724" cy="369332"/>
+            <a:off x="668867" y="287867"/>
+            <a:ext cx="4129336" cy="2246769"/>
           </a:xfrm>
           <a:prstGeom prst="rect">
             <a:avLst/>
@@ -8881,18 +8867,202 @@
           <a:lstStyle/>
           <a:p>
             <a:r>
-              <a:rPr lang="en-US" dirty="0"/>
-              <a:t>About: 2115 rows</a:t>
-            </a:r>
-          </a:p>
-        </p:txBody>
-      </p:sp>
-      <p:sp>
-        <p:nvSpPr>
-          <p:cNvPr id="5" name="Arrow: Down 4">
-            <a:extLst>
-              <a:ext uri="{FF2B5EF4-FFF2-40B4-BE49-F238E27FC236}">
-                <a16:creationId xmlns:a16="http://schemas.microsoft.com/office/drawing/2014/main" id="{16090584-2F9F-43C4-B4ED-17E0FB587D49}"/>
+              <a:rPr lang="en-US" sz="3200" dirty="0"/>
+              <a:t>Detail Page:</a:t>
+            </a:r>
+          </a:p>
+          <a:p>
+            <a:endParaRPr lang="en-US" dirty="0"/>
+          </a:p>
+          <a:p>
+            <a:r>
+              <a:rPr lang="en-US" dirty="0"/>
+              <a:t>Why do I scrap both websites?</a:t>
+            </a:r>
+          </a:p>
+          <a:p>
+            <a:pPr marL="285750" indent="-285750">
+              <a:buFontTx/>
+              <a:buChar char="-"/>
+            </a:pPr>
+            <a:r>
+              <a:rPr lang="en-US" dirty="0"/>
+              <a:t>To verify if there is price difference</a:t>
+            </a:r>
+          </a:p>
+          <a:p>
+            <a:pPr marL="285750" indent="-285750">
+              <a:buFontTx/>
+              <a:buChar char="-"/>
+            </a:pPr>
+            <a:r>
+              <a:rPr lang="en-US" dirty="0"/>
+              <a:t>More useful information</a:t>
+            </a:r>
+          </a:p>
+          <a:p>
+            <a:pPr marL="285750" indent="-285750">
+              <a:buFontTx/>
+              <a:buChar char="-"/>
+            </a:pPr>
+            <a:endParaRPr lang="en-US" dirty="0"/>
+          </a:p>
+          <a:p>
+            <a:r>
+              <a:rPr lang="en-US" dirty="0"/>
+              <a:t>Both website provides vin number of cars.</a:t>
+            </a:r>
+          </a:p>
+        </p:txBody>
+      </p:sp>
+      <p:pic>
+        <p:nvPicPr>
+          <p:cNvPr id="6" name="Picture 5">
+            <a:extLst>
+              <a:ext uri="{FF2B5EF4-FFF2-40B4-BE49-F238E27FC236}">
+                <a16:creationId xmlns:a16="http://schemas.microsoft.com/office/drawing/2014/main" id="{AF1CF36A-15DA-4FDF-8945-17CD2165F009}"/>
+              </a:ext>
+            </a:extLst>
+          </p:cNvPr>
+          <p:cNvPicPr>
+            <a:picLocks noChangeAspect="1"/>
+          </p:cNvPicPr>
+          <p:nvPr/>
+        </p:nvPicPr>
+        <p:blipFill>
+          <a:blip r:embed="rId2">
+            <a:extLst>
+              <a:ext uri="{28A0092B-C50C-407E-A947-70E740481C1C}">
+                <a14:useLocalDpi xmlns:a14="http://schemas.microsoft.com/office/drawing/2010/main" val="0"/>
+              </a:ext>
+            </a:extLst>
+          </a:blip>
+          <a:stretch>
+            <a:fillRect/>
+          </a:stretch>
+        </p:blipFill>
+        <p:spPr>
+          <a:xfrm>
+            <a:off x="6096000" y="818065"/>
+            <a:ext cx="4648849" cy="4963218"/>
+          </a:xfrm>
+          <a:prstGeom prst="rect">
+            <a:avLst/>
+          </a:prstGeom>
+        </p:spPr>
+      </p:pic>
+      <p:pic>
+        <p:nvPicPr>
+          <p:cNvPr id="8" name="Picture 7">
+            <a:extLst>
+              <a:ext uri="{FF2B5EF4-FFF2-40B4-BE49-F238E27FC236}">
+                <a16:creationId xmlns:a16="http://schemas.microsoft.com/office/drawing/2014/main" id="{8809BE0C-E88A-4420-AC03-2E60F426CA05}"/>
+              </a:ext>
+            </a:extLst>
+          </p:cNvPr>
+          <p:cNvPicPr>
+            <a:picLocks noChangeAspect="1"/>
+          </p:cNvPicPr>
+          <p:nvPr/>
+        </p:nvPicPr>
+        <p:blipFill>
+          <a:blip r:embed="rId3">
+            <a:extLst>
+              <a:ext uri="{28A0092B-C50C-407E-A947-70E740481C1C}">
+                <a14:useLocalDpi xmlns:a14="http://schemas.microsoft.com/office/drawing/2010/main" val="0"/>
+              </a:ext>
+            </a:extLst>
+          </a:blip>
+          <a:stretch>
+            <a:fillRect/>
+          </a:stretch>
+        </p:blipFill>
+        <p:spPr>
+          <a:xfrm>
+            <a:off x="491067" y="3675964"/>
+            <a:ext cx="4801270" cy="2105319"/>
+          </a:xfrm>
+          <a:prstGeom prst="rect">
+            <a:avLst/>
+          </a:prstGeom>
+        </p:spPr>
+      </p:pic>
+      <p:sp>
+        <p:nvSpPr>
+          <p:cNvPr id="9" name="TextBox 8">
+            <a:extLst>
+              <a:ext uri="{FF2B5EF4-FFF2-40B4-BE49-F238E27FC236}">
+                <a16:creationId xmlns:a16="http://schemas.microsoft.com/office/drawing/2014/main" id="{961E234E-2ACE-475B-A598-FC950DEED1DA}"/>
+              </a:ext>
+            </a:extLst>
+          </p:cNvPr>
+          <p:cNvSpPr txBox="1"/>
+          <p:nvPr/>
+        </p:nvSpPr>
+        <p:spPr>
+          <a:xfrm>
+            <a:off x="2338249" y="3115008"/>
+            <a:ext cx="1106906" cy="369332"/>
+          </a:xfrm>
+          <a:prstGeom prst="rect">
+            <a:avLst/>
+          </a:prstGeom>
+          <a:noFill/>
+        </p:spPr>
+        <p:txBody>
+          <a:bodyPr wrap="none" rtlCol="0">
+            <a:spAutoFit/>
+          </a:bodyPr>
+          <a:lstStyle/>
+          <a:p>
+            <a:r>
+              <a:rPr lang="en-US" dirty="0"/>
+              <a:t>Cars.com:</a:t>
+            </a:r>
+          </a:p>
+        </p:txBody>
+      </p:sp>
+      <p:sp>
+        <p:nvSpPr>
+          <p:cNvPr id="10" name="TextBox 9">
+            <a:extLst>
+              <a:ext uri="{FF2B5EF4-FFF2-40B4-BE49-F238E27FC236}">
+                <a16:creationId xmlns:a16="http://schemas.microsoft.com/office/drawing/2014/main" id="{01E0D3B1-50A5-4EBE-91A3-CE0C43777D12}"/>
+              </a:ext>
+            </a:extLst>
+          </p:cNvPr>
+          <p:cNvSpPr txBox="1"/>
+          <p:nvPr/>
+        </p:nvSpPr>
+        <p:spPr>
+          <a:xfrm>
+            <a:off x="7594792" y="448733"/>
+            <a:ext cx="1540550" cy="369332"/>
+          </a:xfrm>
+          <a:prstGeom prst="rect">
+            <a:avLst/>
+          </a:prstGeom>
+          <a:noFill/>
+        </p:spPr>
+        <p:txBody>
+          <a:bodyPr wrap="none" rtlCol="0">
+            <a:spAutoFit/>
+          </a:bodyPr>
+          <a:lstStyle/>
+          <a:p>
+            <a:r>
+              <a:rPr lang="en-US" dirty="0"/>
+              <a:t>Cargurus.com:</a:t>
+            </a:r>
+          </a:p>
+        </p:txBody>
+      </p:sp>
+      <p:sp>
+        <p:nvSpPr>
+          <p:cNvPr id="11" name="Rectangle: Rounded Corners 10">
+            <a:extLst>
+              <a:ext uri="{FF2B5EF4-FFF2-40B4-BE49-F238E27FC236}">
+                <a16:creationId xmlns:a16="http://schemas.microsoft.com/office/drawing/2014/main" id="{AA475A87-D852-490A-93F3-FC954A104F60}"/>
               </a:ext>
             </a:extLst>
           </p:cNvPr>
@@ -8901,12 +9071,18 @@
         </p:nvSpPr>
         <p:spPr>
           <a:xfrm>
-            <a:off x="1695517" y="2608168"/>
-            <a:ext cx="482600" cy="494242"/>
-          </a:xfrm>
-          <a:prstGeom prst="downArrow">
-            <a:avLst/>
-          </a:prstGeom>
+            <a:off x="6604000" y="1397000"/>
+            <a:ext cx="1845733" cy="491067"/>
+          </a:xfrm>
+          <a:prstGeom prst="roundRect">
+            <a:avLst/>
+          </a:prstGeom>
+          <a:noFill/>
+          <a:ln>
+            <a:solidFill>
+              <a:srgbClr val="FF0000"/>
+            </a:solidFill>
+          </a:ln>
         </p:spPr>
         <p:style>
           <a:lnRef idx="2">
@@ -8935,10 +9111,10 @@
       </p:sp>
       <p:sp>
         <p:nvSpPr>
-          <p:cNvPr id="6" name="Arrow: Down 5">
-            <a:extLst>
-              <a:ext uri="{FF2B5EF4-FFF2-40B4-BE49-F238E27FC236}">
-                <a16:creationId xmlns:a16="http://schemas.microsoft.com/office/drawing/2014/main" id="{6AC63BC0-98D2-42C9-BEB6-B290D70DD564}"/>
+          <p:cNvPr id="12" name="Flowchart: Alternate Process 11">
+            <a:extLst>
+              <a:ext uri="{FF2B5EF4-FFF2-40B4-BE49-F238E27FC236}">
+                <a16:creationId xmlns:a16="http://schemas.microsoft.com/office/drawing/2014/main" id="{8DE0D962-8966-4790-92B8-EC150E65E374}"/>
               </a:ext>
             </a:extLst>
           </p:cNvPr>
@@ -8947,12 +9123,18 @@
         </p:nvSpPr>
         <p:spPr>
           <a:xfrm>
-            <a:off x="1645743" y="3843190"/>
-            <a:ext cx="582148" cy="787400"/>
-          </a:xfrm>
-          <a:prstGeom prst="downArrow">
-            <a:avLst/>
-          </a:prstGeom>
+            <a:off x="6358467" y="4047067"/>
+            <a:ext cx="4013200" cy="1634066"/>
+          </a:xfrm>
+          <a:prstGeom prst="flowChartAlternateProcess">
+            <a:avLst/>
+          </a:prstGeom>
+          <a:noFill/>
+          <a:ln>
+            <a:solidFill>
+              <a:srgbClr val="FF0000"/>
+            </a:solidFill>
+          </a:ln>
         </p:spPr>
         <p:style>
           <a:lnRef idx="2">
@@ -8981,115 +9163,10 @@
       </p:sp>
       <p:sp>
         <p:nvSpPr>
-          <p:cNvPr id="7" name="TextBox 6">
-            <a:extLst>
-              <a:ext uri="{FF2B5EF4-FFF2-40B4-BE49-F238E27FC236}">
-                <a16:creationId xmlns:a16="http://schemas.microsoft.com/office/drawing/2014/main" id="{2989CE29-9A81-4E20-8F02-D685AF321042}"/>
-              </a:ext>
-            </a:extLst>
-          </p:cNvPr>
-          <p:cNvSpPr txBox="1"/>
-          <p:nvPr/>
-        </p:nvSpPr>
-        <p:spPr>
-          <a:xfrm>
-            <a:off x="596762" y="3935318"/>
-            <a:ext cx="2629310" cy="369332"/>
-          </a:xfrm>
-          <a:prstGeom prst="rect">
-            <a:avLst/>
-          </a:prstGeom>
-          <a:noFill/>
-        </p:spPr>
-        <p:txBody>
-          <a:bodyPr wrap="none" rtlCol="0">
-            <a:spAutoFit/>
-          </a:bodyPr>
-          <a:lstStyle/>
-          <a:p>
-            <a:r>
-              <a:rPr lang="en-US" dirty="0"/>
-              <a:t>After dropping duplicates:</a:t>
-            </a:r>
-          </a:p>
-        </p:txBody>
-      </p:sp>
-      <p:sp>
-        <p:nvSpPr>
-          <p:cNvPr id="8" name="TextBox 7">
-            <a:extLst>
-              <a:ext uri="{FF2B5EF4-FFF2-40B4-BE49-F238E27FC236}">
-                <a16:creationId xmlns:a16="http://schemas.microsoft.com/office/drawing/2014/main" id="{4B9179A4-A240-4094-9CED-55B37E97C09F}"/>
-              </a:ext>
-            </a:extLst>
-          </p:cNvPr>
-          <p:cNvSpPr txBox="1"/>
-          <p:nvPr/>
-        </p:nvSpPr>
-        <p:spPr>
-          <a:xfrm>
-            <a:off x="1175583" y="4966716"/>
-            <a:ext cx="1522468" cy="369332"/>
-          </a:xfrm>
-          <a:prstGeom prst="rect">
-            <a:avLst/>
-          </a:prstGeom>
-          <a:noFill/>
-        </p:spPr>
-        <p:txBody>
-          <a:bodyPr wrap="none" rtlCol="0">
-            <a:spAutoFit/>
-          </a:bodyPr>
-          <a:lstStyle/>
-          <a:p>
-            <a:r>
-              <a:rPr lang="en-US" dirty="0"/>
-              <a:t>1202 rows left</a:t>
-            </a:r>
-          </a:p>
-        </p:txBody>
-      </p:sp>
-      <p:sp>
-        <p:nvSpPr>
-          <p:cNvPr id="9" name="TextBox 8">
-            <a:extLst>
-              <a:ext uri="{FF2B5EF4-FFF2-40B4-BE49-F238E27FC236}">
-                <a16:creationId xmlns:a16="http://schemas.microsoft.com/office/drawing/2014/main" id="{FDD134D5-9EF1-48F9-8ABD-5965C7837C90}"/>
-              </a:ext>
-            </a:extLst>
-          </p:cNvPr>
-          <p:cNvSpPr txBox="1"/>
-          <p:nvPr/>
-        </p:nvSpPr>
-        <p:spPr>
-          <a:xfrm>
-            <a:off x="4855810" y="893590"/>
-            <a:ext cx="5190011" cy="400110"/>
-          </a:xfrm>
-          <a:prstGeom prst="rect">
-            <a:avLst/>
-          </a:prstGeom>
-          <a:noFill/>
-        </p:spPr>
-        <p:txBody>
-          <a:bodyPr wrap="none" rtlCol="0">
-            <a:spAutoFit/>
-          </a:bodyPr>
-          <a:lstStyle/>
-          <a:p>
-            <a:r>
-              <a:rPr lang="en-US" sz="2000" dirty="0"/>
-              <a:t>Both data sets contains more than 20+ variables</a:t>
-            </a:r>
-          </a:p>
-        </p:txBody>
-      </p:sp>
-      <p:sp>
-        <p:nvSpPr>
-          <p:cNvPr id="10" name="Oval 9">
-            <a:extLst>
-              <a:ext uri="{FF2B5EF4-FFF2-40B4-BE49-F238E27FC236}">
-                <a16:creationId xmlns:a16="http://schemas.microsoft.com/office/drawing/2014/main" id="{8C2BC456-0B4C-4677-92B0-A74B67BB084F}"/>
+          <p:cNvPr id="13" name="Rectangle: Rounded Corners 12">
+            <a:extLst>
+              <a:ext uri="{FF2B5EF4-FFF2-40B4-BE49-F238E27FC236}">
+                <a16:creationId xmlns:a16="http://schemas.microsoft.com/office/drawing/2014/main" id="{62C98103-ECFC-47A3-8358-2A8B5FD62482}"/>
               </a:ext>
             </a:extLst>
           </p:cNvPr>
@@ -9098,21 +9175,18 @@
         </p:nvSpPr>
         <p:spPr>
           <a:xfrm>
-            <a:off x="3874935" y="1637715"/>
-            <a:ext cx="5133321" cy="5017252"/>
-          </a:xfrm>
-          <a:prstGeom prst="ellipse">
+            <a:off x="3308531" y="4864100"/>
+            <a:ext cx="1634067" cy="313266"/>
+          </a:xfrm>
+          <a:prstGeom prst="roundRect">
             <a:avLst/>
           </a:prstGeom>
           <a:noFill/>
-          <a:effectLst>
-            <a:glow rad="101600">
-              <a:schemeClr val="accent5">
-                <a:satMod val="175000"/>
-                <a:alpha val="40000"/>
-              </a:schemeClr>
-            </a:glow>
-          </a:effectLst>
+          <a:ln>
+            <a:solidFill>
+              <a:srgbClr val="FF0000"/>
+            </a:solidFill>
+          </a:ln>
         </p:spPr>
         <p:style>
           <a:lnRef idx="2">
@@ -9139,12 +9213,244 @@
           </a:p>
         </p:txBody>
       </p:sp>
-      <p:sp>
-        <p:nvSpPr>
-          <p:cNvPr id="12" name="Oval 11">
-            <a:extLst>
-              <a:ext uri="{FF2B5EF4-FFF2-40B4-BE49-F238E27FC236}">
-                <a16:creationId xmlns:a16="http://schemas.microsoft.com/office/drawing/2014/main" id="{217BB66C-C714-469B-AF77-C60DDDB882F0}"/>
+    </p:spTree>
+    <p:extLst>
+      <p:ext uri="{BB962C8B-B14F-4D97-AF65-F5344CB8AC3E}">
+        <p14:creationId xmlns:p14="http://schemas.microsoft.com/office/powerpoint/2010/main" val="300964787"/>
+      </p:ext>
+    </p:extLst>
+  </p:cSld>
+  <p:clrMapOvr>
+    <a:masterClrMapping/>
+  </p:clrMapOvr>
+</p:sld>
+</file>
+
+<file path=ppt/slides/slide6.xml><?xml version="1.0" encoding="utf-8"?>
+<p:sld xmlns:a="http://schemas.openxmlformats.org/drawingml/2006/main" xmlns:r="http://schemas.openxmlformats.org/officeDocument/2006/relationships" xmlns:p="http://schemas.openxmlformats.org/presentationml/2006/main">
+  <p:cSld>
+    <p:spTree>
+      <p:nvGrpSpPr>
+        <p:cNvPr id="1" name=""/>
+        <p:cNvGrpSpPr/>
+        <p:nvPr/>
+      </p:nvGrpSpPr>
+      <p:grpSpPr>
+        <a:xfrm>
+          <a:off x="0" y="0"/>
+          <a:ext cx="0" cy="0"/>
+          <a:chOff x="0" y="0"/>
+          <a:chExt cx="0" cy="0"/>
+        </a:xfrm>
+      </p:grpSpPr>
+      <p:sp>
+        <p:nvSpPr>
+          <p:cNvPr id="2" name="Title 1">
+            <a:extLst>
+              <a:ext uri="{FF2B5EF4-FFF2-40B4-BE49-F238E27FC236}">
+                <a16:creationId xmlns:a16="http://schemas.microsoft.com/office/drawing/2014/main" id="{C18A098F-C2E0-4919-B08A-E8641C2FA099}"/>
+              </a:ext>
+            </a:extLst>
+          </p:cNvPr>
+          <p:cNvSpPr>
+            <a:spLocks noGrp="1"/>
+          </p:cNvSpPr>
+          <p:nvPr>
+            <p:ph type="title"/>
+          </p:nvPr>
+        </p:nvSpPr>
+        <p:spPr/>
+        <p:txBody>
+          <a:bodyPr/>
+          <a:lstStyle/>
+          <a:p>
+            <a:endParaRPr lang="en-US"/>
+          </a:p>
+        </p:txBody>
+      </p:sp>
+      <p:pic>
+        <p:nvPicPr>
+          <p:cNvPr id="5" name="Content Placeholder 4">
+            <a:extLst>
+              <a:ext uri="{FF2B5EF4-FFF2-40B4-BE49-F238E27FC236}">
+                <a16:creationId xmlns:a16="http://schemas.microsoft.com/office/drawing/2014/main" id="{9122F94D-F45C-451F-BA89-2A18597F03AE}"/>
+              </a:ext>
+            </a:extLst>
+          </p:cNvPr>
+          <p:cNvPicPr>
+            <a:picLocks noGrp="1" noChangeAspect="1"/>
+          </p:cNvPicPr>
+          <p:nvPr>
+            <p:ph idx="1"/>
+          </p:nvPr>
+        </p:nvPicPr>
+        <p:blipFill>
+          <a:blip r:embed="rId2">
+            <a:extLst>
+              <a:ext uri="{28A0092B-C50C-407E-A947-70E740481C1C}">
+                <a14:useLocalDpi xmlns:a14="http://schemas.microsoft.com/office/drawing/2010/main" val="0"/>
+              </a:ext>
+            </a:extLst>
+          </a:blip>
+          <a:stretch>
+            <a:fillRect/>
+          </a:stretch>
+        </p:blipFill>
+        <p:spPr>
+          <a:xfrm>
+            <a:off x="838200" y="238086"/>
+            <a:ext cx="10100733" cy="6381828"/>
+          </a:xfrm>
+        </p:spPr>
+      </p:pic>
+    </p:spTree>
+    <p:extLst>
+      <p:ext uri="{BB962C8B-B14F-4D97-AF65-F5344CB8AC3E}">
+        <p14:creationId xmlns:p14="http://schemas.microsoft.com/office/powerpoint/2010/main" val="1411385538"/>
+      </p:ext>
+    </p:extLst>
+  </p:cSld>
+  <p:clrMapOvr>
+    <a:masterClrMapping/>
+  </p:clrMapOvr>
+</p:sld>
+</file>
+
+<file path=ppt/slides/slide7.xml><?xml version="1.0" encoding="utf-8"?>
+<p:sld xmlns:a="http://schemas.openxmlformats.org/drawingml/2006/main" xmlns:r="http://schemas.openxmlformats.org/officeDocument/2006/relationships" xmlns:p="http://schemas.openxmlformats.org/presentationml/2006/main">
+  <p:cSld>
+    <p:spTree>
+      <p:nvGrpSpPr>
+        <p:cNvPr id="1" name=""/>
+        <p:cNvGrpSpPr/>
+        <p:nvPr/>
+      </p:nvGrpSpPr>
+      <p:grpSpPr>
+        <a:xfrm>
+          <a:off x="0" y="0"/>
+          <a:ext cx="0" cy="0"/>
+          <a:chOff x="0" y="0"/>
+          <a:chExt cx="0" cy="0"/>
+        </a:xfrm>
+      </p:grpSpPr>
+      <p:sp>
+        <p:nvSpPr>
+          <p:cNvPr id="2" name="Title 1">
+            <a:extLst>
+              <a:ext uri="{FF2B5EF4-FFF2-40B4-BE49-F238E27FC236}">
+                <a16:creationId xmlns:a16="http://schemas.microsoft.com/office/drawing/2014/main" id="{551CA754-C649-4EB2-99C6-2F6F4B3C30D6}"/>
+              </a:ext>
+            </a:extLst>
+          </p:cNvPr>
+          <p:cNvSpPr>
+            <a:spLocks noGrp="1"/>
+          </p:cNvSpPr>
+          <p:nvPr>
+            <p:ph type="title"/>
+          </p:nvPr>
+        </p:nvSpPr>
+        <p:spPr>
+          <a:xfrm>
+            <a:off x="0" y="-56873"/>
+            <a:ext cx="4855810" cy="1313775"/>
+          </a:xfrm>
+        </p:spPr>
+        <p:txBody>
+          <a:bodyPr>
+            <a:normAutofit/>
+          </a:bodyPr>
+          <a:lstStyle/>
+          <a:p>
+            <a:r>
+              <a:rPr lang="en-US" sz="3200" dirty="0"/>
+              <a:t>Exploratory data analysis:</a:t>
+            </a:r>
+          </a:p>
+        </p:txBody>
+      </p:sp>
+      <p:sp>
+        <p:nvSpPr>
+          <p:cNvPr id="3" name="Content Placeholder 2">
+            <a:extLst>
+              <a:ext uri="{FF2B5EF4-FFF2-40B4-BE49-F238E27FC236}">
+                <a16:creationId xmlns:a16="http://schemas.microsoft.com/office/drawing/2014/main" id="{705A508C-8A93-4E64-B2AC-5AFA9C8C3982}"/>
+              </a:ext>
+            </a:extLst>
+          </p:cNvPr>
+          <p:cNvSpPr>
+            <a:spLocks noGrp="1"/>
+          </p:cNvSpPr>
+          <p:nvPr>
+            <p:ph idx="1"/>
+          </p:nvPr>
+        </p:nvSpPr>
+        <p:spPr>
+          <a:xfrm>
+            <a:off x="400117" y="1918968"/>
+            <a:ext cx="3073400" cy="494242"/>
+          </a:xfrm>
+        </p:spPr>
+        <p:txBody>
+          <a:bodyPr/>
+          <a:lstStyle/>
+          <a:p>
+            <a:pPr marL="0" indent="0">
+              <a:buNone/>
+            </a:pPr>
+            <a:r>
+              <a:rPr lang="en-US" dirty="0"/>
+              <a:t>Cars.com dataset:</a:t>
+            </a:r>
+          </a:p>
+          <a:p>
+            <a:pPr marL="0" indent="0">
+              <a:buNone/>
+            </a:pPr>
+            <a:endParaRPr lang="en-US" dirty="0"/>
+          </a:p>
+        </p:txBody>
+      </p:sp>
+      <p:sp>
+        <p:nvSpPr>
+          <p:cNvPr id="4" name="TextBox 3">
+            <a:extLst>
+              <a:ext uri="{FF2B5EF4-FFF2-40B4-BE49-F238E27FC236}">
+                <a16:creationId xmlns:a16="http://schemas.microsoft.com/office/drawing/2014/main" id="{C59FDB1F-9D7F-40D6-ABF6-BBAFEC25F6E8}"/>
+              </a:ext>
+            </a:extLst>
+          </p:cNvPr>
+          <p:cNvSpPr txBox="1"/>
+          <p:nvPr/>
+        </p:nvSpPr>
+        <p:spPr>
+          <a:xfrm>
+            <a:off x="988055" y="3310967"/>
+            <a:ext cx="1846724" cy="369332"/>
+          </a:xfrm>
+          <a:prstGeom prst="rect">
+            <a:avLst/>
+          </a:prstGeom>
+          <a:noFill/>
+        </p:spPr>
+        <p:txBody>
+          <a:bodyPr wrap="none" rtlCol="0">
+            <a:spAutoFit/>
+          </a:bodyPr>
+          <a:lstStyle/>
+          <a:p>
+            <a:r>
+              <a:rPr lang="en-US" dirty="0"/>
+              <a:t>About: 2115 rows</a:t>
+            </a:r>
+          </a:p>
+        </p:txBody>
+      </p:sp>
+      <p:sp>
+        <p:nvSpPr>
+          <p:cNvPr id="5" name="Arrow: Down 4">
+            <a:extLst>
+              <a:ext uri="{FF2B5EF4-FFF2-40B4-BE49-F238E27FC236}">
+                <a16:creationId xmlns:a16="http://schemas.microsoft.com/office/drawing/2014/main" id="{16090584-2F9F-43C4-B4ED-17E0FB587D49}"/>
               </a:ext>
             </a:extLst>
           </p:cNvPr>
@@ -9153,21 +9459,12 @@
         </p:nvSpPr>
         <p:spPr>
           <a:xfrm>
-            <a:off x="5382884" y="1637715"/>
-            <a:ext cx="5563490" cy="5017251"/>
-          </a:xfrm>
-          <a:prstGeom prst="ellipse">
-            <a:avLst/>
-          </a:prstGeom>
-          <a:noFill/>
-          <a:effectLst>
-            <a:glow rad="63500">
-              <a:schemeClr val="accent6">
-                <a:satMod val="175000"/>
-                <a:alpha val="40000"/>
-              </a:schemeClr>
-            </a:glow>
-          </a:effectLst>
+            <a:off x="1695517" y="2608168"/>
+            <a:ext cx="482600" cy="494242"/>
+          </a:xfrm>
+          <a:prstGeom prst="downArrow">
+            <a:avLst/>
+          </a:prstGeom>
         </p:spPr>
         <p:style>
           <a:lnRef idx="2">
@@ -9196,6 +9493,267 @@
       </p:sp>
       <p:sp>
         <p:nvSpPr>
+          <p:cNvPr id="6" name="Arrow: Down 5">
+            <a:extLst>
+              <a:ext uri="{FF2B5EF4-FFF2-40B4-BE49-F238E27FC236}">
+                <a16:creationId xmlns:a16="http://schemas.microsoft.com/office/drawing/2014/main" id="{6AC63BC0-98D2-42C9-BEB6-B290D70DD564}"/>
+              </a:ext>
+            </a:extLst>
+          </p:cNvPr>
+          <p:cNvSpPr/>
+          <p:nvPr/>
+        </p:nvSpPr>
+        <p:spPr>
+          <a:xfrm>
+            <a:off x="1645743" y="3843190"/>
+            <a:ext cx="582148" cy="787400"/>
+          </a:xfrm>
+          <a:prstGeom prst="downArrow">
+            <a:avLst/>
+          </a:prstGeom>
+        </p:spPr>
+        <p:style>
+          <a:lnRef idx="2">
+            <a:schemeClr val="accent1">
+              <a:shade val="50000"/>
+            </a:schemeClr>
+          </a:lnRef>
+          <a:fillRef idx="1">
+            <a:schemeClr val="accent1"/>
+          </a:fillRef>
+          <a:effectRef idx="0">
+            <a:schemeClr val="accent1"/>
+          </a:effectRef>
+          <a:fontRef idx="minor">
+            <a:schemeClr val="lt1"/>
+          </a:fontRef>
+        </p:style>
+        <p:txBody>
+          <a:bodyPr rtlCol="0" anchor="ctr"/>
+          <a:lstStyle/>
+          <a:p>
+            <a:pPr algn="ctr"/>
+            <a:endParaRPr lang="en-US"/>
+          </a:p>
+        </p:txBody>
+      </p:sp>
+      <p:sp>
+        <p:nvSpPr>
+          <p:cNvPr id="7" name="TextBox 6">
+            <a:extLst>
+              <a:ext uri="{FF2B5EF4-FFF2-40B4-BE49-F238E27FC236}">
+                <a16:creationId xmlns:a16="http://schemas.microsoft.com/office/drawing/2014/main" id="{2989CE29-9A81-4E20-8F02-D685AF321042}"/>
+              </a:ext>
+            </a:extLst>
+          </p:cNvPr>
+          <p:cNvSpPr txBox="1"/>
+          <p:nvPr/>
+        </p:nvSpPr>
+        <p:spPr>
+          <a:xfrm>
+            <a:off x="596762" y="3935318"/>
+            <a:ext cx="2629310" cy="369332"/>
+          </a:xfrm>
+          <a:prstGeom prst="rect">
+            <a:avLst/>
+          </a:prstGeom>
+          <a:noFill/>
+        </p:spPr>
+        <p:txBody>
+          <a:bodyPr wrap="none" rtlCol="0">
+            <a:spAutoFit/>
+          </a:bodyPr>
+          <a:lstStyle/>
+          <a:p>
+            <a:r>
+              <a:rPr lang="en-US" dirty="0"/>
+              <a:t>After dropping duplicates:</a:t>
+            </a:r>
+          </a:p>
+        </p:txBody>
+      </p:sp>
+      <p:sp>
+        <p:nvSpPr>
+          <p:cNvPr id="8" name="TextBox 7">
+            <a:extLst>
+              <a:ext uri="{FF2B5EF4-FFF2-40B4-BE49-F238E27FC236}">
+                <a16:creationId xmlns:a16="http://schemas.microsoft.com/office/drawing/2014/main" id="{4B9179A4-A240-4094-9CED-55B37E97C09F}"/>
+              </a:ext>
+            </a:extLst>
+          </p:cNvPr>
+          <p:cNvSpPr txBox="1"/>
+          <p:nvPr/>
+        </p:nvSpPr>
+        <p:spPr>
+          <a:xfrm>
+            <a:off x="1175583" y="4966716"/>
+            <a:ext cx="1522468" cy="369332"/>
+          </a:xfrm>
+          <a:prstGeom prst="rect">
+            <a:avLst/>
+          </a:prstGeom>
+          <a:noFill/>
+        </p:spPr>
+        <p:txBody>
+          <a:bodyPr wrap="none" rtlCol="0">
+            <a:spAutoFit/>
+          </a:bodyPr>
+          <a:lstStyle/>
+          <a:p>
+            <a:r>
+              <a:rPr lang="en-US" dirty="0"/>
+              <a:t>1202 rows left</a:t>
+            </a:r>
+          </a:p>
+        </p:txBody>
+      </p:sp>
+      <p:sp>
+        <p:nvSpPr>
+          <p:cNvPr id="9" name="TextBox 8">
+            <a:extLst>
+              <a:ext uri="{FF2B5EF4-FFF2-40B4-BE49-F238E27FC236}">
+                <a16:creationId xmlns:a16="http://schemas.microsoft.com/office/drawing/2014/main" id="{FDD134D5-9EF1-48F9-8ABD-5965C7837C90}"/>
+              </a:ext>
+            </a:extLst>
+          </p:cNvPr>
+          <p:cNvSpPr txBox="1"/>
+          <p:nvPr/>
+        </p:nvSpPr>
+        <p:spPr>
+          <a:xfrm>
+            <a:off x="4855810" y="893590"/>
+            <a:ext cx="5190011" cy="400110"/>
+          </a:xfrm>
+          <a:prstGeom prst="rect">
+            <a:avLst/>
+          </a:prstGeom>
+          <a:noFill/>
+        </p:spPr>
+        <p:txBody>
+          <a:bodyPr wrap="none" rtlCol="0">
+            <a:spAutoFit/>
+          </a:bodyPr>
+          <a:lstStyle/>
+          <a:p>
+            <a:r>
+              <a:rPr lang="en-US" sz="2000" dirty="0"/>
+              <a:t>Both data sets contains more than 20+ variables</a:t>
+            </a:r>
+          </a:p>
+        </p:txBody>
+      </p:sp>
+      <p:sp>
+        <p:nvSpPr>
+          <p:cNvPr id="10" name="Oval 9">
+            <a:extLst>
+              <a:ext uri="{FF2B5EF4-FFF2-40B4-BE49-F238E27FC236}">
+                <a16:creationId xmlns:a16="http://schemas.microsoft.com/office/drawing/2014/main" id="{8C2BC456-0B4C-4677-92B0-A74B67BB084F}"/>
+              </a:ext>
+            </a:extLst>
+          </p:cNvPr>
+          <p:cNvSpPr/>
+          <p:nvPr/>
+        </p:nvSpPr>
+        <p:spPr>
+          <a:xfrm>
+            <a:off x="3874935" y="1637715"/>
+            <a:ext cx="5133321" cy="5017252"/>
+          </a:xfrm>
+          <a:prstGeom prst="ellipse">
+            <a:avLst/>
+          </a:prstGeom>
+          <a:noFill/>
+          <a:effectLst>
+            <a:glow rad="101600">
+              <a:schemeClr val="accent5">
+                <a:satMod val="175000"/>
+                <a:alpha val="40000"/>
+              </a:schemeClr>
+            </a:glow>
+          </a:effectLst>
+        </p:spPr>
+        <p:style>
+          <a:lnRef idx="2">
+            <a:schemeClr val="accent1">
+              <a:shade val="50000"/>
+            </a:schemeClr>
+          </a:lnRef>
+          <a:fillRef idx="1">
+            <a:schemeClr val="accent1"/>
+          </a:fillRef>
+          <a:effectRef idx="0">
+            <a:schemeClr val="accent1"/>
+          </a:effectRef>
+          <a:fontRef idx="minor">
+            <a:schemeClr val="lt1"/>
+          </a:fontRef>
+        </p:style>
+        <p:txBody>
+          <a:bodyPr rtlCol="0" anchor="ctr"/>
+          <a:lstStyle/>
+          <a:p>
+            <a:pPr algn="ctr"/>
+            <a:endParaRPr lang="en-US"/>
+          </a:p>
+        </p:txBody>
+      </p:sp>
+      <p:sp>
+        <p:nvSpPr>
+          <p:cNvPr id="12" name="Oval 11">
+            <a:extLst>
+              <a:ext uri="{FF2B5EF4-FFF2-40B4-BE49-F238E27FC236}">
+                <a16:creationId xmlns:a16="http://schemas.microsoft.com/office/drawing/2014/main" id="{217BB66C-C714-469B-AF77-C60DDDB882F0}"/>
+              </a:ext>
+            </a:extLst>
+          </p:cNvPr>
+          <p:cNvSpPr/>
+          <p:nvPr/>
+        </p:nvSpPr>
+        <p:spPr>
+          <a:xfrm>
+            <a:off x="5382884" y="1637715"/>
+            <a:ext cx="5563490" cy="5017251"/>
+          </a:xfrm>
+          <a:prstGeom prst="ellipse">
+            <a:avLst/>
+          </a:prstGeom>
+          <a:noFill/>
+          <a:effectLst>
+            <a:glow rad="63500">
+              <a:schemeClr val="accent6">
+                <a:satMod val="175000"/>
+                <a:alpha val="40000"/>
+              </a:schemeClr>
+            </a:glow>
+          </a:effectLst>
+        </p:spPr>
+        <p:style>
+          <a:lnRef idx="2">
+            <a:schemeClr val="accent1">
+              <a:shade val="50000"/>
+            </a:schemeClr>
+          </a:lnRef>
+          <a:fillRef idx="1">
+            <a:schemeClr val="accent1"/>
+          </a:fillRef>
+          <a:effectRef idx="0">
+            <a:schemeClr val="accent1"/>
+          </a:effectRef>
+          <a:fontRef idx="minor">
+            <a:schemeClr val="lt1"/>
+          </a:fontRef>
+        </p:style>
+        <p:txBody>
+          <a:bodyPr rtlCol="0" anchor="ctr"/>
+          <a:lstStyle/>
+          <a:p>
+            <a:pPr algn="ctr"/>
+            <a:endParaRPr lang="en-US"/>
+          </a:p>
+        </p:txBody>
+      </p:sp>
+      <p:sp>
+        <p:nvSpPr>
           <p:cNvPr id="13" name="TextBox 12">
             <a:extLst>
               <a:ext uri="{FF2B5EF4-FFF2-40B4-BE49-F238E27FC236}">
@@ -9561,7 +10119,7 @@
 </p:sld>
 </file>
 
-<file path=ppt/slides/slide6.xml><?xml version="1.0" encoding="utf-8"?>
+<file path=ppt/slides/slide8.xml><?xml version="1.0" encoding="utf-8"?>
 <p:sld xmlns:a="http://schemas.openxmlformats.org/drawingml/2006/main" xmlns:r="http://schemas.openxmlformats.org/officeDocument/2006/relationships" xmlns:p="http://schemas.openxmlformats.org/presentationml/2006/main">
   <p:cSld>
     <p:spTree>
@@ -10033,242 +10591,6 @@
 </p:sld>
 </file>
 
-<file path=ppt/slides/slide7.xml><?xml version="1.0" encoding="utf-8"?>
-<p:sld xmlns:a="http://schemas.openxmlformats.org/drawingml/2006/main" xmlns:r="http://schemas.openxmlformats.org/officeDocument/2006/relationships" xmlns:p="http://schemas.openxmlformats.org/presentationml/2006/main">
-  <p:cSld>
-    <p:spTree>
-      <p:nvGrpSpPr>
-        <p:cNvPr id="1" name=""/>
-        <p:cNvGrpSpPr/>
-        <p:nvPr/>
-      </p:nvGrpSpPr>
-      <p:grpSpPr>
-        <a:xfrm>
-          <a:off x="0" y="0"/>
-          <a:ext cx="0" cy="0"/>
-          <a:chOff x="0" y="0"/>
-          <a:chExt cx="0" cy="0"/>
-        </a:xfrm>
-      </p:grpSpPr>
-      <p:sp>
-        <p:nvSpPr>
-          <p:cNvPr id="2" name="Title 1">
-            <a:extLst>
-              <a:ext uri="{FF2B5EF4-FFF2-40B4-BE49-F238E27FC236}">
-                <a16:creationId xmlns:a16="http://schemas.microsoft.com/office/drawing/2014/main" id="{58F6AE76-66E5-43EE-B985-03FE610EE864}"/>
-              </a:ext>
-            </a:extLst>
-          </p:cNvPr>
-          <p:cNvSpPr>
-            <a:spLocks noGrp="1"/>
-          </p:cNvSpPr>
-          <p:nvPr>
-            <p:ph type="title"/>
-          </p:nvPr>
-        </p:nvSpPr>
-        <p:spPr>
-          <a:xfrm>
-            <a:off x="0" y="1"/>
-            <a:ext cx="4572000" cy="1041400"/>
-          </a:xfrm>
-        </p:spPr>
-        <p:txBody>
-          <a:bodyPr>
-            <a:normAutofit/>
-          </a:bodyPr>
-          <a:lstStyle/>
-          <a:p>
-            <a:r>
-              <a:rPr lang="en-US" sz="3200" dirty="0"/>
-              <a:t>Exploratory data analysis:</a:t>
-            </a:r>
-          </a:p>
-        </p:txBody>
-      </p:sp>
-      <p:pic>
-        <p:nvPicPr>
-          <p:cNvPr id="5" name="Content Placeholder 4">
-            <a:extLst>
-              <a:ext uri="{FF2B5EF4-FFF2-40B4-BE49-F238E27FC236}">
-                <a16:creationId xmlns:a16="http://schemas.microsoft.com/office/drawing/2014/main" id="{BAE0B244-FEBD-4179-AA95-89B2CB155EFF}"/>
-              </a:ext>
-            </a:extLst>
-          </p:cNvPr>
-          <p:cNvPicPr>
-            <a:picLocks noGrp="1" noChangeAspect="1"/>
-          </p:cNvPicPr>
-          <p:nvPr>
-            <p:ph idx="1"/>
-          </p:nvPr>
-        </p:nvPicPr>
-        <p:blipFill>
-          <a:blip r:embed="rId2">
-            <a:extLst>
-              <a:ext uri="{28A0092B-C50C-407E-A947-70E740481C1C}">
-                <a14:useLocalDpi xmlns:a14="http://schemas.microsoft.com/office/drawing/2010/main" val="0"/>
-              </a:ext>
-            </a:extLst>
-          </a:blip>
-          <a:stretch>
-            <a:fillRect/>
-          </a:stretch>
-        </p:blipFill>
-        <p:spPr>
-          <a:xfrm>
-            <a:off x="467992" y="1121303"/>
-            <a:ext cx="10985030" cy="5592763"/>
-          </a:xfrm>
-        </p:spPr>
-      </p:pic>
-    </p:spTree>
-    <p:extLst>
-      <p:ext uri="{BB962C8B-B14F-4D97-AF65-F5344CB8AC3E}">
-        <p14:creationId xmlns:p14="http://schemas.microsoft.com/office/powerpoint/2010/main" val="430163561"/>
-      </p:ext>
-    </p:extLst>
-  </p:cSld>
-  <p:clrMapOvr>
-    <a:masterClrMapping/>
-  </p:clrMapOvr>
-</p:sld>
-</file>
-
-<file path=ppt/slides/slide8.xml><?xml version="1.0" encoding="utf-8"?>
-<p:sld xmlns:a="http://schemas.openxmlformats.org/drawingml/2006/main" xmlns:r="http://schemas.openxmlformats.org/officeDocument/2006/relationships" xmlns:p="http://schemas.openxmlformats.org/presentationml/2006/main">
-  <p:cSld>
-    <p:spTree>
-      <p:nvGrpSpPr>
-        <p:cNvPr id="1" name=""/>
-        <p:cNvGrpSpPr/>
-        <p:nvPr/>
-      </p:nvGrpSpPr>
-      <p:grpSpPr>
-        <a:xfrm>
-          <a:off x="0" y="0"/>
-          <a:ext cx="0" cy="0"/>
-          <a:chOff x="0" y="0"/>
-          <a:chExt cx="0" cy="0"/>
-        </a:xfrm>
-      </p:grpSpPr>
-      <p:pic>
-        <p:nvPicPr>
-          <p:cNvPr id="5" name="Content Placeholder 4">
-            <a:extLst>
-              <a:ext uri="{FF2B5EF4-FFF2-40B4-BE49-F238E27FC236}">
-                <a16:creationId xmlns:a16="http://schemas.microsoft.com/office/drawing/2014/main" id="{94FEF46E-3A00-4927-A90A-ACE606606BFA}"/>
-              </a:ext>
-            </a:extLst>
-          </p:cNvPr>
-          <p:cNvPicPr>
-            <a:picLocks noGrp="1" noChangeAspect="1"/>
-          </p:cNvPicPr>
-          <p:nvPr>
-            <p:ph idx="1"/>
-          </p:nvPr>
-        </p:nvPicPr>
-        <p:blipFill>
-          <a:blip r:embed="rId2">
-            <a:extLst>
-              <a:ext uri="{28A0092B-C50C-407E-A947-70E740481C1C}">
-                <a14:useLocalDpi xmlns:a14="http://schemas.microsoft.com/office/drawing/2010/main" val="0"/>
-              </a:ext>
-            </a:extLst>
-          </a:blip>
-          <a:stretch>
-            <a:fillRect/>
-          </a:stretch>
-        </p:blipFill>
-        <p:spPr>
-          <a:xfrm>
-            <a:off x="5334322" y="220133"/>
-            <a:ext cx="6857678" cy="3491422"/>
-          </a:xfrm>
-        </p:spPr>
-      </p:pic>
-      <p:pic>
-        <p:nvPicPr>
-          <p:cNvPr id="7" name="Picture 6">
-            <a:extLst>
-              <a:ext uri="{FF2B5EF4-FFF2-40B4-BE49-F238E27FC236}">
-                <a16:creationId xmlns:a16="http://schemas.microsoft.com/office/drawing/2014/main" id="{68C378BC-BE02-4716-8EA7-6197A133B01D}"/>
-              </a:ext>
-            </a:extLst>
-          </p:cNvPr>
-          <p:cNvPicPr>
-            <a:picLocks noChangeAspect="1"/>
-          </p:cNvPicPr>
-          <p:nvPr/>
-        </p:nvPicPr>
-        <p:blipFill>
-          <a:blip r:embed="rId3">
-            <a:extLst>
-              <a:ext uri="{28A0092B-C50C-407E-A947-70E740481C1C}">
-                <a14:useLocalDpi xmlns:a14="http://schemas.microsoft.com/office/drawing/2010/main" val="0"/>
-              </a:ext>
-            </a:extLst>
-          </a:blip>
-          <a:stretch>
-            <a:fillRect/>
-          </a:stretch>
-        </p:blipFill>
-        <p:spPr>
-          <a:xfrm>
-            <a:off x="0" y="3429000"/>
-            <a:ext cx="6612467" cy="3366578"/>
-          </a:xfrm>
-          <a:prstGeom prst="rect">
-            <a:avLst/>
-          </a:prstGeom>
-        </p:spPr>
-      </p:pic>
-      <p:sp>
-        <p:nvSpPr>
-          <p:cNvPr id="8" name="TextBox 7">
-            <a:extLst>
-              <a:ext uri="{FF2B5EF4-FFF2-40B4-BE49-F238E27FC236}">
-                <a16:creationId xmlns:a16="http://schemas.microsoft.com/office/drawing/2014/main" id="{067E7727-3C0E-4A5A-9AFF-930916C5B9F4}"/>
-              </a:ext>
-            </a:extLst>
-          </p:cNvPr>
-          <p:cNvSpPr txBox="1"/>
-          <p:nvPr/>
-        </p:nvSpPr>
-        <p:spPr>
-          <a:xfrm>
-            <a:off x="0" y="0"/>
-            <a:ext cx="5818772" cy="584775"/>
-          </a:xfrm>
-          <a:prstGeom prst="rect">
-            <a:avLst/>
-          </a:prstGeom>
-          <a:noFill/>
-        </p:spPr>
-        <p:txBody>
-          <a:bodyPr wrap="none" rtlCol="0">
-            <a:spAutoFit/>
-          </a:bodyPr>
-          <a:lstStyle/>
-          <a:p>
-            <a:r>
-              <a:rPr lang="en-US" sz="3200" dirty="0"/>
-              <a:t>EDA: Factors that affects the price</a:t>
-            </a:r>
-          </a:p>
-        </p:txBody>
-      </p:sp>
-    </p:spTree>
-    <p:extLst>
-      <p:ext uri="{BB962C8B-B14F-4D97-AF65-F5344CB8AC3E}">
-        <p14:creationId xmlns:p14="http://schemas.microsoft.com/office/powerpoint/2010/main" val="1355391761"/>
-      </p:ext>
-    </p:extLst>
-  </p:cSld>
-  <p:clrMapOvr>
-    <a:masterClrMapping/>
-  </p:clrMapOvr>
-</p:sld>
-</file>
-
 <file path=ppt/slides/slide9.xml><?xml version="1.0" encoding="utf-8"?>
 <p:sld xmlns:a="http://schemas.openxmlformats.org/drawingml/2006/main" xmlns:r="http://schemas.openxmlformats.org/officeDocument/2006/relationships" xmlns:p="http://schemas.openxmlformats.org/presentationml/2006/main">
   <p:cSld>
@@ -10291,7 +10613,7 @@
           <p:cNvPr id="2" name="Title 1">
             <a:extLst>
               <a:ext uri="{FF2B5EF4-FFF2-40B4-BE49-F238E27FC236}">
-                <a16:creationId xmlns:a16="http://schemas.microsoft.com/office/drawing/2014/main" id="{965CE132-48A5-446C-94ED-615E880B8E72}"/>
+                <a16:creationId xmlns:a16="http://schemas.microsoft.com/office/drawing/2014/main" id="{58F6AE76-66E5-43EE-B985-03FE610EE864}"/>
               </a:ext>
             </a:extLst>
           </p:cNvPr>
@@ -10304,17 +10626,19 @@
         </p:nvSpPr>
         <p:spPr>
           <a:xfrm>
-            <a:off x="160866" y="-302139"/>
-            <a:ext cx="10515600" cy="1325563"/>
-          </a:xfrm>
-        </p:spPr>
-        <p:txBody>
-          <a:bodyPr/>
-          <a:lstStyle/>
-          <a:p>
-            <a:r>
-              <a:rPr lang="en-US" dirty="0"/>
-              <a:t>EDA: Factors that affects the price</a:t>
+            <a:off x="0" y="1"/>
+            <a:ext cx="4572000" cy="1041400"/>
+          </a:xfrm>
+        </p:spPr>
+        <p:txBody>
+          <a:bodyPr>
+            <a:normAutofit/>
+          </a:bodyPr>
+          <a:lstStyle/>
+          <a:p>
+            <a:r>
+              <a:rPr lang="en-US" sz="3200" dirty="0"/>
+              <a:t>Exploratory data analysis:</a:t>
             </a:r>
           </a:p>
         </p:txBody>
@@ -10324,7 +10648,7 @@
           <p:cNvPr id="5" name="Content Placeholder 4">
             <a:extLst>
               <a:ext uri="{FF2B5EF4-FFF2-40B4-BE49-F238E27FC236}">
-                <a16:creationId xmlns:a16="http://schemas.microsoft.com/office/drawing/2014/main" id="{C1B0904F-3AE8-4CFF-9D73-E37BB66B8E27}"/>
+                <a16:creationId xmlns:a16="http://schemas.microsoft.com/office/drawing/2014/main" id="{BAE0B244-FEBD-4179-AA95-89B2CB155EFF}"/>
               </a:ext>
             </a:extLst>
           </p:cNvPr>
@@ -10349,87 +10673,15 @@
         </p:blipFill>
         <p:spPr>
           <a:xfrm>
-            <a:off x="0" y="733176"/>
-            <a:ext cx="5858693" cy="3562847"/>
-          </a:xfrm>
-        </p:spPr>
-      </p:pic>
-      <p:pic>
-        <p:nvPicPr>
-          <p:cNvPr id="9" name="Picture 8">
-            <a:extLst>
-              <a:ext uri="{FF2B5EF4-FFF2-40B4-BE49-F238E27FC236}">
-                <a16:creationId xmlns:a16="http://schemas.microsoft.com/office/drawing/2014/main" id="{F2DB9179-CDE2-4084-A698-94B8A9F7D37A}"/>
-              </a:ext>
-            </a:extLst>
-          </p:cNvPr>
-          <p:cNvPicPr>
-            <a:picLocks noChangeAspect="1"/>
-          </p:cNvPicPr>
-          <p:nvPr/>
-        </p:nvPicPr>
-        <p:blipFill>
-          <a:blip r:embed="rId3">
-            <a:extLst>
-              <a:ext uri="{28A0092B-C50C-407E-A947-70E740481C1C}">
-                <a14:useLocalDpi xmlns:a14="http://schemas.microsoft.com/office/drawing/2010/main" val="0"/>
-              </a:ext>
-            </a:extLst>
-          </a:blip>
-          <a:stretch>
-            <a:fillRect/>
-          </a:stretch>
-        </p:blipFill>
-        <p:spPr>
-          <a:xfrm>
-            <a:off x="5374641" y="3132667"/>
-            <a:ext cx="6817359" cy="3725333"/>
-          </a:xfrm>
-          <a:prstGeom prst="rect">
-            <a:avLst/>
-          </a:prstGeom>
-        </p:spPr>
-      </p:pic>
-      <p:pic>
-        <p:nvPicPr>
-          <p:cNvPr id="11" name="Picture 10">
-            <a:extLst>
-              <a:ext uri="{FF2B5EF4-FFF2-40B4-BE49-F238E27FC236}">
-                <a16:creationId xmlns:a16="http://schemas.microsoft.com/office/drawing/2014/main" id="{DB726C72-68EB-4E12-B2D0-40CB7F76718B}"/>
-              </a:ext>
-            </a:extLst>
-          </p:cNvPr>
-          <p:cNvPicPr>
-            <a:picLocks noChangeAspect="1"/>
-          </p:cNvPicPr>
-          <p:nvPr/>
-        </p:nvPicPr>
-        <p:blipFill>
-          <a:blip r:embed="rId4">
-            <a:extLst>
-              <a:ext uri="{28A0092B-C50C-407E-A947-70E740481C1C}">
-                <a14:useLocalDpi xmlns:a14="http://schemas.microsoft.com/office/drawing/2010/main" val="0"/>
-              </a:ext>
-            </a:extLst>
-          </a:blip>
-          <a:stretch>
-            <a:fillRect/>
-          </a:stretch>
-        </p:blipFill>
-        <p:spPr>
-          <a:xfrm>
-            <a:off x="939800" y="4420936"/>
-            <a:ext cx="3522133" cy="2332538"/>
-          </a:xfrm>
-          <a:prstGeom prst="rect">
-            <a:avLst/>
-          </a:prstGeom>
+            <a:off x="467992" y="1121303"/>
+            <a:ext cx="10985030" cy="5592763"/>
+          </a:xfrm>
         </p:spPr>
       </p:pic>
     </p:spTree>
     <p:extLst>
       <p:ext uri="{BB962C8B-B14F-4D97-AF65-F5344CB8AC3E}">
-        <p14:creationId xmlns:p14="http://schemas.microsoft.com/office/powerpoint/2010/main" val="1456577022"/>
+        <p14:creationId xmlns:p14="http://schemas.microsoft.com/office/powerpoint/2010/main" val="430163561"/>
       </p:ext>
     </p:extLst>
   </p:cSld>
